--- a/predavanja/prezentacije/2020-21/04 - 02 - Slojevi kod TCP-IP - host-to-network.pptx
+++ b/predavanja/prezentacije/2020-21/04 - 02 - Slojevi kod TCP-IP - host-to-network.pptx
@@ -150,7 +150,7 @@
   </p:defaultTextStyle>
   <p:extLst>
     <p:ext uri="{EFAFB233-063F-42B5-8137-9DF3F51BA10A}">
-      <p15:sldGuideLst xmlns:p15="http://schemas.microsoft.com/office/powerpoint/2012/main" xmlns="">
+      <p15:sldGuideLst xmlns="" xmlns:p15="http://schemas.microsoft.com/office/powerpoint/2012/main">
         <p15:guide id="1" orient="horz" pos="2160">
           <p15:clr>
             <a:srgbClr val="A4A3A4"/>
@@ -164,7 +164,7 @@
       </p15:sldGuideLst>
     </p:ext>
     <p:ext uri="{2D200454-40CA-4A62-9FC3-DE9A4176ACB9}">
-      <p15:notesGuideLst xmlns:p15="http://schemas.microsoft.com/office/powerpoint/2012/main" xmlns="">
+      <p15:notesGuideLst xmlns="" xmlns:p15="http://schemas.microsoft.com/office/powerpoint/2012/main">
         <p15:guide id="1" orient="horz" pos="2880">
           <p15:clr>
             <a:srgbClr val="A4A3A4"/>
@@ -4377,11 +4377,6 @@
               </a:rPr>
               <a:t>”</a:t>
             </a:r>
-            <a:endParaRPr lang="en-US" altLang="en-US" sz="5400" dirty="0" smtClean="0">
-              <a:solidFill>
-                <a:schemeClr val="hlink"/>
-              </a:solidFill>
-            </a:endParaRPr>
           </a:p>
         </p:txBody>
       </p:sp>

--- a/predavanja/prezentacije/2020-21/04 - 02 - Slojevi kod TCP-IP - host-to-network.pptx
+++ b/predavanja/prezentacije/2020-21/04 - 02 - Slojevi kod TCP-IP - host-to-network.pptx
@@ -3,23 +3,24 @@
 <p:presentation xmlns:a="http://schemas.openxmlformats.org/drawingml/2006/main" xmlns:r="http://schemas.openxmlformats.org/officeDocument/2006/relationships" xmlns:p="http://schemas.openxmlformats.org/presentationml/2006/main" saveSubsetFonts="1">
   <p:sldMasterIdLst>
     <p:sldMasterId id="2147483750" r:id="rId1"/>
+    <p:sldMasterId id="2147483933" r:id="rId2"/>
   </p:sldMasterIdLst>
   <p:notesMasterIdLst>
-    <p:notesMasterId r:id="rId11"/>
+    <p:notesMasterId r:id="rId12"/>
   </p:notesMasterIdLst>
   <p:handoutMasterIdLst>
-    <p:handoutMasterId r:id="rId12"/>
+    <p:handoutMasterId r:id="rId13"/>
   </p:handoutMasterIdLst>
   <p:sldIdLst>
-    <p:sldId id="296" r:id="rId2"/>
-    <p:sldId id="297" r:id="rId3"/>
-    <p:sldId id="493" r:id="rId4"/>
-    <p:sldId id="502" r:id="rId5"/>
-    <p:sldId id="497" r:id="rId6"/>
-    <p:sldId id="503" r:id="rId7"/>
-    <p:sldId id="505" r:id="rId8"/>
-    <p:sldId id="507" r:id="rId9"/>
-    <p:sldId id="306" r:id="rId10"/>
+    <p:sldId id="296" r:id="rId3"/>
+    <p:sldId id="297" r:id="rId4"/>
+    <p:sldId id="493" r:id="rId5"/>
+    <p:sldId id="508" r:id="rId6"/>
+    <p:sldId id="497" r:id="rId7"/>
+    <p:sldId id="503" r:id="rId8"/>
+    <p:sldId id="505" r:id="rId9"/>
+    <p:sldId id="507" r:id="rId10"/>
+    <p:sldId id="306" r:id="rId11"/>
   </p:sldIdLst>
   <p:sldSz cx="9144000" cy="6858000" type="screen4x3"/>
   <p:notesSz cx="6858000" cy="9144000"/>
@@ -150,7 +151,7 @@
   </p:defaultTextStyle>
   <p:extLst>
     <p:ext uri="{EFAFB233-063F-42B5-8137-9DF3F51BA10A}">
-      <p15:sldGuideLst xmlns="" xmlns:p15="http://schemas.microsoft.com/office/powerpoint/2012/main">
+      <p15:sldGuideLst xmlns:p15="http://schemas.microsoft.com/office/powerpoint/2012/main">
         <p15:guide id="1" orient="horz" pos="2160">
           <p15:clr>
             <a:srgbClr val="A4A3A4"/>
@@ -164,7 +165,7 @@
       </p15:sldGuideLst>
     </p:ext>
     <p:ext uri="{2D200454-40CA-4A62-9FC3-DE9A4176ACB9}">
-      <p15:notesGuideLst xmlns="" xmlns:p15="http://schemas.microsoft.com/office/powerpoint/2012/main">
+      <p15:notesGuideLst xmlns:p15="http://schemas.microsoft.com/office/powerpoint/2012/main">
         <p15:guide id="1" orient="horz" pos="2880">
           <p15:clr>
             <a:srgbClr val="A4A3A4"/>
@@ -263,7 +264,7 @@
           <a:p>
             <a:fld id="{F07B70C6-757F-4600-A347-5E68BBCA3609}" type="datetimeFigureOut">
               <a:rPr lang="en-US" smtClean="0"/>
-              <a:t>2/27/2021</a:t>
+              <a:t>05-Mar-21</a:t>
             </a:fld>
             <a:endParaRPr lang="en-US"/>
           </a:p>
@@ -428,7 +429,7 @@
           <a:p>
             <a:fld id="{6B3683FA-0560-4266-A2CA-8A7D404C35FD}" type="datetimeFigureOut">
               <a:rPr lang="en-US" smtClean="0"/>
-              <a:t>2/27/2021</a:t>
+              <a:t>05-Mar-21</a:t>
             </a:fld>
             <a:endParaRPr lang="en-US"/>
           </a:p>
@@ -759,18 +760,78 @@
           <a:bodyPr/>
           <a:lstStyle/>
           <a:p>
+            <a:pPr marL="0" marR="0" lvl="0" indent="0" algn="r" defTabSz="914400" rtl="0" eaLnBrk="1" fontAlgn="base" latinLnBrk="0" hangingPunct="1">
+              <a:lnSpc>
+                <a:spcPct val="100000"/>
+              </a:lnSpc>
+              <a:spcBef>
+                <a:spcPct val="0"/>
+              </a:spcBef>
+              <a:spcAft>
+                <a:spcPct val="0"/>
+              </a:spcAft>
+              <a:buClrTx/>
+              <a:buSzTx/>
+              <a:buFontTx/>
+              <a:buNone/>
+              <a:tabLst/>
+              <a:defRPr/>
+            </a:pPr>
             <a:fld id="{4F17076B-8A0A-4D88-8A59-70E1D7445D20}" type="slidenum">
-              <a:rPr lang="en-US" smtClean="0"/>
+              <a:rPr kumimoji="0" lang="en-US" sz="1200" b="0" i="0" u="none" strike="noStrike" kern="1200" cap="none" spc="0" normalizeH="0" baseline="0" noProof="0" smtClean="0">
+                <a:ln>
+                  <a:noFill/>
+                </a:ln>
+                <a:solidFill>
+                  <a:prstClr val="black"/>
+                </a:solidFill>
+                <a:effectLst/>
+                <a:uLnTx/>
+                <a:uFillTx/>
+                <a:latin typeface="Times New Roman" pitchFamily="18" charset="0"/>
+                <a:ea typeface="+mn-ea"/>
+                <a:cs typeface="+mn-cs"/>
+              </a:rPr>
+              <a:pPr marL="0" marR="0" lvl="0" indent="0" algn="r" defTabSz="914400" rtl="0" eaLnBrk="1" fontAlgn="base" latinLnBrk="0" hangingPunct="1">
+                <a:lnSpc>
+                  <a:spcPct val="100000"/>
+                </a:lnSpc>
+                <a:spcBef>
+                  <a:spcPct val="0"/>
+                </a:spcBef>
+                <a:spcAft>
+                  <a:spcPct val="0"/>
+                </a:spcAft>
+                <a:buClrTx/>
+                <a:buSzTx/>
+                <a:buFontTx/>
+                <a:buNone/>
+                <a:tabLst/>
+                <a:defRPr/>
+              </a:pPr>
               <a:t>4</a:t>
             </a:fld>
-            <a:endParaRPr lang="en-US"/>
+            <a:endParaRPr kumimoji="0" lang="en-US" sz="1200" b="0" i="0" u="none" strike="noStrike" kern="1200" cap="none" spc="0" normalizeH="0" baseline="0" noProof="0">
+              <a:ln>
+                <a:noFill/>
+              </a:ln>
+              <a:solidFill>
+                <a:prstClr val="black"/>
+              </a:solidFill>
+              <a:effectLst/>
+              <a:uLnTx/>
+              <a:uFillTx/>
+              <a:latin typeface="Times New Roman" pitchFamily="18" charset="0"/>
+              <a:ea typeface="+mn-ea"/>
+              <a:cs typeface="+mn-cs"/>
+            </a:endParaRPr>
           </a:p>
         </p:txBody>
       </p:sp>
     </p:spTree>
     <p:extLst>
       <p:ext uri="{BB962C8B-B14F-4D97-AF65-F5344CB8AC3E}">
-        <p14:creationId xmlns:p14="http://schemas.microsoft.com/office/powerpoint/2010/main" val="3690199703"/>
+        <p14:creationId xmlns:p14="http://schemas.microsoft.com/office/powerpoint/2010/main" val="4119056106"/>
       </p:ext>
     </p:extLst>
   </p:cSld>
@@ -1313,6 +1374,644 @@
     <p:extLst>
       <p:ext uri="{BB962C8B-B14F-4D97-AF65-F5344CB8AC3E}">
         <p14:creationId xmlns:p14="http://schemas.microsoft.com/office/powerpoint/2010/main" val="710657020"/>
+      </p:ext>
+    </p:extLst>
+  </p:cSld>
+  <p:clrMapOvr>
+    <a:masterClrMapping/>
+  </p:clrMapOvr>
+</p:sldLayout>
+</file>
+
+<file path=ppt/slideLayouts/slideLayout10.xml><?xml version="1.0" encoding="utf-8"?>
+<p:sldLayout xmlns:a="http://schemas.openxmlformats.org/drawingml/2006/main" xmlns:r="http://schemas.openxmlformats.org/officeDocument/2006/relationships" xmlns:p="http://schemas.openxmlformats.org/presentationml/2006/main" type="twoObj" preserve="1">
+  <p:cSld name="Two Content">
+    <p:spTree>
+      <p:nvGrpSpPr>
+        <p:cNvPr id="1" name=""/>
+        <p:cNvGrpSpPr/>
+        <p:nvPr/>
+      </p:nvGrpSpPr>
+      <p:grpSpPr>
+        <a:xfrm>
+          <a:off x="0" y="0"/>
+          <a:ext cx="0" cy="0"/>
+          <a:chOff x="0" y="0"/>
+          <a:chExt cx="0" cy="0"/>
+        </a:xfrm>
+      </p:grpSpPr>
+      <p:sp>
+        <p:nvSpPr>
+          <p:cNvPr id="2" name="Title 1"/>
+          <p:cNvSpPr>
+            <a:spLocks noGrp="1"/>
+          </p:cNvSpPr>
+          <p:nvPr>
+            <p:ph type="title"/>
+          </p:nvPr>
+        </p:nvSpPr>
+        <p:spPr/>
+        <p:txBody>
+          <a:bodyPr/>
+          <a:lstStyle/>
+          <a:p>
+            <a:r>
+              <a:rPr lang="en-US" smtClean="0"/>
+              <a:t>Click to edit Master title style</a:t>
+            </a:r>
+            <a:endParaRPr lang="en-US"/>
+          </a:p>
+        </p:txBody>
+      </p:sp>
+      <p:sp>
+        <p:nvSpPr>
+          <p:cNvPr id="3" name="Content Placeholder 2"/>
+          <p:cNvSpPr>
+            <a:spLocks noGrp="1"/>
+          </p:cNvSpPr>
+          <p:nvPr>
+            <p:ph sz="half" idx="1"/>
+          </p:nvPr>
+        </p:nvSpPr>
+        <p:spPr>
+          <a:xfrm>
+            <a:off x="457200" y="1600200"/>
+            <a:ext cx="4038600" cy="5257800"/>
+          </a:xfrm>
+        </p:spPr>
+        <p:txBody>
+          <a:bodyPr/>
+          <a:lstStyle>
+            <a:lvl1pPr>
+              <a:defRPr sz="2800"/>
+            </a:lvl1pPr>
+            <a:lvl2pPr>
+              <a:defRPr sz="2400"/>
+            </a:lvl2pPr>
+            <a:lvl3pPr>
+              <a:defRPr sz="2000"/>
+            </a:lvl3pPr>
+            <a:lvl4pPr>
+              <a:defRPr sz="1800"/>
+            </a:lvl4pPr>
+            <a:lvl5pPr>
+              <a:defRPr sz="1800"/>
+            </a:lvl5pPr>
+            <a:lvl6pPr>
+              <a:defRPr sz="1800"/>
+            </a:lvl6pPr>
+            <a:lvl7pPr>
+              <a:defRPr sz="1800"/>
+            </a:lvl7pPr>
+            <a:lvl8pPr>
+              <a:defRPr sz="1800"/>
+            </a:lvl8pPr>
+            <a:lvl9pPr>
+              <a:defRPr sz="1800"/>
+            </a:lvl9pPr>
+          </a:lstStyle>
+          <a:p>
+            <a:pPr lvl="0"/>
+            <a:r>
+              <a:rPr lang="en-US" smtClean="0"/>
+              <a:t>Click to edit Master text styles</a:t>
+            </a:r>
+          </a:p>
+          <a:p>
+            <a:pPr lvl="1"/>
+            <a:r>
+              <a:rPr lang="en-US" smtClean="0"/>
+              <a:t>Second level</a:t>
+            </a:r>
+          </a:p>
+          <a:p>
+            <a:pPr lvl="2"/>
+            <a:r>
+              <a:rPr lang="en-US" smtClean="0"/>
+              <a:t>Third level</a:t>
+            </a:r>
+          </a:p>
+          <a:p>
+            <a:pPr lvl="3"/>
+            <a:r>
+              <a:rPr lang="en-US" smtClean="0"/>
+              <a:t>Fourth level</a:t>
+            </a:r>
+          </a:p>
+          <a:p>
+            <a:pPr lvl="4"/>
+            <a:r>
+              <a:rPr lang="en-US" smtClean="0"/>
+              <a:t>Fifth level</a:t>
+            </a:r>
+            <a:endParaRPr lang="en-US"/>
+          </a:p>
+        </p:txBody>
+      </p:sp>
+      <p:sp>
+        <p:nvSpPr>
+          <p:cNvPr id="4" name="Content Placeholder 3"/>
+          <p:cNvSpPr>
+            <a:spLocks noGrp="1"/>
+          </p:cNvSpPr>
+          <p:nvPr>
+            <p:ph sz="half" idx="2"/>
+          </p:nvPr>
+        </p:nvSpPr>
+        <p:spPr>
+          <a:xfrm>
+            <a:off x="4648200" y="1600200"/>
+            <a:ext cx="4038600" cy="5257800"/>
+          </a:xfrm>
+        </p:spPr>
+        <p:txBody>
+          <a:bodyPr/>
+          <a:lstStyle>
+            <a:lvl1pPr>
+              <a:defRPr sz="2800"/>
+            </a:lvl1pPr>
+            <a:lvl2pPr>
+              <a:defRPr sz="2400"/>
+            </a:lvl2pPr>
+            <a:lvl3pPr>
+              <a:defRPr sz="2000"/>
+            </a:lvl3pPr>
+            <a:lvl4pPr>
+              <a:defRPr sz="1800"/>
+            </a:lvl4pPr>
+            <a:lvl5pPr>
+              <a:defRPr sz="1800"/>
+            </a:lvl5pPr>
+            <a:lvl6pPr>
+              <a:defRPr sz="1800"/>
+            </a:lvl6pPr>
+            <a:lvl7pPr>
+              <a:defRPr sz="1800"/>
+            </a:lvl7pPr>
+            <a:lvl8pPr>
+              <a:defRPr sz="1800"/>
+            </a:lvl8pPr>
+            <a:lvl9pPr>
+              <a:defRPr sz="1800"/>
+            </a:lvl9pPr>
+          </a:lstStyle>
+          <a:p>
+            <a:pPr lvl="0"/>
+            <a:r>
+              <a:rPr lang="en-US" smtClean="0"/>
+              <a:t>Click to edit Master text styles</a:t>
+            </a:r>
+          </a:p>
+          <a:p>
+            <a:pPr lvl="1"/>
+            <a:r>
+              <a:rPr lang="en-US" smtClean="0"/>
+              <a:t>Second level</a:t>
+            </a:r>
+          </a:p>
+          <a:p>
+            <a:pPr lvl="2"/>
+            <a:r>
+              <a:rPr lang="en-US" smtClean="0"/>
+              <a:t>Third level</a:t>
+            </a:r>
+          </a:p>
+          <a:p>
+            <a:pPr lvl="3"/>
+            <a:r>
+              <a:rPr lang="en-US" smtClean="0"/>
+              <a:t>Fourth level</a:t>
+            </a:r>
+          </a:p>
+          <a:p>
+            <a:pPr lvl="4"/>
+            <a:r>
+              <a:rPr lang="en-US" smtClean="0"/>
+              <a:t>Fifth level</a:t>
+            </a:r>
+            <a:endParaRPr lang="en-US"/>
+          </a:p>
+        </p:txBody>
+      </p:sp>
+    </p:spTree>
+    <p:extLst>
+      <p:ext uri="{BB962C8B-B14F-4D97-AF65-F5344CB8AC3E}">
+        <p14:creationId xmlns:p14="http://schemas.microsoft.com/office/powerpoint/2010/main" val="2574359268"/>
+      </p:ext>
+    </p:extLst>
+  </p:cSld>
+  <p:clrMapOvr>
+    <a:masterClrMapping/>
+  </p:clrMapOvr>
+</p:sldLayout>
+</file>
+
+<file path=ppt/slideLayouts/slideLayout11.xml><?xml version="1.0" encoding="utf-8"?>
+<p:sldLayout xmlns:a="http://schemas.openxmlformats.org/drawingml/2006/main" xmlns:r="http://schemas.openxmlformats.org/officeDocument/2006/relationships" xmlns:p="http://schemas.openxmlformats.org/presentationml/2006/main" type="twoTxTwoObj" preserve="1">
+  <p:cSld name="Comparison">
+    <p:spTree>
+      <p:nvGrpSpPr>
+        <p:cNvPr id="1" name=""/>
+        <p:cNvGrpSpPr/>
+        <p:nvPr/>
+      </p:nvGrpSpPr>
+      <p:grpSpPr>
+        <a:xfrm>
+          <a:off x="0" y="0"/>
+          <a:ext cx="0" cy="0"/>
+          <a:chOff x="0" y="0"/>
+          <a:chExt cx="0" cy="0"/>
+        </a:xfrm>
+      </p:grpSpPr>
+      <p:sp>
+        <p:nvSpPr>
+          <p:cNvPr id="2" name="Title 1"/>
+          <p:cNvSpPr>
+            <a:spLocks noGrp="1"/>
+          </p:cNvSpPr>
+          <p:nvPr>
+            <p:ph type="title"/>
+          </p:nvPr>
+        </p:nvSpPr>
+        <p:spPr>
+          <a:xfrm>
+            <a:off x="1475656" y="274638"/>
+            <a:ext cx="7211144" cy="1143000"/>
+          </a:xfrm>
+        </p:spPr>
+        <p:txBody>
+          <a:bodyPr/>
+          <a:lstStyle>
+            <a:lvl1pPr>
+              <a:defRPr/>
+            </a:lvl1pPr>
+          </a:lstStyle>
+          <a:p>
+            <a:r>
+              <a:rPr lang="en-US" dirty="0" smtClean="0"/>
+              <a:t>Click to edit Master title style</a:t>
+            </a:r>
+            <a:endParaRPr lang="en-US" dirty="0"/>
+          </a:p>
+        </p:txBody>
+      </p:sp>
+      <p:sp>
+        <p:nvSpPr>
+          <p:cNvPr id="3" name="Text Placeholder 2"/>
+          <p:cNvSpPr>
+            <a:spLocks noGrp="1"/>
+          </p:cNvSpPr>
+          <p:nvPr>
+            <p:ph type="body" idx="1"/>
+          </p:nvPr>
+        </p:nvSpPr>
+        <p:spPr>
+          <a:xfrm>
+            <a:off x="457200" y="1535113"/>
+            <a:ext cx="4040188" cy="639762"/>
+          </a:xfrm>
+        </p:spPr>
+        <p:txBody>
+          <a:bodyPr anchor="b"/>
+          <a:lstStyle>
+            <a:lvl1pPr marL="0" indent="0">
+              <a:buNone/>
+              <a:defRPr sz="2400" b="1"/>
+            </a:lvl1pPr>
+            <a:lvl2pPr marL="457200" indent="0">
+              <a:buNone/>
+              <a:defRPr sz="2000" b="1"/>
+            </a:lvl2pPr>
+            <a:lvl3pPr marL="914400" indent="0">
+              <a:buNone/>
+              <a:defRPr sz="1800" b="1"/>
+            </a:lvl3pPr>
+            <a:lvl4pPr marL="1371600" indent="0">
+              <a:buNone/>
+              <a:defRPr sz="1600" b="1"/>
+            </a:lvl4pPr>
+            <a:lvl5pPr marL="1828800" indent="0">
+              <a:buNone/>
+              <a:defRPr sz="1600" b="1"/>
+            </a:lvl5pPr>
+            <a:lvl6pPr marL="2286000" indent="0">
+              <a:buNone/>
+              <a:defRPr sz="1600" b="1"/>
+            </a:lvl6pPr>
+            <a:lvl7pPr marL="2743200" indent="0">
+              <a:buNone/>
+              <a:defRPr sz="1600" b="1"/>
+            </a:lvl7pPr>
+            <a:lvl8pPr marL="3200400" indent="0">
+              <a:buNone/>
+              <a:defRPr sz="1600" b="1"/>
+            </a:lvl8pPr>
+            <a:lvl9pPr marL="3657600" indent="0">
+              <a:buNone/>
+              <a:defRPr sz="1600" b="1"/>
+            </a:lvl9pPr>
+          </a:lstStyle>
+          <a:p>
+            <a:pPr lvl="0"/>
+            <a:r>
+              <a:rPr lang="en-US" smtClean="0"/>
+              <a:t>Click to edit Master text styles</a:t>
+            </a:r>
+          </a:p>
+        </p:txBody>
+      </p:sp>
+      <p:sp>
+        <p:nvSpPr>
+          <p:cNvPr id="4" name="Content Placeholder 3"/>
+          <p:cNvSpPr>
+            <a:spLocks noGrp="1"/>
+          </p:cNvSpPr>
+          <p:nvPr>
+            <p:ph sz="half" idx="2"/>
+          </p:nvPr>
+        </p:nvSpPr>
+        <p:spPr>
+          <a:xfrm>
+            <a:off x="457200" y="2174875"/>
+            <a:ext cx="4040188" cy="3951288"/>
+          </a:xfrm>
+        </p:spPr>
+        <p:txBody>
+          <a:bodyPr/>
+          <a:lstStyle>
+            <a:lvl1pPr>
+              <a:defRPr sz="2400"/>
+            </a:lvl1pPr>
+            <a:lvl2pPr>
+              <a:defRPr sz="2000"/>
+            </a:lvl2pPr>
+            <a:lvl3pPr>
+              <a:defRPr sz="1800"/>
+            </a:lvl3pPr>
+            <a:lvl4pPr>
+              <a:defRPr sz="1600"/>
+            </a:lvl4pPr>
+            <a:lvl5pPr>
+              <a:defRPr sz="1600"/>
+            </a:lvl5pPr>
+            <a:lvl6pPr>
+              <a:defRPr sz="1600"/>
+            </a:lvl6pPr>
+            <a:lvl7pPr>
+              <a:defRPr sz="1600"/>
+            </a:lvl7pPr>
+            <a:lvl8pPr>
+              <a:defRPr sz="1600"/>
+            </a:lvl8pPr>
+            <a:lvl9pPr>
+              <a:defRPr sz="1600"/>
+            </a:lvl9pPr>
+          </a:lstStyle>
+          <a:p>
+            <a:pPr lvl="0"/>
+            <a:r>
+              <a:rPr lang="en-US" smtClean="0"/>
+              <a:t>Click to edit Master text styles</a:t>
+            </a:r>
+          </a:p>
+          <a:p>
+            <a:pPr lvl="1"/>
+            <a:r>
+              <a:rPr lang="en-US" smtClean="0"/>
+              <a:t>Second level</a:t>
+            </a:r>
+          </a:p>
+          <a:p>
+            <a:pPr lvl="2"/>
+            <a:r>
+              <a:rPr lang="en-US" smtClean="0"/>
+              <a:t>Third level</a:t>
+            </a:r>
+          </a:p>
+          <a:p>
+            <a:pPr lvl="3"/>
+            <a:r>
+              <a:rPr lang="en-US" smtClean="0"/>
+              <a:t>Fourth level</a:t>
+            </a:r>
+          </a:p>
+          <a:p>
+            <a:pPr lvl="4"/>
+            <a:r>
+              <a:rPr lang="en-US" smtClean="0"/>
+              <a:t>Fifth level</a:t>
+            </a:r>
+            <a:endParaRPr lang="en-US"/>
+          </a:p>
+        </p:txBody>
+      </p:sp>
+      <p:sp>
+        <p:nvSpPr>
+          <p:cNvPr id="5" name="Text Placeholder 4"/>
+          <p:cNvSpPr>
+            <a:spLocks noGrp="1"/>
+          </p:cNvSpPr>
+          <p:nvPr>
+            <p:ph type="body" sz="quarter" idx="3"/>
+          </p:nvPr>
+        </p:nvSpPr>
+        <p:spPr>
+          <a:xfrm>
+            <a:off x="4645025" y="1535113"/>
+            <a:ext cx="4041775" cy="639762"/>
+          </a:xfrm>
+        </p:spPr>
+        <p:txBody>
+          <a:bodyPr anchor="b"/>
+          <a:lstStyle>
+            <a:lvl1pPr marL="0" indent="0">
+              <a:buNone/>
+              <a:defRPr sz="2400" b="1"/>
+            </a:lvl1pPr>
+            <a:lvl2pPr marL="457200" indent="0">
+              <a:buNone/>
+              <a:defRPr sz="2000" b="1"/>
+            </a:lvl2pPr>
+            <a:lvl3pPr marL="914400" indent="0">
+              <a:buNone/>
+              <a:defRPr sz="1800" b="1"/>
+            </a:lvl3pPr>
+            <a:lvl4pPr marL="1371600" indent="0">
+              <a:buNone/>
+              <a:defRPr sz="1600" b="1"/>
+            </a:lvl4pPr>
+            <a:lvl5pPr marL="1828800" indent="0">
+              <a:buNone/>
+              <a:defRPr sz="1600" b="1"/>
+            </a:lvl5pPr>
+            <a:lvl6pPr marL="2286000" indent="0">
+              <a:buNone/>
+              <a:defRPr sz="1600" b="1"/>
+            </a:lvl6pPr>
+            <a:lvl7pPr marL="2743200" indent="0">
+              <a:buNone/>
+              <a:defRPr sz="1600" b="1"/>
+            </a:lvl7pPr>
+            <a:lvl8pPr marL="3200400" indent="0">
+              <a:buNone/>
+              <a:defRPr sz="1600" b="1"/>
+            </a:lvl8pPr>
+            <a:lvl9pPr marL="3657600" indent="0">
+              <a:buNone/>
+              <a:defRPr sz="1600" b="1"/>
+            </a:lvl9pPr>
+          </a:lstStyle>
+          <a:p>
+            <a:pPr lvl="0"/>
+            <a:r>
+              <a:rPr lang="en-US" smtClean="0"/>
+              <a:t>Click to edit Master text styles</a:t>
+            </a:r>
+          </a:p>
+        </p:txBody>
+      </p:sp>
+      <p:sp>
+        <p:nvSpPr>
+          <p:cNvPr id="6" name="Content Placeholder 5"/>
+          <p:cNvSpPr>
+            <a:spLocks noGrp="1"/>
+          </p:cNvSpPr>
+          <p:nvPr>
+            <p:ph sz="quarter" idx="4"/>
+          </p:nvPr>
+        </p:nvSpPr>
+        <p:spPr>
+          <a:xfrm>
+            <a:off x="4645025" y="2174875"/>
+            <a:ext cx="4041775" cy="3951288"/>
+          </a:xfrm>
+        </p:spPr>
+        <p:txBody>
+          <a:bodyPr/>
+          <a:lstStyle>
+            <a:lvl1pPr>
+              <a:defRPr sz="2400"/>
+            </a:lvl1pPr>
+            <a:lvl2pPr>
+              <a:defRPr sz="2000"/>
+            </a:lvl2pPr>
+            <a:lvl3pPr>
+              <a:defRPr sz="1800"/>
+            </a:lvl3pPr>
+            <a:lvl4pPr>
+              <a:defRPr sz="1600"/>
+            </a:lvl4pPr>
+            <a:lvl5pPr>
+              <a:defRPr sz="1600"/>
+            </a:lvl5pPr>
+            <a:lvl6pPr>
+              <a:defRPr sz="1600"/>
+            </a:lvl6pPr>
+            <a:lvl7pPr>
+              <a:defRPr sz="1600"/>
+            </a:lvl7pPr>
+            <a:lvl8pPr>
+              <a:defRPr sz="1600"/>
+            </a:lvl8pPr>
+            <a:lvl9pPr>
+              <a:defRPr sz="1600"/>
+            </a:lvl9pPr>
+          </a:lstStyle>
+          <a:p>
+            <a:pPr lvl="0"/>
+            <a:r>
+              <a:rPr lang="en-US" smtClean="0"/>
+              <a:t>Click to edit Master text styles</a:t>
+            </a:r>
+          </a:p>
+          <a:p>
+            <a:pPr lvl="1"/>
+            <a:r>
+              <a:rPr lang="en-US" smtClean="0"/>
+              <a:t>Second level</a:t>
+            </a:r>
+          </a:p>
+          <a:p>
+            <a:pPr lvl="2"/>
+            <a:r>
+              <a:rPr lang="en-US" smtClean="0"/>
+              <a:t>Third level</a:t>
+            </a:r>
+          </a:p>
+          <a:p>
+            <a:pPr lvl="3"/>
+            <a:r>
+              <a:rPr lang="en-US" smtClean="0"/>
+              <a:t>Fourth level</a:t>
+            </a:r>
+          </a:p>
+          <a:p>
+            <a:pPr lvl="4"/>
+            <a:r>
+              <a:rPr lang="en-US" smtClean="0"/>
+              <a:t>Fifth level</a:t>
+            </a:r>
+            <a:endParaRPr lang="en-US"/>
+          </a:p>
+        </p:txBody>
+      </p:sp>
+    </p:spTree>
+    <p:extLst>
+      <p:ext uri="{BB962C8B-B14F-4D97-AF65-F5344CB8AC3E}">
+        <p14:creationId xmlns:p14="http://schemas.microsoft.com/office/powerpoint/2010/main" val="2833352825"/>
+      </p:ext>
+    </p:extLst>
+  </p:cSld>
+  <p:clrMapOvr>
+    <a:masterClrMapping/>
+  </p:clrMapOvr>
+</p:sldLayout>
+</file>
+
+<file path=ppt/slideLayouts/slideLayout12.xml><?xml version="1.0" encoding="utf-8"?>
+<p:sldLayout xmlns:a="http://schemas.openxmlformats.org/drawingml/2006/main" xmlns:r="http://schemas.openxmlformats.org/officeDocument/2006/relationships" xmlns:p="http://schemas.openxmlformats.org/presentationml/2006/main" type="titleOnly" preserve="1">
+  <p:cSld name="Title Only">
+    <p:spTree>
+      <p:nvGrpSpPr>
+        <p:cNvPr id="1" name=""/>
+        <p:cNvGrpSpPr/>
+        <p:nvPr/>
+      </p:nvGrpSpPr>
+      <p:grpSpPr>
+        <a:xfrm>
+          <a:off x="0" y="0"/>
+          <a:ext cx="0" cy="0"/>
+          <a:chOff x="0" y="0"/>
+          <a:chExt cx="0" cy="0"/>
+        </a:xfrm>
+      </p:grpSpPr>
+      <p:sp>
+        <p:nvSpPr>
+          <p:cNvPr id="2" name="Title 1"/>
+          <p:cNvSpPr>
+            <a:spLocks noGrp="1"/>
+          </p:cNvSpPr>
+          <p:nvPr>
+            <p:ph type="title"/>
+          </p:nvPr>
+        </p:nvSpPr>
+        <p:spPr/>
+        <p:txBody>
+          <a:bodyPr/>
+          <a:lstStyle/>
+          <a:p>
+            <a:r>
+              <a:rPr lang="en-US" smtClean="0"/>
+              <a:t>Click to edit Master title style</a:t>
+            </a:r>
+            <a:endParaRPr lang="en-US"/>
+          </a:p>
+        </p:txBody>
+      </p:sp>
+    </p:spTree>
+    <p:extLst>
+      <p:ext uri="{BB962C8B-B14F-4D97-AF65-F5344CB8AC3E}">
+        <p14:creationId xmlns:p14="http://schemas.microsoft.com/office/powerpoint/2010/main" val="655748367"/>
       </p:ext>
     </p:extLst>
   </p:cSld>
@@ -2199,6 +2898,535 @@
 </p:sldLayout>
 </file>
 
+<file path=ppt/slideLayouts/slideLayout7.xml><?xml version="1.0" encoding="utf-8"?>
+<p:sldLayout xmlns:a="http://schemas.openxmlformats.org/drawingml/2006/main" xmlns:r="http://schemas.openxmlformats.org/officeDocument/2006/relationships" xmlns:p="http://schemas.openxmlformats.org/presentationml/2006/main" showMasterSp="0" type="title" preserve="1">
+  <p:cSld name="Title Slide">
+    <p:spTree>
+      <p:nvGrpSpPr>
+        <p:cNvPr id="1" name=""/>
+        <p:cNvGrpSpPr/>
+        <p:nvPr/>
+      </p:nvGrpSpPr>
+      <p:grpSpPr>
+        <a:xfrm>
+          <a:off x="0" y="0"/>
+          <a:ext cx="0" cy="0"/>
+          <a:chOff x="0" y="0"/>
+          <a:chExt cx="0" cy="0"/>
+        </a:xfrm>
+      </p:grpSpPr>
+      <p:sp>
+        <p:nvSpPr>
+          <p:cNvPr id="37893" name="Rectangle 5"/>
+          <p:cNvSpPr>
+            <a:spLocks noGrp="1" noChangeArrowheads="1"/>
+          </p:cNvSpPr>
+          <p:nvPr>
+            <p:ph type="ctrTitle"/>
+          </p:nvPr>
+        </p:nvSpPr>
+        <p:spPr>
+          <a:xfrm>
+            <a:off x="395288" y="1219200"/>
+            <a:ext cx="8062912" cy="1933575"/>
+          </a:xfrm>
+        </p:spPr>
+        <p:txBody>
+          <a:bodyPr anchor="b"/>
+          <a:lstStyle>
+            <a:lvl1pPr algn="r">
+              <a:defRPr sz="4400"/>
+            </a:lvl1pPr>
+          </a:lstStyle>
+          <a:p>
+            <a:r>
+              <a:rPr lang="sr-Latn-CS"/>
+              <a:t>Click to edit Master title style</a:t>
+            </a:r>
+          </a:p>
+        </p:txBody>
+      </p:sp>
+      <p:sp>
+        <p:nvSpPr>
+          <p:cNvPr id="37894" name="Rectangle 6"/>
+          <p:cNvSpPr>
+            <a:spLocks noGrp="1" noChangeArrowheads="1"/>
+          </p:cNvSpPr>
+          <p:nvPr>
+            <p:ph type="subTitle" idx="1"/>
+          </p:nvPr>
+        </p:nvSpPr>
+        <p:spPr>
+          <a:xfrm>
+            <a:off x="3348038" y="3505200"/>
+            <a:ext cx="5110162" cy="1752600"/>
+          </a:xfrm>
+        </p:spPr>
+        <p:txBody>
+          <a:bodyPr/>
+          <a:lstStyle>
+            <a:lvl1pPr marL="0" indent="0" algn="r">
+              <a:buFont typeface="Wingdings" pitchFamily="2" charset="2"/>
+              <a:buNone/>
+              <a:defRPr/>
+            </a:lvl1pPr>
+          </a:lstStyle>
+          <a:p>
+            <a:r>
+              <a:rPr lang="sr-Latn-CS"/>
+              <a:t>Click to edit Master subtitle style</a:t>
+            </a:r>
+          </a:p>
+        </p:txBody>
+      </p:sp>
+      <p:sp>
+        <p:nvSpPr>
+          <p:cNvPr id="5" name="Rectangle 2"/>
+          <p:cNvSpPr>
+            <a:spLocks noGrp="1" noChangeArrowheads="1"/>
+          </p:cNvSpPr>
+          <p:nvPr>
+            <p:ph type="dt" sz="half" idx="10"/>
+          </p:nvPr>
+        </p:nvSpPr>
+        <p:spPr>
+          <a:xfrm>
+            <a:off x="457200" y="6248400"/>
+            <a:ext cx="2133600" cy="457200"/>
+          </a:xfrm>
+          <a:prstGeom prst="rect">
+            <a:avLst/>
+          </a:prstGeom>
+        </p:spPr>
+        <p:txBody>
+          <a:bodyPr/>
+          <a:lstStyle>
+            <a:lvl1pPr defTabSz="914400">
+              <a:buClrTx/>
+              <a:buSzTx/>
+              <a:defRPr/>
+            </a:lvl1pPr>
+          </a:lstStyle>
+          <a:p>
+            <a:pPr>
+              <a:defRPr/>
+            </a:pPr>
+            <a:endParaRPr lang="sr-Latn-CS"/>
+          </a:p>
+        </p:txBody>
+      </p:sp>
+      <p:sp>
+        <p:nvSpPr>
+          <p:cNvPr id="6" name="Rectangle 3"/>
+          <p:cNvSpPr>
+            <a:spLocks noGrp="1" noChangeArrowheads="1"/>
+          </p:cNvSpPr>
+          <p:nvPr>
+            <p:ph type="ftr" sz="quarter" idx="11"/>
+          </p:nvPr>
+        </p:nvSpPr>
+        <p:spPr>
+          <a:xfrm>
+            <a:off x="3124200" y="6248400"/>
+            <a:ext cx="2895600" cy="457200"/>
+          </a:xfrm>
+          <a:prstGeom prst="rect">
+            <a:avLst/>
+          </a:prstGeom>
+        </p:spPr>
+        <p:txBody>
+          <a:bodyPr/>
+          <a:lstStyle>
+            <a:lvl1pPr defTabSz="914400">
+              <a:buClrTx/>
+              <a:buSzTx/>
+              <a:defRPr>
+                <a:solidFill>
+                  <a:srgbClr val="000000"/>
+                </a:solidFill>
+              </a:defRPr>
+            </a:lvl1pPr>
+          </a:lstStyle>
+          <a:p>
+            <a:pPr>
+              <a:defRPr/>
+            </a:pPr>
+            <a:endParaRPr lang="sr-Latn-CS"/>
+          </a:p>
+        </p:txBody>
+      </p:sp>
+      <p:sp>
+        <p:nvSpPr>
+          <p:cNvPr id="7" name="Rectangle 4"/>
+          <p:cNvSpPr>
+            <a:spLocks noGrp="1" noChangeArrowheads="1"/>
+          </p:cNvSpPr>
+          <p:nvPr>
+            <p:ph type="sldNum" sz="quarter" idx="12"/>
+          </p:nvPr>
+        </p:nvSpPr>
+        <p:spPr bwMode="auto">
+          <a:xfrm>
+            <a:off x="6553200" y="6248400"/>
+            <a:ext cx="2133600" cy="457200"/>
+          </a:xfrm>
+          <a:prstGeom prst="rect">
+            <a:avLst/>
+          </a:prstGeom>
+          <a:ln>
+            <a:miter lim="800000"/>
+            <a:headEnd/>
+            <a:tailEnd/>
+          </a:ln>
+        </p:spPr>
+        <p:txBody>
+          <a:bodyPr vert="horz" wrap="square" lIns="91440" tIns="45720" rIns="91440" bIns="45720" numCol="1" anchor="t" anchorCtr="0" compatLnSpc="1">
+            <a:prstTxWarp prst="textNoShape">
+              <a:avLst/>
+            </a:prstTxWarp>
+          </a:bodyPr>
+          <a:lstStyle>
+            <a:lvl1pPr algn="r" defTabSz="457200">
+              <a:buClr>
+                <a:srgbClr val="000000"/>
+              </a:buClr>
+              <a:buSzPct val="100000"/>
+              <a:buFont typeface="Times New Roman" pitchFamily="16" charset="0"/>
+              <a:buNone/>
+              <a:defRPr sz="1000">
+                <a:solidFill>
+                  <a:srgbClr val="FFFFFF"/>
+                </a:solidFill>
+                <a:cs typeface="Arial" charset="0"/>
+              </a:defRPr>
+            </a:lvl1pPr>
+          </a:lstStyle>
+          <a:p>
+            <a:pPr>
+              <a:defRPr/>
+            </a:pPr>
+            <a:fld id="{E16DCED9-05A6-4110-B5B3-7BC3E1F55830}" type="slidenum">
+              <a:rPr lang="sr-Latn-CS"/>
+              <a:pPr>
+                <a:defRPr/>
+              </a:pPr>
+              <a:t>‹#›</a:t>
+            </a:fld>
+            <a:endParaRPr lang="sr-Latn-CS"/>
+          </a:p>
+        </p:txBody>
+      </p:sp>
+      <p:pic>
+        <p:nvPicPr>
+          <p:cNvPr id="8" name="Picture 7"/>
+          <p:cNvPicPr>
+            <a:picLocks noChangeAspect="1" noChangeArrowheads="1"/>
+          </p:cNvPicPr>
+          <p:nvPr userDrawn="1"/>
+        </p:nvPicPr>
+        <p:blipFill>
+          <a:blip r:embed="rId2">
+            <a:extLst>
+              <a:ext uri="{28A0092B-C50C-407E-A947-70E740481C1C}">
+                <a14:useLocalDpi xmlns:a14="http://schemas.microsoft.com/office/drawing/2010/main" val="0"/>
+              </a:ext>
+            </a:extLst>
+          </a:blip>
+          <a:srcRect/>
+          <a:stretch>
+            <a:fillRect/>
+          </a:stretch>
+        </p:blipFill>
+        <p:spPr bwMode="auto">
+          <a:xfrm>
+            <a:off x="-71113" y="-53517"/>
+            <a:ext cx="9286225" cy="6965034"/>
+          </a:xfrm>
+          <a:prstGeom prst="rect">
+            <a:avLst/>
+          </a:prstGeom>
+          <a:solidFill>
+            <a:srgbClr val="CCCCCC"/>
+          </a:solidFill>
+          <a:ln>
+            <a:noFill/>
+          </a:ln>
+          <a:effectLst/>
+          <a:extLst>
+            <a:ext uri="{91240B29-F687-4F45-9708-019B960494DF}">
+              <a14:hiddenLine xmlns:a14="http://schemas.microsoft.com/office/drawing/2010/main" w="9525" cap="flat">
+                <a:solidFill>
+                  <a:srgbClr val="3465A4"/>
+                </a:solidFill>
+                <a:round/>
+                <a:headEnd/>
+                <a:tailEnd/>
+              </a14:hiddenLine>
+            </a:ext>
+            <a:ext uri="{AF507438-7753-43E0-B8FC-AC1667EBCBE1}">
+              <a14:hiddenEffects xmlns:a14="http://schemas.microsoft.com/office/drawing/2010/main">
+                <a:effectLst>
+                  <a:outerShdw dist="35921" dir="2700000" algn="ctr" rotWithShape="0">
+                    <a:srgbClr val="808080"/>
+                  </a:outerShdw>
+                </a:effectLst>
+              </a14:hiddenEffects>
+            </a:ext>
+          </a:extLst>
+        </p:spPr>
+      </p:pic>
+    </p:spTree>
+    <p:extLst>
+      <p:ext uri="{BB962C8B-B14F-4D97-AF65-F5344CB8AC3E}">
+        <p14:creationId xmlns:p14="http://schemas.microsoft.com/office/powerpoint/2010/main" val="4148632298"/>
+      </p:ext>
+    </p:extLst>
+  </p:cSld>
+  <p:clrMapOvr>
+    <a:masterClrMapping/>
+  </p:clrMapOvr>
+</p:sldLayout>
+</file>
+
+<file path=ppt/slideLayouts/slideLayout8.xml><?xml version="1.0" encoding="utf-8"?>
+<p:sldLayout xmlns:a="http://schemas.openxmlformats.org/drawingml/2006/main" xmlns:r="http://schemas.openxmlformats.org/officeDocument/2006/relationships" xmlns:p="http://schemas.openxmlformats.org/presentationml/2006/main" type="obj" preserve="1">
+  <p:cSld name="Title and Content">
+    <p:spTree>
+      <p:nvGrpSpPr>
+        <p:cNvPr id="1" name=""/>
+        <p:cNvGrpSpPr/>
+        <p:nvPr/>
+      </p:nvGrpSpPr>
+      <p:grpSpPr>
+        <a:xfrm>
+          <a:off x="0" y="0"/>
+          <a:ext cx="0" cy="0"/>
+          <a:chOff x="0" y="0"/>
+          <a:chExt cx="0" cy="0"/>
+        </a:xfrm>
+      </p:grpSpPr>
+      <p:sp>
+        <p:nvSpPr>
+          <p:cNvPr id="2" name="Title 1"/>
+          <p:cNvSpPr>
+            <a:spLocks noGrp="1"/>
+          </p:cNvSpPr>
+          <p:nvPr>
+            <p:ph type="title"/>
+          </p:nvPr>
+        </p:nvSpPr>
+        <p:spPr/>
+        <p:txBody>
+          <a:bodyPr/>
+          <a:lstStyle/>
+          <a:p>
+            <a:r>
+              <a:rPr lang="en-US" smtClean="0"/>
+              <a:t>Click to edit Master title style</a:t>
+            </a:r>
+            <a:endParaRPr lang="en-US"/>
+          </a:p>
+        </p:txBody>
+      </p:sp>
+      <p:sp>
+        <p:nvSpPr>
+          <p:cNvPr id="3" name="Content Placeholder 2"/>
+          <p:cNvSpPr>
+            <a:spLocks noGrp="1"/>
+          </p:cNvSpPr>
+          <p:nvPr>
+            <p:ph idx="1"/>
+          </p:nvPr>
+        </p:nvSpPr>
+        <p:spPr/>
+        <p:txBody>
+          <a:bodyPr/>
+          <a:lstStyle/>
+          <a:p>
+            <a:pPr lvl="0"/>
+            <a:r>
+              <a:rPr lang="en-US" smtClean="0"/>
+              <a:t>Click to edit Master text styles</a:t>
+            </a:r>
+          </a:p>
+          <a:p>
+            <a:pPr lvl="1"/>
+            <a:r>
+              <a:rPr lang="en-US" smtClean="0"/>
+              <a:t>Second level</a:t>
+            </a:r>
+          </a:p>
+          <a:p>
+            <a:pPr lvl="2"/>
+            <a:r>
+              <a:rPr lang="en-US" smtClean="0"/>
+              <a:t>Third level</a:t>
+            </a:r>
+          </a:p>
+          <a:p>
+            <a:pPr lvl="3"/>
+            <a:r>
+              <a:rPr lang="en-US" smtClean="0"/>
+              <a:t>Fourth level</a:t>
+            </a:r>
+          </a:p>
+          <a:p>
+            <a:pPr lvl="4"/>
+            <a:r>
+              <a:rPr lang="en-US" smtClean="0"/>
+              <a:t>Fifth level</a:t>
+            </a:r>
+            <a:endParaRPr lang="en-US"/>
+          </a:p>
+        </p:txBody>
+      </p:sp>
+    </p:spTree>
+    <p:extLst>
+      <p:ext uri="{BB962C8B-B14F-4D97-AF65-F5344CB8AC3E}">
+        <p14:creationId xmlns:p14="http://schemas.microsoft.com/office/powerpoint/2010/main" val="3284359318"/>
+      </p:ext>
+    </p:extLst>
+  </p:cSld>
+  <p:clrMapOvr>
+    <a:masterClrMapping/>
+  </p:clrMapOvr>
+  <p:timing>
+    <p:tnLst>
+      <p:par>
+        <p:cTn id="1" dur="indefinite" restart="never" nodeType="tmRoot"/>
+      </p:par>
+    </p:tnLst>
+  </p:timing>
+</p:sldLayout>
+</file>
+
+<file path=ppt/slideLayouts/slideLayout9.xml><?xml version="1.0" encoding="utf-8"?>
+<p:sldLayout xmlns:a="http://schemas.openxmlformats.org/drawingml/2006/main" xmlns:r="http://schemas.openxmlformats.org/officeDocument/2006/relationships" xmlns:p="http://schemas.openxmlformats.org/presentationml/2006/main" type="secHead" preserve="1">
+  <p:cSld name="Section Header">
+    <p:spTree>
+      <p:nvGrpSpPr>
+        <p:cNvPr id="1" name=""/>
+        <p:cNvGrpSpPr/>
+        <p:nvPr/>
+      </p:nvGrpSpPr>
+      <p:grpSpPr>
+        <a:xfrm>
+          <a:off x="0" y="0"/>
+          <a:ext cx="0" cy="0"/>
+          <a:chOff x="0" y="0"/>
+          <a:chExt cx="0" cy="0"/>
+        </a:xfrm>
+      </p:grpSpPr>
+      <p:sp>
+        <p:nvSpPr>
+          <p:cNvPr id="2" name="Title 1"/>
+          <p:cNvSpPr>
+            <a:spLocks noGrp="1"/>
+          </p:cNvSpPr>
+          <p:nvPr>
+            <p:ph type="title"/>
+          </p:nvPr>
+        </p:nvSpPr>
+        <p:spPr>
+          <a:xfrm>
+            <a:off x="722313" y="4406900"/>
+            <a:ext cx="7772400" cy="1362075"/>
+          </a:xfrm>
+        </p:spPr>
+        <p:txBody>
+          <a:bodyPr anchor="t"/>
+          <a:lstStyle>
+            <a:lvl1pPr algn="l">
+              <a:defRPr sz="4000" b="1" cap="all"/>
+            </a:lvl1pPr>
+          </a:lstStyle>
+          <a:p>
+            <a:r>
+              <a:rPr lang="en-US" smtClean="0"/>
+              <a:t>Click to edit Master title style</a:t>
+            </a:r>
+            <a:endParaRPr lang="en-US"/>
+          </a:p>
+        </p:txBody>
+      </p:sp>
+      <p:sp>
+        <p:nvSpPr>
+          <p:cNvPr id="3" name="Text Placeholder 2"/>
+          <p:cNvSpPr>
+            <a:spLocks noGrp="1"/>
+          </p:cNvSpPr>
+          <p:nvPr>
+            <p:ph type="body" idx="1"/>
+          </p:nvPr>
+        </p:nvSpPr>
+        <p:spPr>
+          <a:xfrm>
+            <a:off x="722313" y="2906713"/>
+            <a:ext cx="7772400" cy="1500187"/>
+          </a:xfrm>
+        </p:spPr>
+        <p:txBody>
+          <a:bodyPr anchor="b"/>
+          <a:lstStyle>
+            <a:lvl1pPr marL="0" indent="0">
+              <a:buNone/>
+              <a:defRPr sz="2000"/>
+            </a:lvl1pPr>
+            <a:lvl2pPr marL="457200" indent="0">
+              <a:buNone/>
+              <a:defRPr sz="1800"/>
+            </a:lvl2pPr>
+            <a:lvl3pPr marL="914400" indent="0">
+              <a:buNone/>
+              <a:defRPr sz="1600"/>
+            </a:lvl3pPr>
+            <a:lvl4pPr marL="1371600" indent="0">
+              <a:buNone/>
+              <a:defRPr sz="1400"/>
+            </a:lvl4pPr>
+            <a:lvl5pPr marL="1828800" indent="0">
+              <a:buNone/>
+              <a:defRPr sz="1400"/>
+            </a:lvl5pPr>
+            <a:lvl6pPr marL="2286000" indent="0">
+              <a:buNone/>
+              <a:defRPr sz="1400"/>
+            </a:lvl6pPr>
+            <a:lvl7pPr marL="2743200" indent="0">
+              <a:buNone/>
+              <a:defRPr sz="1400"/>
+            </a:lvl7pPr>
+            <a:lvl8pPr marL="3200400" indent="0">
+              <a:buNone/>
+              <a:defRPr sz="1400"/>
+            </a:lvl8pPr>
+            <a:lvl9pPr marL="3657600" indent="0">
+              <a:buNone/>
+              <a:defRPr sz="1400"/>
+            </a:lvl9pPr>
+          </a:lstStyle>
+          <a:p>
+            <a:pPr lvl="0"/>
+            <a:r>
+              <a:rPr lang="en-US" smtClean="0"/>
+              <a:t>Click to edit Master text styles</a:t>
+            </a:r>
+          </a:p>
+        </p:txBody>
+      </p:sp>
+    </p:spTree>
+    <p:extLst>
+      <p:ext uri="{BB962C8B-B14F-4D97-AF65-F5344CB8AC3E}">
+        <p14:creationId xmlns:p14="http://schemas.microsoft.com/office/powerpoint/2010/main" val="2459609343"/>
+      </p:ext>
+    </p:extLst>
+  </p:cSld>
+  <p:clrMapOvr>
+    <a:masterClrMapping/>
+  </p:clrMapOvr>
+</p:sldLayout>
+</file>
+
 <file path=ppt/slideMasters/slideMaster1.xml><?xml version="1.0" encoding="utf-8"?>
 <p:sldMaster xmlns:a="http://schemas.openxmlformats.org/drawingml/2006/main" xmlns:r="http://schemas.openxmlformats.org/officeDocument/2006/relationships" xmlns:p="http://schemas.openxmlformats.org/presentationml/2006/main" preserve="1">
   <p:cSld>
@@ -3332,6 +4560,1540 @@
     <p:sldLayoutId id="2147483930" r:id="rId4"/>
     <p:sldLayoutId id="2147483931" r:id="rId5"/>
     <p:sldLayoutId id="2147483932" r:id="rId6"/>
+  </p:sldLayoutIdLst>
+  <p:timing>
+    <p:tnLst>
+      <p:par>
+        <p:cTn id="1" dur="indefinite" restart="never" nodeType="tmRoot"/>
+      </p:par>
+    </p:tnLst>
+  </p:timing>
+  <p:hf sldNum="0" hdr="0"/>
+  <p:txStyles>
+    <p:titleStyle>
+      <a:lvl1pPr algn="l" rtl="0" eaLnBrk="0" fontAlgn="base" hangingPunct="0">
+        <a:spcBef>
+          <a:spcPct val="0"/>
+        </a:spcBef>
+        <a:spcAft>
+          <a:spcPct val="0"/>
+        </a:spcAft>
+        <a:defRPr sz="3800">
+          <a:solidFill>
+            <a:schemeClr val="tx2"/>
+          </a:solidFill>
+          <a:latin typeface="+mj-lt"/>
+          <a:ea typeface="+mj-ea"/>
+          <a:cs typeface="+mj-cs"/>
+        </a:defRPr>
+      </a:lvl1pPr>
+      <a:lvl2pPr algn="l" rtl="0" eaLnBrk="0" fontAlgn="base" hangingPunct="0">
+        <a:spcBef>
+          <a:spcPct val="0"/>
+        </a:spcBef>
+        <a:spcAft>
+          <a:spcPct val="0"/>
+        </a:spcAft>
+        <a:defRPr sz="3800">
+          <a:solidFill>
+            <a:schemeClr val="tx2"/>
+          </a:solidFill>
+          <a:latin typeface="Arial" charset="0"/>
+        </a:defRPr>
+      </a:lvl2pPr>
+      <a:lvl3pPr algn="l" rtl="0" eaLnBrk="0" fontAlgn="base" hangingPunct="0">
+        <a:spcBef>
+          <a:spcPct val="0"/>
+        </a:spcBef>
+        <a:spcAft>
+          <a:spcPct val="0"/>
+        </a:spcAft>
+        <a:defRPr sz="3800">
+          <a:solidFill>
+            <a:schemeClr val="tx2"/>
+          </a:solidFill>
+          <a:latin typeface="Arial" charset="0"/>
+        </a:defRPr>
+      </a:lvl3pPr>
+      <a:lvl4pPr algn="l" rtl="0" eaLnBrk="0" fontAlgn="base" hangingPunct="0">
+        <a:spcBef>
+          <a:spcPct val="0"/>
+        </a:spcBef>
+        <a:spcAft>
+          <a:spcPct val="0"/>
+        </a:spcAft>
+        <a:defRPr sz="3800">
+          <a:solidFill>
+            <a:schemeClr val="tx2"/>
+          </a:solidFill>
+          <a:latin typeface="Arial" charset="0"/>
+        </a:defRPr>
+      </a:lvl4pPr>
+      <a:lvl5pPr algn="l" rtl="0" eaLnBrk="0" fontAlgn="base" hangingPunct="0">
+        <a:spcBef>
+          <a:spcPct val="0"/>
+        </a:spcBef>
+        <a:spcAft>
+          <a:spcPct val="0"/>
+        </a:spcAft>
+        <a:defRPr sz="3800">
+          <a:solidFill>
+            <a:schemeClr val="tx2"/>
+          </a:solidFill>
+          <a:latin typeface="Arial" charset="0"/>
+        </a:defRPr>
+      </a:lvl5pPr>
+      <a:lvl6pPr marL="457200" algn="l" rtl="0" fontAlgn="base">
+        <a:spcBef>
+          <a:spcPct val="0"/>
+        </a:spcBef>
+        <a:spcAft>
+          <a:spcPct val="0"/>
+        </a:spcAft>
+        <a:defRPr sz="3800">
+          <a:solidFill>
+            <a:schemeClr val="tx2"/>
+          </a:solidFill>
+          <a:latin typeface="Arial" charset="0"/>
+        </a:defRPr>
+      </a:lvl6pPr>
+      <a:lvl7pPr marL="914400" algn="l" rtl="0" fontAlgn="base">
+        <a:spcBef>
+          <a:spcPct val="0"/>
+        </a:spcBef>
+        <a:spcAft>
+          <a:spcPct val="0"/>
+        </a:spcAft>
+        <a:defRPr sz="3800">
+          <a:solidFill>
+            <a:schemeClr val="tx2"/>
+          </a:solidFill>
+          <a:latin typeface="Arial" charset="0"/>
+        </a:defRPr>
+      </a:lvl7pPr>
+      <a:lvl8pPr marL="1371600" algn="l" rtl="0" fontAlgn="base">
+        <a:spcBef>
+          <a:spcPct val="0"/>
+        </a:spcBef>
+        <a:spcAft>
+          <a:spcPct val="0"/>
+        </a:spcAft>
+        <a:defRPr sz="3800">
+          <a:solidFill>
+            <a:schemeClr val="tx2"/>
+          </a:solidFill>
+          <a:latin typeface="Arial" charset="0"/>
+        </a:defRPr>
+      </a:lvl8pPr>
+      <a:lvl9pPr marL="1828800" algn="l" rtl="0" fontAlgn="base">
+        <a:spcBef>
+          <a:spcPct val="0"/>
+        </a:spcBef>
+        <a:spcAft>
+          <a:spcPct val="0"/>
+        </a:spcAft>
+        <a:defRPr sz="3800">
+          <a:solidFill>
+            <a:schemeClr val="tx2"/>
+          </a:solidFill>
+          <a:latin typeface="Arial" charset="0"/>
+        </a:defRPr>
+      </a:lvl9pPr>
+    </p:titleStyle>
+    <p:bodyStyle>
+      <a:lvl1pPr marL="342900" indent="-342900" algn="l" rtl="0" eaLnBrk="0" fontAlgn="base" hangingPunct="0">
+        <a:spcBef>
+          <a:spcPct val="20000"/>
+        </a:spcBef>
+        <a:spcAft>
+          <a:spcPct val="0"/>
+        </a:spcAft>
+        <a:buClr>
+          <a:srgbClr val="002060"/>
+        </a:buClr>
+        <a:buFont typeface="Wingdings" pitchFamily="2" charset="2"/>
+        <a:buChar char="l"/>
+        <a:defRPr sz="2200">
+          <a:solidFill>
+            <a:schemeClr val="tx1"/>
+          </a:solidFill>
+          <a:latin typeface="+mn-lt"/>
+          <a:ea typeface="+mn-ea"/>
+          <a:cs typeface="+mn-cs"/>
+        </a:defRPr>
+      </a:lvl1pPr>
+      <a:lvl2pPr marL="742950" indent="-285750" algn="l" rtl="0" eaLnBrk="0" fontAlgn="base" hangingPunct="0">
+        <a:spcBef>
+          <a:spcPct val="20000"/>
+        </a:spcBef>
+        <a:spcAft>
+          <a:spcPct val="0"/>
+        </a:spcAft>
+        <a:buClr>
+          <a:srgbClr val="002060"/>
+        </a:buClr>
+        <a:buFont typeface="Wingdings" pitchFamily="2" charset="2"/>
+        <a:buChar char="¡"/>
+        <a:defRPr sz="2000">
+          <a:solidFill>
+            <a:schemeClr val="tx1"/>
+          </a:solidFill>
+          <a:latin typeface="+mn-lt"/>
+        </a:defRPr>
+      </a:lvl2pPr>
+      <a:lvl3pPr marL="1143000" indent="-228600" algn="l" rtl="0" eaLnBrk="0" fontAlgn="base" hangingPunct="0">
+        <a:spcBef>
+          <a:spcPct val="20000"/>
+        </a:spcBef>
+        <a:spcAft>
+          <a:spcPct val="0"/>
+        </a:spcAft>
+        <a:buClr>
+          <a:srgbClr val="002060"/>
+        </a:buClr>
+        <a:buFont typeface="Wingdings" pitchFamily="2" charset="2"/>
+        <a:buChar char="l"/>
+        <a:defRPr sz="1800">
+          <a:solidFill>
+            <a:schemeClr val="tx1"/>
+          </a:solidFill>
+          <a:latin typeface="+mn-lt"/>
+        </a:defRPr>
+      </a:lvl3pPr>
+      <a:lvl4pPr marL="1600200" indent="-228600" algn="l" rtl="0" eaLnBrk="0" fontAlgn="base" hangingPunct="0">
+        <a:spcBef>
+          <a:spcPct val="20000"/>
+        </a:spcBef>
+        <a:spcAft>
+          <a:spcPct val="0"/>
+        </a:spcAft>
+        <a:buClr>
+          <a:srgbClr val="002060"/>
+        </a:buClr>
+        <a:buChar char="•"/>
+        <a:defRPr sz="1600">
+          <a:solidFill>
+            <a:schemeClr val="tx1"/>
+          </a:solidFill>
+          <a:latin typeface="+mn-lt"/>
+        </a:defRPr>
+      </a:lvl4pPr>
+      <a:lvl5pPr marL="2057400" indent="-228600" algn="l" rtl="0" eaLnBrk="0" fontAlgn="base" hangingPunct="0">
+        <a:spcBef>
+          <a:spcPct val="20000"/>
+        </a:spcBef>
+        <a:spcAft>
+          <a:spcPct val="0"/>
+        </a:spcAft>
+        <a:buClr>
+          <a:srgbClr val="002060"/>
+        </a:buClr>
+        <a:buFont typeface="Wingdings" pitchFamily="2" charset="2"/>
+        <a:buChar char=""/>
+        <a:defRPr sz="1400">
+          <a:solidFill>
+            <a:schemeClr val="tx1"/>
+          </a:solidFill>
+          <a:latin typeface="+mn-lt"/>
+        </a:defRPr>
+      </a:lvl5pPr>
+      <a:lvl6pPr marL="2514600" indent="-228600" algn="l" rtl="0" fontAlgn="base">
+        <a:spcBef>
+          <a:spcPct val="20000"/>
+        </a:spcBef>
+        <a:spcAft>
+          <a:spcPct val="0"/>
+        </a:spcAft>
+        <a:buClr>
+          <a:schemeClr val="accent1"/>
+        </a:buClr>
+        <a:buFont typeface="Wingdings" pitchFamily="2" charset="2"/>
+        <a:buChar char=""/>
+        <a:defRPr sz="2000">
+          <a:solidFill>
+            <a:schemeClr val="tx1"/>
+          </a:solidFill>
+          <a:latin typeface="+mn-lt"/>
+        </a:defRPr>
+      </a:lvl6pPr>
+      <a:lvl7pPr marL="2971800" indent="-228600" algn="l" rtl="0" fontAlgn="base">
+        <a:spcBef>
+          <a:spcPct val="20000"/>
+        </a:spcBef>
+        <a:spcAft>
+          <a:spcPct val="0"/>
+        </a:spcAft>
+        <a:buClr>
+          <a:schemeClr val="accent1"/>
+        </a:buClr>
+        <a:buFont typeface="Wingdings" pitchFamily="2" charset="2"/>
+        <a:buChar char=""/>
+        <a:defRPr sz="2000">
+          <a:solidFill>
+            <a:schemeClr val="tx1"/>
+          </a:solidFill>
+          <a:latin typeface="+mn-lt"/>
+        </a:defRPr>
+      </a:lvl7pPr>
+      <a:lvl8pPr marL="3429000" indent="-228600" algn="l" rtl="0" fontAlgn="base">
+        <a:spcBef>
+          <a:spcPct val="20000"/>
+        </a:spcBef>
+        <a:spcAft>
+          <a:spcPct val="0"/>
+        </a:spcAft>
+        <a:buClr>
+          <a:schemeClr val="accent1"/>
+        </a:buClr>
+        <a:buFont typeface="Wingdings" pitchFamily="2" charset="2"/>
+        <a:buChar char=""/>
+        <a:defRPr sz="2000">
+          <a:solidFill>
+            <a:schemeClr val="tx1"/>
+          </a:solidFill>
+          <a:latin typeface="+mn-lt"/>
+        </a:defRPr>
+      </a:lvl8pPr>
+      <a:lvl9pPr marL="3886200" indent="-228600" algn="l" rtl="0" fontAlgn="base">
+        <a:spcBef>
+          <a:spcPct val="20000"/>
+        </a:spcBef>
+        <a:spcAft>
+          <a:spcPct val="0"/>
+        </a:spcAft>
+        <a:buClr>
+          <a:schemeClr val="accent1"/>
+        </a:buClr>
+        <a:buFont typeface="Wingdings" pitchFamily="2" charset="2"/>
+        <a:buChar char=""/>
+        <a:defRPr sz="2000">
+          <a:solidFill>
+            <a:schemeClr val="tx1"/>
+          </a:solidFill>
+          <a:latin typeface="+mn-lt"/>
+        </a:defRPr>
+      </a:lvl9pPr>
+    </p:bodyStyle>
+    <p:otherStyle>
+      <a:defPPr>
+        <a:defRPr lang="en-US"/>
+      </a:defPPr>
+      <a:lvl1pPr marL="0" algn="l" defTabSz="914400" rtl="0" eaLnBrk="1" latinLnBrk="0" hangingPunct="1">
+        <a:defRPr sz="1800" kern="1200">
+          <a:solidFill>
+            <a:schemeClr val="tx1"/>
+          </a:solidFill>
+          <a:latin typeface="+mn-lt"/>
+          <a:ea typeface="+mn-ea"/>
+          <a:cs typeface="+mn-cs"/>
+        </a:defRPr>
+      </a:lvl1pPr>
+      <a:lvl2pPr marL="457200" algn="l" defTabSz="914400" rtl="0" eaLnBrk="1" latinLnBrk="0" hangingPunct="1">
+        <a:defRPr sz="1800" kern="1200">
+          <a:solidFill>
+            <a:schemeClr val="tx1"/>
+          </a:solidFill>
+          <a:latin typeface="+mn-lt"/>
+          <a:ea typeface="+mn-ea"/>
+          <a:cs typeface="+mn-cs"/>
+        </a:defRPr>
+      </a:lvl2pPr>
+      <a:lvl3pPr marL="914400" algn="l" defTabSz="914400" rtl="0" eaLnBrk="1" latinLnBrk="0" hangingPunct="1">
+        <a:defRPr sz="1800" kern="1200">
+          <a:solidFill>
+            <a:schemeClr val="tx1"/>
+          </a:solidFill>
+          <a:latin typeface="+mn-lt"/>
+          <a:ea typeface="+mn-ea"/>
+          <a:cs typeface="+mn-cs"/>
+        </a:defRPr>
+      </a:lvl3pPr>
+      <a:lvl4pPr marL="1371600" algn="l" defTabSz="914400" rtl="0" eaLnBrk="1" latinLnBrk="0" hangingPunct="1">
+        <a:defRPr sz="1800" kern="1200">
+          <a:solidFill>
+            <a:schemeClr val="tx1"/>
+          </a:solidFill>
+          <a:latin typeface="+mn-lt"/>
+          <a:ea typeface="+mn-ea"/>
+          <a:cs typeface="+mn-cs"/>
+        </a:defRPr>
+      </a:lvl4pPr>
+      <a:lvl5pPr marL="1828800" algn="l" defTabSz="914400" rtl="0" eaLnBrk="1" latinLnBrk="0" hangingPunct="1">
+        <a:defRPr sz="1800" kern="1200">
+          <a:solidFill>
+            <a:schemeClr val="tx1"/>
+          </a:solidFill>
+          <a:latin typeface="+mn-lt"/>
+          <a:ea typeface="+mn-ea"/>
+          <a:cs typeface="+mn-cs"/>
+        </a:defRPr>
+      </a:lvl5pPr>
+      <a:lvl6pPr marL="2286000" algn="l" defTabSz="914400" rtl="0" eaLnBrk="1" latinLnBrk="0" hangingPunct="1">
+        <a:defRPr sz="1800" kern="1200">
+          <a:solidFill>
+            <a:schemeClr val="tx1"/>
+          </a:solidFill>
+          <a:latin typeface="+mn-lt"/>
+          <a:ea typeface="+mn-ea"/>
+          <a:cs typeface="+mn-cs"/>
+        </a:defRPr>
+      </a:lvl6pPr>
+      <a:lvl7pPr marL="2743200" algn="l" defTabSz="914400" rtl="0" eaLnBrk="1" latinLnBrk="0" hangingPunct="1">
+        <a:defRPr sz="1800" kern="1200">
+          <a:solidFill>
+            <a:schemeClr val="tx1"/>
+          </a:solidFill>
+          <a:latin typeface="+mn-lt"/>
+          <a:ea typeface="+mn-ea"/>
+          <a:cs typeface="+mn-cs"/>
+        </a:defRPr>
+      </a:lvl7pPr>
+      <a:lvl8pPr marL="3200400" algn="l" defTabSz="914400" rtl="0" eaLnBrk="1" latinLnBrk="0" hangingPunct="1">
+        <a:defRPr sz="1800" kern="1200">
+          <a:solidFill>
+            <a:schemeClr val="tx1"/>
+          </a:solidFill>
+          <a:latin typeface="+mn-lt"/>
+          <a:ea typeface="+mn-ea"/>
+          <a:cs typeface="+mn-cs"/>
+        </a:defRPr>
+      </a:lvl8pPr>
+      <a:lvl9pPr marL="3657600" algn="l" defTabSz="914400" rtl="0" eaLnBrk="1" latinLnBrk="0" hangingPunct="1">
+        <a:defRPr sz="1800" kern="1200">
+          <a:solidFill>
+            <a:schemeClr val="tx1"/>
+          </a:solidFill>
+          <a:latin typeface="+mn-lt"/>
+          <a:ea typeface="+mn-ea"/>
+          <a:cs typeface="+mn-cs"/>
+        </a:defRPr>
+      </a:lvl9pPr>
+    </p:otherStyle>
+  </p:txStyles>
+</p:sldMaster>
+</file>
+
+<file path=ppt/slideMasters/slideMaster2.xml><?xml version="1.0" encoding="utf-8"?>
+<p:sldMaster xmlns:a="http://schemas.openxmlformats.org/drawingml/2006/main" xmlns:r="http://schemas.openxmlformats.org/officeDocument/2006/relationships" xmlns:p="http://schemas.openxmlformats.org/presentationml/2006/main" preserve="1">
+  <p:cSld>
+    <p:bg>
+      <p:bgPr>
+        <a:solidFill>
+          <a:schemeClr val="bg1"/>
+        </a:solidFill>
+        <a:effectLst/>
+      </p:bgPr>
+    </p:bg>
+    <p:spTree>
+      <p:nvGrpSpPr>
+        <p:cNvPr id="1" name=""/>
+        <p:cNvGrpSpPr/>
+        <p:nvPr/>
+      </p:nvGrpSpPr>
+      <p:grpSpPr>
+        <a:xfrm>
+          <a:off x="0" y="0"/>
+          <a:ext cx="0" cy="0"/>
+          <a:chOff x="0" y="0"/>
+          <a:chExt cx="0" cy="0"/>
+        </a:xfrm>
+      </p:grpSpPr>
+      <p:sp>
+        <p:nvSpPr>
+          <p:cNvPr id="1026" name="Rectangle 2"/>
+          <p:cNvSpPr>
+            <a:spLocks noGrp="1" noChangeArrowheads="1"/>
+          </p:cNvSpPr>
+          <p:nvPr>
+            <p:ph type="body" idx="1"/>
+          </p:nvPr>
+        </p:nvSpPr>
+        <p:spPr bwMode="auto">
+          <a:xfrm>
+            <a:off x="457200" y="1600200"/>
+            <a:ext cx="8229600" cy="5257800"/>
+          </a:xfrm>
+          <a:prstGeom prst="rect">
+            <a:avLst/>
+          </a:prstGeom>
+          <a:noFill/>
+          <a:ln>
+            <a:noFill/>
+          </a:ln>
+          <a:extLst>
+            <a:ext uri="{909E8E84-426E-40DD-AFC4-6F175D3DCCD1}">
+              <a14:hiddenFill xmlns:a14="http://schemas.microsoft.com/office/drawing/2010/main">
+                <a:solidFill>
+                  <a:srgbClr val="FFFFFF"/>
+                </a:solidFill>
+              </a14:hiddenFill>
+            </a:ext>
+            <a:ext uri="{91240B29-F687-4F45-9708-019B960494DF}">
+              <a14:hiddenLine xmlns:a14="http://schemas.microsoft.com/office/drawing/2010/main" w="9525">
+                <a:solidFill>
+                  <a:srgbClr val="000000"/>
+                </a:solidFill>
+                <a:miter lim="800000"/>
+                <a:headEnd/>
+                <a:tailEnd/>
+              </a14:hiddenLine>
+            </a:ext>
+          </a:extLst>
+        </p:spPr>
+        <p:txBody>
+          <a:bodyPr vert="horz" wrap="square" lIns="91440" tIns="45720" rIns="91440" bIns="45720" numCol="1" anchor="t" anchorCtr="0" compatLnSpc="1">
+            <a:prstTxWarp prst="textNoShape">
+              <a:avLst/>
+            </a:prstTxWarp>
+          </a:bodyPr>
+          <a:lstStyle/>
+          <a:p>
+            <a:pPr lvl="0"/>
+            <a:r>
+              <a:rPr lang="sr-Latn-CS" altLang="en-US" dirty="0" smtClean="0"/>
+              <a:t>Click to edit Master text styles</a:t>
+            </a:r>
+          </a:p>
+          <a:p>
+            <a:pPr lvl="1"/>
+            <a:r>
+              <a:rPr lang="sr-Latn-CS" altLang="en-US" dirty="0" smtClean="0"/>
+              <a:t>Second level</a:t>
+            </a:r>
+          </a:p>
+          <a:p>
+            <a:pPr lvl="2"/>
+            <a:r>
+              <a:rPr lang="sr-Latn-CS" altLang="en-US" dirty="0" smtClean="0"/>
+              <a:t>Third level</a:t>
+            </a:r>
+          </a:p>
+          <a:p>
+            <a:pPr lvl="3"/>
+            <a:r>
+              <a:rPr lang="sr-Latn-CS" altLang="en-US" dirty="0" smtClean="0"/>
+              <a:t>Fourth level</a:t>
+            </a:r>
+          </a:p>
+          <a:p>
+            <a:pPr lvl="4"/>
+            <a:r>
+              <a:rPr lang="sr-Latn-CS" altLang="en-US" dirty="0" smtClean="0"/>
+              <a:t>Fifth level</a:t>
+            </a:r>
+          </a:p>
+        </p:txBody>
+      </p:sp>
+      <p:sp>
+        <p:nvSpPr>
+          <p:cNvPr id="1027" name="Rectangle 5"/>
+          <p:cNvSpPr>
+            <a:spLocks noGrp="1" noChangeArrowheads="1"/>
+          </p:cNvSpPr>
+          <p:nvPr>
+            <p:ph type="title"/>
+          </p:nvPr>
+        </p:nvSpPr>
+        <p:spPr bwMode="auto">
+          <a:xfrm>
+            <a:off x="1835150" y="549275"/>
+            <a:ext cx="6851650" cy="868363"/>
+          </a:xfrm>
+          <a:prstGeom prst="rect">
+            <a:avLst/>
+          </a:prstGeom>
+          <a:noFill/>
+          <a:ln>
+            <a:noFill/>
+          </a:ln>
+          <a:extLst>
+            <a:ext uri="{909E8E84-426E-40DD-AFC4-6F175D3DCCD1}">
+              <a14:hiddenFill xmlns:a14="http://schemas.microsoft.com/office/drawing/2010/main">
+                <a:solidFill>
+                  <a:srgbClr val="FFFFFF"/>
+                </a:solidFill>
+              </a14:hiddenFill>
+            </a:ext>
+            <a:ext uri="{91240B29-F687-4F45-9708-019B960494DF}">
+              <a14:hiddenLine xmlns:a14="http://schemas.microsoft.com/office/drawing/2010/main" w="9525">
+                <a:solidFill>
+                  <a:srgbClr val="000000"/>
+                </a:solidFill>
+                <a:miter lim="800000"/>
+                <a:headEnd/>
+                <a:tailEnd/>
+              </a14:hiddenLine>
+            </a:ext>
+          </a:extLst>
+        </p:spPr>
+        <p:txBody>
+          <a:bodyPr vert="horz" wrap="square" lIns="91440" tIns="45720" rIns="91440" bIns="45720" numCol="1" anchor="ctr" anchorCtr="0" compatLnSpc="1">
+            <a:prstTxWarp prst="textNoShape">
+              <a:avLst/>
+            </a:prstTxWarp>
+          </a:bodyPr>
+          <a:lstStyle/>
+          <a:p>
+            <a:pPr lvl="0"/>
+            <a:r>
+              <a:rPr lang="sr-Latn-CS" altLang="en-US" smtClean="0"/>
+              <a:t>Click to edit Master title style</a:t>
+            </a:r>
+          </a:p>
+        </p:txBody>
+      </p:sp>
+      <p:sp>
+        <p:nvSpPr>
+          <p:cNvPr id="1029" name="Text Box 6"/>
+          <p:cNvSpPr txBox="1">
+            <a:spLocks noChangeArrowheads="1"/>
+          </p:cNvSpPr>
+          <p:nvPr userDrawn="1"/>
+        </p:nvSpPr>
+        <p:spPr bwMode="auto">
+          <a:xfrm>
+            <a:off x="8518771" y="274072"/>
+            <a:ext cx="409087" cy="215444"/>
+          </a:xfrm>
+          <a:prstGeom prst="rect">
+            <a:avLst/>
+          </a:prstGeom>
+          <a:noFill/>
+          <a:ln>
+            <a:noFill/>
+          </a:ln>
+          <a:extLst>
+            <a:ext uri="{909E8E84-426E-40DD-AFC4-6F175D3DCCD1}">
+              <a14:hiddenFill xmlns:a14="http://schemas.microsoft.com/office/drawing/2010/main">
+                <a:solidFill>
+                  <a:srgbClr val="FFFFFF"/>
+                </a:solidFill>
+              </a14:hiddenFill>
+            </a:ext>
+            <a:ext uri="{91240B29-F687-4F45-9708-019B960494DF}">
+              <a14:hiddenLine xmlns:a14="http://schemas.microsoft.com/office/drawing/2010/main" w="9525">
+                <a:solidFill>
+                  <a:srgbClr val="000000"/>
+                </a:solidFill>
+                <a:miter lim="800000"/>
+                <a:headEnd/>
+                <a:tailEnd/>
+              </a14:hiddenLine>
+            </a:ext>
+          </a:extLst>
+        </p:spPr>
+        <p:txBody>
+          <a:bodyPr wrap="none" anchor="ctr">
+            <a:spAutoFit/>
+          </a:bodyPr>
+          <a:lstStyle>
+            <a:lvl1pPr defTabSz="457200" eaLnBrk="0" hangingPunct="0">
+              <a:defRPr>
+                <a:solidFill>
+                  <a:schemeClr val="tx1"/>
+                </a:solidFill>
+                <a:latin typeface="Arial" charset="0"/>
+              </a:defRPr>
+            </a:lvl1pPr>
+            <a:lvl2pPr marL="742950" indent="-285750" defTabSz="457200" eaLnBrk="0" hangingPunct="0">
+              <a:defRPr>
+                <a:solidFill>
+                  <a:schemeClr val="tx1"/>
+                </a:solidFill>
+                <a:latin typeface="Arial" charset="0"/>
+              </a:defRPr>
+            </a:lvl2pPr>
+            <a:lvl3pPr marL="1143000" indent="-228600" defTabSz="457200" eaLnBrk="0" hangingPunct="0">
+              <a:defRPr>
+                <a:solidFill>
+                  <a:schemeClr val="tx1"/>
+                </a:solidFill>
+                <a:latin typeface="Arial" charset="0"/>
+              </a:defRPr>
+            </a:lvl3pPr>
+            <a:lvl4pPr marL="1600200" indent="-228600" defTabSz="457200" eaLnBrk="0" hangingPunct="0">
+              <a:defRPr>
+                <a:solidFill>
+                  <a:schemeClr val="tx1"/>
+                </a:solidFill>
+                <a:latin typeface="Arial" charset="0"/>
+              </a:defRPr>
+            </a:lvl4pPr>
+            <a:lvl5pPr marL="2057400" indent="-228600" defTabSz="457200" eaLnBrk="0" hangingPunct="0">
+              <a:defRPr>
+                <a:solidFill>
+                  <a:schemeClr val="tx1"/>
+                </a:solidFill>
+                <a:latin typeface="Arial" charset="0"/>
+              </a:defRPr>
+            </a:lvl5pPr>
+            <a:lvl6pPr marL="2514600" indent="-228600" defTabSz="457200" eaLnBrk="0" fontAlgn="base" hangingPunct="0">
+              <a:spcBef>
+                <a:spcPct val="0"/>
+              </a:spcBef>
+              <a:spcAft>
+                <a:spcPct val="0"/>
+              </a:spcAft>
+              <a:defRPr>
+                <a:solidFill>
+                  <a:schemeClr val="tx1"/>
+                </a:solidFill>
+                <a:latin typeface="Arial" charset="0"/>
+              </a:defRPr>
+            </a:lvl6pPr>
+            <a:lvl7pPr marL="2971800" indent="-228600" defTabSz="457200" eaLnBrk="0" fontAlgn="base" hangingPunct="0">
+              <a:spcBef>
+                <a:spcPct val="0"/>
+              </a:spcBef>
+              <a:spcAft>
+                <a:spcPct val="0"/>
+              </a:spcAft>
+              <a:defRPr>
+                <a:solidFill>
+                  <a:schemeClr val="tx1"/>
+                </a:solidFill>
+                <a:latin typeface="Arial" charset="0"/>
+              </a:defRPr>
+            </a:lvl7pPr>
+            <a:lvl8pPr marL="3429000" indent="-228600" defTabSz="457200" eaLnBrk="0" fontAlgn="base" hangingPunct="0">
+              <a:spcBef>
+                <a:spcPct val="0"/>
+              </a:spcBef>
+              <a:spcAft>
+                <a:spcPct val="0"/>
+              </a:spcAft>
+              <a:defRPr>
+                <a:solidFill>
+                  <a:schemeClr val="tx1"/>
+                </a:solidFill>
+                <a:latin typeface="Arial" charset="0"/>
+              </a:defRPr>
+            </a:lvl8pPr>
+            <a:lvl9pPr marL="3886200" indent="-228600" defTabSz="457200" eaLnBrk="0" fontAlgn="base" hangingPunct="0">
+              <a:spcBef>
+                <a:spcPct val="0"/>
+              </a:spcBef>
+              <a:spcAft>
+                <a:spcPct val="0"/>
+              </a:spcAft>
+              <a:defRPr>
+                <a:solidFill>
+                  <a:schemeClr val="tx1"/>
+                </a:solidFill>
+                <a:latin typeface="Arial" charset="0"/>
+              </a:defRPr>
+            </a:lvl9pPr>
+          </a:lstStyle>
+          <a:p>
+            <a:pPr algn="ctr">
+              <a:spcBef>
+                <a:spcPct val="50000"/>
+              </a:spcBef>
+              <a:buClr>
+                <a:srgbClr val="000000"/>
+              </a:buClr>
+              <a:buSzPct val="100000"/>
+              <a:buFont typeface="Times New Roman" pitchFamily="18" charset="0"/>
+              <a:buNone/>
+              <a:defRPr/>
+            </a:pPr>
+            <a:r>
+              <a:rPr lang="en-US" sz="800" dirty="0" smtClean="0">
+                <a:solidFill>
+                  <a:srgbClr val="6767FF"/>
+                </a:solidFill>
+                <a:latin typeface="Times New Roman" pitchFamily="18" charset="0"/>
+                <a:cs typeface="Arial" charset="0"/>
+              </a:rPr>
+              <a:t> </a:t>
+            </a:r>
+            <a:fld id="{93284C93-C029-4748-816A-4A0F29322A2B}" type="slidenum">
+              <a:rPr lang="en-US" sz="800" smtClean="0">
+                <a:solidFill>
+                  <a:srgbClr val="6767FF"/>
+                </a:solidFill>
+                <a:latin typeface="Times New Roman" pitchFamily="18" charset="0"/>
+                <a:cs typeface="Arial" charset="0"/>
+              </a:rPr>
+              <a:pPr algn="ctr">
+                <a:spcBef>
+                  <a:spcPct val="50000"/>
+                </a:spcBef>
+                <a:buClr>
+                  <a:srgbClr val="000000"/>
+                </a:buClr>
+                <a:buSzPct val="100000"/>
+                <a:buFont typeface="Times New Roman" pitchFamily="18" charset="0"/>
+                <a:buNone/>
+                <a:defRPr/>
+              </a:pPr>
+              <a:t>‹#›</a:t>
+            </a:fld>
+            <a:r>
+              <a:rPr lang="en-US" sz="800" dirty="0" smtClean="0">
+                <a:solidFill>
+                  <a:srgbClr val="6767FF"/>
+                </a:solidFill>
+                <a:latin typeface="Times New Roman" pitchFamily="18" charset="0"/>
+                <a:cs typeface="Arial" charset="0"/>
+              </a:rPr>
+              <a:t>/8</a:t>
+            </a:r>
+          </a:p>
+        </p:txBody>
+      </p:sp>
+      <p:sp>
+        <p:nvSpPr>
+          <p:cNvPr id="2" name="Rectangle 7"/>
+          <p:cNvSpPr>
+            <a:spLocks noChangeArrowheads="1"/>
+          </p:cNvSpPr>
+          <p:nvPr/>
+        </p:nvSpPr>
+        <p:spPr bwMode="auto">
+          <a:xfrm>
+            <a:off x="6011863" y="333375"/>
+            <a:ext cx="2305050" cy="457200"/>
+          </a:xfrm>
+          <a:prstGeom prst="rect">
+            <a:avLst/>
+          </a:prstGeom>
+          <a:noFill/>
+          <a:ln>
+            <a:noFill/>
+          </a:ln>
+          <a:extLst>
+            <a:ext uri="{909E8E84-426E-40DD-AFC4-6F175D3DCCD1}">
+              <a14:hiddenFill xmlns:a14="http://schemas.microsoft.com/office/drawing/2010/main">
+                <a:solidFill>
+                  <a:srgbClr val="FFFFFF"/>
+                </a:solidFill>
+              </a14:hiddenFill>
+            </a:ext>
+            <a:ext uri="{91240B29-F687-4F45-9708-019B960494DF}">
+              <a14:hiddenLine xmlns:a14="http://schemas.microsoft.com/office/drawing/2010/main" w="9525">
+                <a:solidFill>
+                  <a:srgbClr val="000000"/>
+                </a:solidFill>
+                <a:miter lim="800000"/>
+                <a:headEnd/>
+                <a:tailEnd/>
+              </a14:hiddenLine>
+            </a:ext>
+          </a:extLst>
+        </p:spPr>
+        <p:txBody>
+          <a:bodyPr/>
+          <a:lstStyle>
+            <a:lvl1pPr defTabSz="457200" eaLnBrk="0" hangingPunct="0">
+              <a:defRPr sz="2400">
+                <a:solidFill>
+                  <a:schemeClr val="tx1"/>
+                </a:solidFill>
+                <a:latin typeface="Times New Roman" pitchFamily="18" charset="0"/>
+              </a:defRPr>
+            </a:lvl1pPr>
+            <a:lvl2pPr marL="742950" indent="-285750" defTabSz="457200" eaLnBrk="0" hangingPunct="0">
+              <a:defRPr sz="2400">
+                <a:solidFill>
+                  <a:schemeClr val="tx1"/>
+                </a:solidFill>
+                <a:latin typeface="Times New Roman" pitchFamily="18" charset="0"/>
+              </a:defRPr>
+            </a:lvl2pPr>
+            <a:lvl3pPr marL="1143000" indent="-228600" defTabSz="457200" eaLnBrk="0" hangingPunct="0">
+              <a:defRPr sz="2400">
+                <a:solidFill>
+                  <a:schemeClr val="tx1"/>
+                </a:solidFill>
+                <a:latin typeface="Times New Roman" pitchFamily="18" charset="0"/>
+              </a:defRPr>
+            </a:lvl3pPr>
+            <a:lvl4pPr marL="1600200" indent="-228600" defTabSz="457200" eaLnBrk="0" hangingPunct="0">
+              <a:defRPr sz="2400">
+                <a:solidFill>
+                  <a:schemeClr val="tx1"/>
+                </a:solidFill>
+                <a:latin typeface="Times New Roman" pitchFamily="18" charset="0"/>
+              </a:defRPr>
+            </a:lvl4pPr>
+            <a:lvl5pPr marL="2057400" indent="-228600" defTabSz="457200" eaLnBrk="0" hangingPunct="0">
+              <a:defRPr sz="2400">
+                <a:solidFill>
+                  <a:schemeClr val="tx1"/>
+                </a:solidFill>
+                <a:latin typeface="Times New Roman" pitchFamily="18" charset="0"/>
+              </a:defRPr>
+            </a:lvl5pPr>
+            <a:lvl6pPr marL="2514600" indent="-228600" defTabSz="457200" eaLnBrk="0" fontAlgn="base" hangingPunct="0">
+              <a:spcBef>
+                <a:spcPct val="0"/>
+              </a:spcBef>
+              <a:spcAft>
+                <a:spcPct val="0"/>
+              </a:spcAft>
+              <a:defRPr sz="2400">
+                <a:solidFill>
+                  <a:schemeClr val="tx1"/>
+                </a:solidFill>
+                <a:latin typeface="Times New Roman" pitchFamily="18" charset="0"/>
+              </a:defRPr>
+            </a:lvl6pPr>
+            <a:lvl7pPr marL="2971800" indent="-228600" defTabSz="457200" eaLnBrk="0" fontAlgn="base" hangingPunct="0">
+              <a:spcBef>
+                <a:spcPct val="0"/>
+              </a:spcBef>
+              <a:spcAft>
+                <a:spcPct val="0"/>
+              </a:spcAft>
+              <a:defRPr sz="2400">
+                <a:solidFill>
+                  <a:schemeClr val="tx1"/>
+                </a:solidFill>
+                <a:latin typeface="Times New Roman" pitchFamily="18" charset="0"/>
+              </a:defRPr>
+            </a:lvl7pPr>
+            <a:lvl8pPr marL="3429000" indent="-228600" defTabSz="457200" eaLnBrk="0" fontAlgn="base" hangingPunct="0">
+              <a:spcBef>
+                <a:spcPct val="0"/>
+              </a:spcBef>
+              <a:spcAft>
+                <a:spcPct val="0"/>
+              </a:spcAft>
+              <a:defRPr sz="2400">
+                <a:solidFill>
+                  <a:schemeClr val="tx1"/>
+                </a:solidFill>
+                <a:latin typeface="Times New Roman" pitchFamily="18" charset="0"/>
+              </a:defRPr>
+            </a:lvl8pPr>
+            <a:lvl9pPr marL="3886200" indent="-228600" defTabSz="457200" eaLnBrk="0" fontAlgn="base" hangingPunct="0">
+              <a:spcBef>
+                <a:spcPct val="0"/>
+              </a:spcBef>
+              <a:spcAft>
+                <a:spcPct val="0"/>
+              </a:spcAft>
+              <a:defRPr sz="2400">
+                <a:solidFill>
+                  <a:schemeClr val="tx1"/>
+                </a:solidFill>
+                <a:latin typeface="Times New Roman" pitchFamily="18" charset="0"/>
+              </a:defRPr>
+            </a:lvl9pPr>
+          </a:lstStyle>
+          <a:p>
+            <a:pPr algn="r" eaLnBrk="1" hangingPunct="1">
+              <a:buClr>
+                <a:srgbClr val="000000"/>
+              </a:buClr>
+              <a:buSzPct val="100000"/>
+              <a:buFont typeface="Times New Roman" pitchFamily="18" charset="0"/>
+              <a:buNone/>
+              <a:defRPr/>
+            </a:pPr>
+            <a:r>
+              <a:rPr lang="sr-Latn-CS" altLang="en-US" sz="800" smtClean="0">
+                <a:solidFill>
+                  <a:srgbClr val="FFFFFF"/>
+                </a:solidFill>
+                <a:cs typeface="Arial" charset="0"/>
+              </a:rPr>
+              <a:t>vladaf@matf.bg.ac.</a:t>
+            </a:r>
+            <a:r>
+              <a:rPr lang="en-US" altLang="en-US" sz="800" smtClean="0">
+                <a:solidFill>
+                  <a:srgbClr val="FFFFFF"/>
+                </a:solidFill>
+                <a:cs typeface="Arial" charset="0"/>
+              </a:rPr>
+              <a:t>rs</a:t>
+            </a:r>
+            <a:endParaRPr lang="sr-Latn-CS" altLang="en-US" sz="800" smtClean="0">
+              <a:solidFill>
+                <a:srgbClr val="FFFFFF"/>
+              </a:solidFill>
+              <a:cs typeface="Arial" charset="0"/>
+            </a:endParaRPr>
+          </a:p>
+        </p:txBody>
+      </p:sp>
+      <p:pic>
+        <p:nvPicPr>
+          <p:cNvPr id="1030" name="Picture 8" descr="znakmalin"/>
+          <p:cNvPicPr>
+            <a:picLocks noChangeAspect="1" noChangeArrowheads="1"/>
+          </p:cNvPicPr>
+          <p:nvPr userDrawn="1"/>
+        </p:nvPicPr>
+        <p:blipFill>
+          <a:blip r:embed="rId8">
+            <a:extLst>
+              <a:ext uri="{28A0092B-C50C-407E-A947-70E740481C1C}">
+                <a14:useLocalDpi xmlns:a14="http://schemas.microsoft.com/office/drawing/2010/main" val="0"/>
+              </a:ext>
+            </a:extLst>
+          </a:blip>
+          <a:srcRect/>
+          <a:stretch>
+            <a:fillRect/>
+          </a:stretch>
+        </p:blipFill>
+        <p:spPr bwMode="auto">
+          <a:xfrm>
+            <a:off x="517525" y="476250"/>
+            <a:ext cx="842963" cy="993775"/>
+          </a:xfrm>
+          <a:prstGeom prst="rect">
+            <a:avLst/>
+          </a:prstGeom>
+          <a:noFill/>
+          <a:ln>
+            <a:noFill/>
+          </a:ln>
+          <a:extLst>
+            <a:ext uri="{909E8E84-426E-40DD-AFC4-6F175D3DCCD1}">
+              <a14:hiddenFill xmlns:a14="http://schemas.microsoft.com/office/drawing/2010/main">
+                <a:solidFill>
+                  <a:srgbClr val="FFFFFF"/>
+                </a:solidFill>
+              </a14:hiddenFill>
+            </a:ext>
+            <a:ext uri="{91240B29-F687-4F45-9708-019B960494DF}">
+              <a14:hiddenLine xmlns:a14="http://schemas.microsoft.com/office/drawing/2010/main" w="9525">
+                <a:solidFill>
+                  <a:srgbClr val="000000"/>
+                </a:solidFill>
+                <a:miter lim="800000"/>
+                <a:headEnd/>
+                <a:tailEnd/>
+              </a14:hiddenLine>
+            </a:ext>
+          </a:extLst>
+        </p:spPr>
+      </p:pic>
+      <p:sp>
+        <p:nvSpPr>
+          <p:cNvPr id="1031" name="Rectangle 7"/>
+          <p:cNvSpPr>
+            <a:spLocks noChangeArrowheads="1"/>
+          </p:cNvSpPr>
+          <p:nvPr userDrawn="1"/>
+        </p:nvSpPr>
+        <p:spPr bwMode="auto">
+          <a:xfrm>
+            <a:off x="6096000" y="304800"/>
+            <a:ext cx="2305050" cy="457200"/>
+          </a:xfrm>
+          <a:prstGeom prst="rect">
+            <a:avLst/>
+          </a:prstGeom>
+          <a:noFill/>
+          <a:ln>
+            <a:noFill/>
+          </a:ln>
+          <a:extLst>
+            <a:ext uri="{909E8E84-426E-40DD-AFC4-6F175D3DCCD1}">
+              <a14:hiddenFill xmlns:a14="http://schemas.microsoft.com/office/drawing/2010/main">
+                <a:solidFill>
+                  <a:srgbClr val="FFFFFF"/>
+                </a:solidFill>
+              </a14:hiddenFill>
+            </a:ext>
+            <a:ext uri="{91240B29-F687-4F45-9708-019B960494DF}">
+              <a14:hiddenLine xmlns:a14="http://schemas.microsoft.com/office/drawing/2010/main" w="9525">
+                <a:solidFill>
+                  <a:srgbClr val="000000"/>
+                </a:solidFill>
+                <a:miter lim="800000"/>
+                <a:headEnd/>
+                <a:tailEnd/>
+              </a14:hiddenLine>
+            </a:ext>
+          </a:extLst>
+        </p:spPr>
+        <p:txBody>
+          <a:bodyPr/>
+          <a:lstStyle>
+            <a:lvl1pPr defTabSz="457200" eaLnBrk="0" hangingPunct="0">
+              <a:defRPr sz="2400">
+                <a:solidFill>
+                  <a:schemeClr val="tx1"/>
+                </a:solidFill>
+                <a:latin typeface="Times New Roman" pitchFamily="18" charset="0"/>
+              </a:defRPr>
+            </a:lvl1pPr>
+            <a:lvl2pPr marL="742950" indent="-285750" defTabSz="457200" eaLnBrk="0" hangingPunct="0">
+              <a:defRPr sz="2400">
+                <a:solidFill>
+                  <a:schemeClr val="tx1"/>
+                </a:solidFill>
+                <a:latin typeface="Times New Roman" pitchFamily="18" charset="0"/>
+              </a:defRPr>
+            </a:lvl2pPr>
+            <a:lvl3pPr marL="1143000" indent="-228600" defTabSz="457200" eaLnBrk="0" hangingPunct="0">
+              <a:defRPr sz="2400">
+                <a:solidFill>
+                  <a:schemeClr val="tx1"/>
+                </a:solidFill>
+                <a:latin typeface="Times New Roman" pitchFamily="18" charset="0"/>
+              </a:defRPr>
+            </a:lvl3pPr>
+            <a:lvl4pPr marL="1600200" indent="-228600" defTabSz="457200" eaLnBrk="0" hangingPunct="0">
+              <a:defRPr sz="2400">
+                <a:solidFill>
+                  <a:schemeClr val="tx1"/>
+                </a:solidFill>
+                <a:latin typeface="Times New Roman" pitchFamily="18" charset="0"/>
+              </a:defRPr>
+            </a:lvl4pPr>
+            <a:lvl5pPr marL="2057400" indent="-228600" defTabSz="457200" eaLnBrk="0" hangingPunct="0">
+              <a:defRPr sz="2400">
+                <a:solidFill>
+                  <a:schemeClr val="tx1"/>
+                </a:solidFill>
+                <a:latin typeface="Times New Roman" pitchFamily="18" charset="0"/>
+              </a:defRPr>
+            </a:lvl5pPr>
+            <a:lvl6pPr marL="2514600" indent="-228600" defTabSz="457200" eaLnBrk="0" fontAlgn="base" hangingPunct="0">
+              <a:spcBef>
+                <a:spcPct val="0"/>
+              </a:spcBef>
+              <a:spcAft>
+                <a:spcPct val="0"/>
+              </a:spcAft>
+              <a:defRPr sz="2400">
+                <a:solidFill>
+                  <a:schemeClr val="tx1"/>
+                </a:solidFill>
+                <a:latin typeface="Times New Roman" pitchFamily="18" charset="0"/>
+              </a:defRPr>
+            </a:lvl6pPr>
+            <a:lvl7pPr marL="2971800" indent="-228600" defTabSz="457200" eaLnBrk="0" fontAlgn="base" hangingPunct="0">
+              <a:spcBef>
+                <a:spcPct val="0"/>
+              </a:spcBef>
+              <a:spcAft>
+                <a:spcPct val="0"/>
+              </a:spcAft>
+              <a:defRPr sz="2400">
+                <a:solidFill>
+                  <a:schemeClr val="tx1"/>
+                </a:solidFill>
+                <a:latin typeface="Times New Roman" pitchFamily="18" charset="0"/>
+              </a:defRPr>
+            </a:lvl7pPr>
+            <a:lvl8pPr marL="3429000" indent="-228600" defTabSz="457200" eaLnBrk="0" fontAlgn="base" hangingPunct="0">
+              <a:spcBef>
+                <a:spcPct val="0"/>
+              </a:spcBef>
+              <a:spcAft>
+                <a:spcPct val="0"/>
+              </a:spcAft>
+              <a:defRPr sz="2400">
+                <a:solidFill>
+                  <a:schemeClr val="tx1"/>
+                </a:solidFill>
+                <a:latin typeface="Times New Roman" pitchFamily="18" charset="0"/>
+              </a:defRPr>
+            </a:lvl8pPr>
+            <a:lvl9pPr marL="3886200" indent="-228600" defTabSz="457200" eaLnBrk="0" fontAlgn="base" hangingPunct="0">
+              <a:spcBef>
+                <a:spcPct val="0"/>
+              </a:spcBef>
+              <a:spcAft>
+                <a:spcPct val="0"/>
+              </a:spcAft>
+              <a:defRPr sz="2400">
+                <a:solidFill>
+                  <a:schemeClr val="tx1"/>
+                </a:solidFill>
+                <a:latin typeface="Times New Roman" pitchFamily="18" charset="0"/>
+              </a:defRPr>
+            </a:lvl9pPr>
+          </a:lstStyle>
+          <a:p>
+            <a:pPr algn="r" eaLnBrk="1" hangingPunct="1">
+              <a:buClr>
+                <a:srgbClr val="000000"/>
+              </a:buClr>
+              <a:buSzPct val="100000"/>
+              <a:buFont typeface="Times New Roman" pitchFamily="18" charset="0"/>
+              <a:buNone/>
+              <a:defRPr/>
+            </a:pPr>
+            <a:r>
+              <a:rPr lang="sr-Latn-CS" altLang="en-US" sz="800" dirty="0" smtClean="0">
+                <a:solidFill>
+                  <a:srgbClr val="000000"/>
+                </a:solidFill>
+                <a:latin typeface="+mn-lt"/>
+                <a:cs typeface="Arial" charset="0"/>
+              </a:rPr>
+              <a:t>vladaf@matf.bg.ac.</a:t>
+            </a:r>
+            <a:r>
+              <a:rPr lang="en-US" altLang="en-US" sz="800" dirty="0" err="1" smtClean="0">
+                <a:solidFill>
+                  <a:srgbClr val="000000"/>
+                </a:solidFill>
+                <a:latin typeface="+mn-lt"/>
+                <a:cs typeface="Arial" charset="0"/>
+              </a:rPr>
+              <a:t>rs</a:t>
+            </a:r>
+            <a:endParaRPr lang="sr-Latn-CS" altLang="en-US" sz="800" dirty="0" smtClean="0">
+              <a:solidFill>
+                <a:srgbClr val="000000"/>
+              </a:solidFill>
+              <a:latin typeface="+mn-lt"/>
+              <a:cs typeface="Arial" charset="0"/>
+            </a:endParaRPr>
+          </a:p>
+        </p:txBody>
+      </p:sp>
+      <p:sp>
+        <p:nvSpPr>
+          <p:cNvPr id="1033" name="TextBox 1"/>
+          <p:cNvSpPr txBox="1">
+            <a:spLocks noChangeArrowheads="1"/>
+          </p:cNvSpPr>
+          <p:nvPr userDrawn="1"/>
+        </p:nvSpPr>
+        <p:spPr bwMode="auto">
+          <a:xfrm>
+            <a:off x="342900" y="260350"/>
+            <a:ext cx="1296988" cy="215900"/>
+          </a:xfrm>
+          <a:prstGeom prst="rect">
+            <a:avLst/>
+          </a:prstGeom>
+          <a:noFill/>
+          <a:ln>
+            <a:noFill/>
+          </a:ln>
+          <a:extLst>
+            <a:ext uri="{909E8E84-426E-40DD-AFC4-6F175D3DCCD1}">
+              <a14:hiddenFill xmlns:a14="http://schemas.microsoft.com/office/drawing/2010/main">
+                <a:solidFill>
+                  <a:srgbClr val="FFFFFF"/>
+                </a:solidFill>
+              </a14:hiddenFill>
+            </a:ext>
+            <a:ext uri="{91240B29-F687-4F45-9708-019B960494DF}">
+              <a14:hiddenLine xmlns:a14="http://schemas.microsoft.com/office/drawing/2010/main" w="9525">
+                <a:solidFill>
+                  <a:srgbClr val="000000"/>
+                </a:solidFill>
+                <a:miter lim="800000"/>
+                <a:headEnd/>
+                <a:tailEnd/>
+              </a14:hiddenLine>
+            </a:ext>
+          </a:extLst>
+        </p:spPr>
+        <p:txBody>
+          <a:bodyPr wrap="none">
+            <a:spAutoFit/>
+          </a:bodyPr>
+          <a:lstStyle>
+            <a:lvl1pPr eaLnBrk="0" hangingPunct="0">
+              <a:defRPr>
+                <a:solidFill>
+                  <a:schemeClr val="tx1"/>
+                </a:solidFill>
+                <a:latin typeface="Arial" charset="0"/>
+              </a:defRPr>
+            </a:lvl1pPr>
+            <a:lvl2pPr marL="742950" indent="-285750" eaLnBrk="0" hangingPunct="0">
+              <a:defRPr>
+                <a:solidFill>
+                  <a:schemeClr val="tx1"/>
+                </a:solidFill>
+                <a:latin typeface="Arial" charset="0"/>
+              </a:defRPr>
+            </a:lvl2pPr>
+            <a:lvl3pPr marL="1143000" indent="-228600" eaLnBrk="0" hangingPunct="0">
+              <a:defRPr>
+                <a:solidFill>
+                  <a:schemeClr val="tx1"/>
+                </a:solidFill>
+                <a:latin typeface="Arial" charset="0"/>
+              </a:defRPr>
+            </a:lvl3pPr>
+            <a:lvl4pPr marL="1600200" indent="-228600" eaLnBrk="0" hangingPunct="0">
+              <a:defRPr>
+                <a:solidFill>
+                  <a:schemeClr val="tx1"/>
+                </a:solidFill>
+                <a:latin typeface="Arial" charset="0"/>
+              </a:defRPr>
+            </a:lvl4pPr>
+            <a:lvl5pPr marL="2057400" indent="-228600" eaLnBrk="0" hangingPunct="0">
+              <a:defRPr>
+                <a:solidFill>
+                  <a:schemeClr val="tx1"/>
+                </a:solidFill>
+                <a:latin typeface="Arial" charset="0"/>
+              </a:defRPr>
+            </a:lvl5pPr>
+            <a:lvl6pPr marL="2514600" indent="-228600" eaLnBrk="0" fontAlgn="base" hangingPunct="0">
+              <a:spcBef>
+                <a:spcPct val="0"/>
+              </a:spcBef>
+              <a:spcAft>
+                <a:spcPct val="0"/>
+              </a:spcAft>
+              <a:defRPr>
+                <a:solidFill>
+                  <a:schemeClr val="tx1"/>
+                </a:solidFill>
+                <a:latin typeface="Arial" charset="0"/>
+              </a:defRPr>
+            </a:lvl6pPr>
+            <a:lvl7pPr marL="2971800" indent="-228600" eaLnBrk="0" fontAlgn="base" hangingPunct="0">
+              <a:spcBef>
+                <a:spcPct val="0"/>
+              </a:spcBef>
+              <a:spcAft>
+                <a:spcPct val="0"/>
+              </a:spcAft>
+              <a:defRPr>
+                <a:solidFill>
+                  <a:schemeClr val="tx1"/>
+                </a:solidFill>
+                <a:latin typeface="Arial" charset="0"/>
+              </a:defRPr>
+            </a:lvl7pPr>
+            <a:lvl8pPr marL="3429000" indent="-228600" eaLnBrk="0" fontAlgn="base" hangingPunct="0">
+              <a:spcBef>
+                <a:spcPct val="0"/>
+              </a:spcBef>
+              <a:spcAft>
+                <a:spcPct val="0"/>
+              </a:spcAft>
+              <a:defRPr>
+                <a:solidFill>
+                  <a:schemeClr val="tx1"/>
+                </a:solidFill>
+                <a:latin typeface="Arial" charset="0"/>
+              </a:defRPr>
+            </a:lvl8pPr>
+            <a:lvl9pPr marL="3886200" indent="-228600" eaLnBrk="0" fontAlgn="base" hangingPunct="0">
+              <a:spcBef>
+                <a:spcPct val="0"/>
+              </a:spcBef>
+              <a:spcAft>
+                <a:spcPct val="0"/>
+              </a:spcAft>
+              <a:defRPr>
+                <a:solidFill>
+                  <a:schemeClr val="tx1"/>
+                </a:solidFill>
+                <a:latin typeface="Arial" charset="0"/>
+              </a:defRPr>
+            </a:lvl9pPr>
+          </a:lstStyle>
+          <a:p>
+            <a:pPr algn="ctr" eaLnBrk="1" hangingPunct="1">
+              <a:defRPr/>
+            </a:pPr>
+            <a:r>
+              <a:rPr lang="sr-Cyrl-RS" sz="800" smtClean="0"/>
+              <a:t>Математички факултет</a:t>
+            </a:r>
+            <a:endParaRPr lang="en-US" sz="800" smtClean="0"/>
+          </a:p>
+        </p:txBody>
+      </p:sp>
+      <p:sp>
+        <p:nvSpPr>
+          <p:cNvPr id="10" name="Rectangle 4"/>
+          <p:cNvSpPr txBox="1">
+            <a:spLocks noChangeArrowheads="1"/>
+          </p:cNvSpPr>
+          <p:nvPr userDrawn="1"/>
+        </p:nvSpPr>
+        <p:spPr bwMode="auto">
+          <a:xfrm>
+            <a:off x="3059113" y="0"/>
+            <a:ext cx="2895600" cy="457200"/>
+          </a:xfrm>
+          <a:prstGeom prst="rect">
+            <a:avLst/>
+          </a:prstGeom>
+          <a:noFill/>
+          <a:ln w="9525">
+            <a:noFill/>
+            <a:miter lim="800000"/>
+            <a:headEnd/>
+            <a:tailEnd/>
+          </a:ln>
+          <a:effectLst/>
+        </p:spPr>
+        <p:txBody>
+          <a:bodyPr/>
+          <a:lstStyle>
+            <a:defPPr>
+              <a:defRPr lang="en-US"/>
+            </a:defPPr>
+            <a:lvl1pPr algn="ctr" defTabSz="914400" rtl="0" fontAlgn="base">
+              <a:spcBef>
+                <a:spcPct val="0"/>
+              </a:spcBef>
+              <a:spcAft>
+                <a:spcPct val="0"/>
+              </a:spcAft>
+              <a:buClrTx/>
+              <a:buSzTx/>
+              <a:buFont typeface="Times New Roman" pitchFamily="16" charset="0"/>
+              <a:buNone/>
+              <a:defRPr sz="1000" kern="1200">
+                <a:solidFill>
+                  <a:srgbClr val="6767FF"/>
+                </a:solidFill>
+                <a:latin typeface="Arial" charset="0"/>
+                <a:ea typeface="+mn-ea"/>
+                <a:cs typeface="Arial" charset="0"/>
+              </a:defRPr>
+            </a:lvl1pPr>
+            <a:lvl2pPr marL="457200" algn="l" rtl="0" fontAlgn="base">
+              <a:spcBef>
+                <a:spcPct val="0"/>
+              </a:spcBef>
+              <a:spcAft>
+                <a:spcPct val="0"/>
+              </a:spcAft>
+              <a:defRPr kern="1200">
+                <a:solidFill>
+                  <a:schemeClr val="tx1"/>
+                </a:solidFill>
+                <a:latin typeface="Arial" charset="0"/>
+                <a:ea typeface="+mn-ea"/>
+                <a:cs typeface="+mn-cs"/>
+              </a:defRPr>
+            </a:lvl2pPr>
+            <a:lvl3pPr marL="914400" algn="l" rtl="0" fontAlgn="base">
+              <a:spcBef>
+                <a:spcPct val="0"/>
+              </a:spcBef>
+              <a:spcAft>
+                <a:spcPct val="0"/>
+              </a:spcAft>
+              <a:defRPr kern="1200">
+                <a:solidFill>
+                  <a:schemeClr val="tx1"/>
+                </a:solidFill>
+                <a:latin typeface="Arial" charset="0"/>
+                <a:ea typeface="+mn-ea"/>
+                <a:cs typeface="+mn-cs"/>
+              </a:defRPr>
+            </a:lvl3pPr>
+            <a:lvl4pPr marL="1371600" algn="l" rtl="0" fontAlgn="base">
+              <a:spcBef>
+                <a:spcPct val="0"/>
+              </a:spcBef>
+              <a:spcAft>
+                <a:spcPct val="0"/>
+              </a:spcAft>
+              <a:defRPr kern="1200">
+                <a:solidFill>
+                  <a:schemeClr val="tx1"/>
+                </a:solidFill>
+                <a:latin typeface="Arial" charset="0"/>
+                <a:ea typeface="+mn-ea"/>
+                <a:cs typeface="+mn-cs"/>
+              </a:defRPr>
+            </a:lvl4pPr>
+            <a:lvl5pPr marL="1828800" algn="l" rtl="0" fontAlgn="base">
+              <a:spcBef>
+                <a:spcPct val="0"/>
+              </a:spcBef>
+              <a:spcAft>
+                <a:spcPct val="0"/>
+              </a:spcAft>
+              <a:defRPr kern="1200">
+                <a:solidFill>
+                  <a:schemeClr val="tx1"/>
+                </a:solidFill>
+                <a:latin typeface="Arial" charset="0"/>
+                <a:ea typeface="+mn-ea"/>
+                <a:cs typeface="+mn-cs"/>
+              </a:defRPr>
+            </a:lvl5pPr>
+            <a:lvl6pPr marL="2286000" algn="l" defTabSz="914400" rtl="0" eaLnBrk="1" latinLnBrk="0" hangingPunct="1">
+              <a:defRPr kern="1200">
+                <a:solidFill>
+                  <a:schemeClr val="tx1"/>
+                </a:solidFill>
+                <a:latin typeface="Arial" charset="0"/>
+                <a:ea typeface="+mn-ea"/>
+                <a:cs typeface="+mn-cs"/>
+              </a:defRPr>
+            </a:lvl6pPr>
+            <a:lvl7pPr marL="2743200" algn="l" defTabSz="914400" rtl="0" eaLnBrk="1" latinLnBrk="0" hangingPunct="1">
+              <a:defRPr kern="1200">
+                <a:solidFill>
+                  <a:schemeClr val="tx1"/>
+                </a:solidFill>
+                <a:latin typeface="Arial" charset="0"/>
+                <a:ea typeface="+mn-ea"/>
+                <a:cs typeface="+mn-cs"/>
+              </a:defRPr>
+            </a:lvl7pPr>
+            <a:lvl8pPr marL="3200400" algn="l" defTabSz="914400" rtl="0" eaLnBrk="1" latinLnBrk="0" hangingPunct="1">
+              <a:defRPr kern="1200">
+                <a:solidFill>
+                  <a:schemeClr val="tx1"/>
+                </a:solidFill>
+                <a:latin typeface="Arial" charset="0"/>
+                <a:ea typeface="+mn-ea"/>
+                <a:cs typeface="+mn-cs"/>
+              </a:defRPr>
+            </a:lvl8pPr>
+            <a:lvl9pPr marL="3657600" algn="l" defTabSz="914400" rtl="0" eaLnBrk="1" latinLnBrk="0" hangingPunct="1">
+              <a:defRPr kern="1200">
+                <a:solidFill>
+                  <a:schemeClr val="tx1"/>
+                </a:solidFill>
+                <a:latin typeface="Arial" charset="0"/>
+                <a:ea typeface="+mn-ea"/>
+                <a:cs typeface="+mn-cs"/>
+              </a:defRPr>
+            </a:lvl9pPr>
+          </a:lstStyle>
+          <a:p>
+            <a:pPr>
+              <a:defRPr/>
+            </a:pPr>
+            <a:r>
+              <a:rPr lang="sr-Latn-RS" dirty="0" smtClean="0"/>
+              <a:t>Uvod u veb</a:t>
+            </a:r>
+            <a:r>
+              <a:rPr lang="sr-Latn-RS" baseline="0" dirty="0" smtClean="0"/>
+              <a:t> i internet tehnologije</a:t>
+            </a:r>
+            <a:endParaRPr lang="sr-Latn-CS" dirty="0"/>
+          </a:p>
+        </p:txBody>
+      </p:sp>
+    </p:spTree>
+    <p:extLst>
+      <p:ext uri="{BB962C8B-B14F-4D97-AF65-F5344CB8AC3E}">
+        <p14:creationId xmlns:p14="http://schemas.microsoft.com/office/powerpoint/2010/main" val="864953481"/>
+      </p:ext>
+    </p:extLst>
+  </p:cSld>
+  <p:clrMap bg1="lt1" tx1="dk1" bg2="lt2" tx2="dk2" accent1="accent1" accent2="accent2" accent3="accent3" accent4="accent4" accent5="accent5" accent6="accent6" hlink="hlink" folHlink="folHlink"/>
+  <p:sldLayoutIdLst>
+    <p:sldLayoutId id="2147483934" r:id="rId1"/>
+    <p:sldLayoutId id="2147483935" r:id="rId2"/>
+    <p:sldLayoutId id="2147483936" r:id="rId3"/>
+    <p:sldLayoutId id="2147483937" r:id="rId4"/>
+    <p:sldLayoutId id="2147483938" r:id="rId5"/>
+    <p:sldLayoutId id="2147483939" r:id="rId6"/>
   </p:sldLayoutIdLst>
   <p:timing>
     <p:tnLst>
@@ -4716,62 +7478,1981 @@
           </a:p>
         </p:txBody>
       </p:sp>
-      <p:pic>
-        <p:nvPicPr>
-          <p:cNvPr id="4" name="Picture 2"/>
-          <p:cNvPicPr>
-            <a:picLocks noChangeAspect="1" noChangeArrowheads="1"/>
-          </p:cNvPicPr>
-          <p:nvPr/>
-        </p:nvPicPr>
-        <p:blipFill rotWithShape="1">
-          <a:blip r:embed="rId3">
-            <a:extLst>
-              <a:ext uri="{28A0092B-C50C-407E-A947-70E740481C1C}">
-                <a14:useLocalDpi xmlns:a14="http://schemas.microsoft.com/office/drawing/2010/main" val="0"/>
-              </a:ext>
-            </a:extLst>
-          </a:blip>
-          <a:srcRect r="1276"/>
-          <a:stretch/>
-        </p:blipFill>
-        <p:spPr bwMode="auto">
-          <a:xfrm>
-            <a:off x="1275106" y="1306270"/>
-            <a:ext cx="7041310" cy="5542203"/>
-          </a:xfrm>
-          <a:prstGeom prst="rect">
-            <a:avLst/>
-          </a:prstGeom>
-          <a:noFill/>
-          <a:ln>
-            <a:noFill/>
-          </a:ln>
-          <a:extLst>
-            <a:ext uri="{909E8E84-426E-40DD-AFC4-6F175D3DCCD1}">
-              <a14:hiddenFill xmlns:a14="http://schemas.microsoft.com/office/drawing/2010/main">
-                <a:solidFill>
-                  <a:schemeClr val="accent1"/>
-                </a:solidFill>
-              </a14:hiddenFill>
-            </a:ext>
-            <a:ext uri="{91240B29-F687-4F45-9708-019B960494DF}">
-              <a14:hiddenLine xmlns:a14="http://schemas.microsoft.com/office/drawing/2010/main" w="9525">
-                <a:solidFill>
-                  <a:schemeClr val="tx1"/>
-                </a:solidFill>
-                <a:miter lim="800000"/>
-                <a:headEnd/>
-                <a:tailEnd/>
-              </a14:hiddenLine>
-            </a:ext>
-          </a:extLst>
-        </p:spPr>
-      </p:pic>
+      <p:graphicFrame>
+        <p:nvGraphicFramePr>
+          <p:cNvPr id="5" name="Table 4"/>
+          <p:cNvGraphicFramePr>
+            <a:graphicFrameLocks noGrp="1"/>
+          </p:cNvGraphicFramePr>
+          <p:nvPr>
+            <p:extLst>
+              <p:ext uri="{D42A27DB-BD31-4B8C-83A1-F6EECF244321}">
+                <p14:modId xmlns:p14="http://schemas.microsoft.com/office/powerpoint/2010/main" val="182668015"/>
+              </p:ext>
+            </p:extLst>
+          </p:nvPr>
+        </p:nvGraphicFramePr>
+        <p:xfrm>
+          <a:off x="611560" y="1596870"/>
+          <a:ext cx="8532440" cy="5127505"/>
+        </p:xfrm>
+        <a:graphic>
+          <a:graphicData uri="http://schemas.openxmlformats.org/drawingml/2006/table">
+            <a:tbl>
+              <a:tblPr firstRow="1" bandRow="1">
+                <a:tableStyleId>{17292A2E-F333-43FB-9621-5CBBE7FDCDCB}</a:tableStyleId>
+              </a:tblPr>
+              <a:tblGrid>
+                <a:gridCol w="2382934">
+                  <a:extLst>
+                    <a:ext uri="{9D8B030D-6E8A-4147-A177-3AD203B41FA5}">
+                      <a16:colId xmlns:a16="http://schemas.microsoft.com/office/drawing/2014/main" val="1472415675"/>
+                    </a:ext>
+                  </a:extLst>
+                </a:gridCol>
+                <a:gridCol w="2536671">
+                  <a:extLst>
+                    <a:ext uri="{9D8B030D-6E8A-4147-A177-3AD203B41FA5}">
+                      <a16:colId xmlns:a16="http://schemas.microsoft.com/office/drawing/2014/main" val="2993557970"/>
+                    </a:ext>
+                  </a:extLst>
+                </a:gridCol>
+                <a:gridCol w="1479725">
+                  <a:extLst>
+                    <a:ext uri="{9D8B030D-6E8A-4147-A177-3AD203B41FA5}">
+                      <a16:colId xmlns:a16="http://schemas.microsoft.com/office/drawing/2014/main" val="3584302003"/>
+                    </a:ext>
+                  </a:extLst>
+                </a:gridCol>
+                <a:gridCol w="2133110">
+                  <a:extLst>
+                    <a:ext uri="{9D8B030D-6E8A-4147-A177-3AD203B41FA5}">
+                      <a16:colId xmlns:a16="http://schemas.microsoft.com/office/drawing/2014/main" val="3796745253"/>
+                    </a:ext>
+                  </a:extLst>
+                </a:gridCol>
+              </a:tblGrid>
+              <a:tr h="585065">
+                <a:tc>
+                  <a:txBody>
+                    <a:bodyPr/>
+                    <a:lstStyle/>
+                    <a:p>
+                      <a:pPr algn="ctr"/>
+                      <a:r>
+                        <a:rPr lang="sr-Latn-RS" dirty="0" smtClean="0"/>
+                        <a:t>OSI sloj</a:t>
+                      </a:r>
+                      <a:endParaRPr lang="en-US" dirty="0"/>
+                    </a:p>
+                  </a:txBody>
+                  <a:tcPr anchor="ctr">
+                    <a:lnB w="12700" cap="flat" cmpd="sng" algn="ctr">
+                      <a:solidFill>
+                        <a:schemeClr val="tx1"/>
+                      </a:solidFill>
+                      <a:prstDash val="solid"/>
+                      <a:round/>
+                      <a:headEnd type="none" w="med" len="med"/>
+                      <a:tailEnd type="none" w="med" len="med"/>
+                    </a:lnB>
+                  </a:tcPr>
+                </a:tc>
+                <a:tc>
+                  <a:txBody>
+                    <a:bodyPr/>
+                    <a:lstStyle/>
+                    <a:p>
+                      <a:pPr algn="ctr"/>
+                      <a:r>
+                        <a:rPr lang="sr-Latn-RS" dirty="0" smtClean="0"/>
+                        <a:t>TCP/IP sloj </a:t>
+                      </a:r>
+                      <a:endParaRPr lang="en-US" dirty="0"/>
+                    </a:p>
+                  </a:txBody>
+                  <a:tcPr anchor="ctr">
+                    <a:lnB w="12700" cap="flat" cmpd="sng" algn="ctr">
+                      <a:solidFill>
+                        <a:schemeClr val="tx1"/>
+                      </a:solidFill>
+                      <a:prstDash val="solid"/>
+                      <a:round/>
+                      <a:headEnd type="none" w="med" len="med"/>
+                      <a:tailEnd type="none" w="med" len="med"/>
+                    </a:lnB>
+                  </a:tcPr>
+                </a:tc>
+                <a:tc>
+                  <a:txBody>
+                    <a:bodyPr/>
+                    <a:lstStyle/>
+                    <a:p>
+                      <a:pPr algn="ctr"/>
+                      <a:r>
+                        <a:rPr lang="sr-Latn-RS" dirty="0" smtClean="0"/>
+                        <a:t>Jedinica</a:t>
+                      </a:r>
+                      <a:endParaRPr lang="en-US" dirty="0"/>
+                    </a:p>
+                  </a:txBody>
+                  <a:tcPr anchor="ctr">
+                    <a:lnB w="12700" cap="flat" cmpd="sng" algn="ctr">
+                      <a:solidFill>
+                        <a:schemeClr val="tx1"/>
+                      </a:solidFill>
+                      <a:prstDash val="solid"/>
+                      <a:round/>
+                      <a:headEnd type="none" w="med" len="med"/>
+                      <a:tailEnd type="none" w="med" len="med"/>
+                    </a:lnB>
+                  </a:tcPr>
+                </a:tc>
+                <a:tc>
+                  <a:txBody>
+                    <a:bodyPr/>
+                    <a:lstStyle/>
+                    <a:p>
+                      <a:pPr algn="ctr"/>
+                      <a:r>
+                        <a:rPr lang="sr-Latn-RS" dirty="0" smtClean="0"/>
+                        <a:t>Protokol</a:t>
+                      </a:r>
+                      <a:endParaRPr lang="en-US" dirty="0"/>
+                    </a:p>
+                  </a:txBody>
+                  <a:tcPr anchor="ctr">
+                    <a:lnB w="12700" cap="flat" cmpd="sng" algn="ctr">
+                      <a:solidFill>
+                        <a:schemeClr val="tx1"/>
+                      </a:solidFill>
+                      <a:prstDash val="solid"/>
+                      <a:round/>
+                      <a:headEnd type="none" w="med" len="med"/>
+                      <a:tailEnd type="none" w="med" len="med"/>
+                    </a:lnB>
+                  </a:tcPr>
+                </a:tc>
+                <a:extLst>
+                  <a:ext uri="{0D108BD9-81ED-4DB2-BD59-A6C34878D82A}">
+                    <a16:rowId xmlns:a16="http://schemas.microsoft.com/office/drawing/2014/main" val="482679332"/>
+                  </a:ext>
+                </a:extLst>
+              </a:tr>
+              <a:tr h="585065">
+                <a:tc>
+                  <a:txBody>
+                    <a:bodyPr/>
+                    <a:lstStyle/>
+                    <a:p>
+                      <a:pPr algn="ctr"/>
+                      <a:r>
+                        <a:rPr lang="sr-Latn-RS" dirty="0" smtClean="0"/>
+                        <a:t>aplikativni</a:t>
+                      </a:r>
+                      <a:r>
+                        <a:rPr lang="sr-Latn-RS" baseline="0" dirty="0" smtClean="0"/>
+                        <a:t> sloj</a:t>
+                      </a:r>
+                    </a:p>
+                    <a:p>
+                      <a:pPr algn="ctr"/>
+                      <a:r>
+                        <a:rPr lang="sr-Latn-RS" sz="1000" baseline="0" dirty="0" smtClean="0"/>
+                        <a:t>(mrežni procesi vezani za aplikaciju)</a:t>
+                      </a:r>
+                      <a:endParaRPr lang="en-US" sz="1000" dirty="0"/>
+                    </a:p>
+                  </a:txBody>
+                  <a:tcPr anchor="ctr">
+                    <a:lnL w="12700" cap="flat" cmpd="sng" algn="ctr">
+                      <a:solidFill>
+                        <a:schemeClr val="tx1"/>
+                      </a:solidFill>
+                      <a:prstDash val="solid"/>
+                      <a:round/>
+                      <a:headEnd type="none" w="med" len="med"/>
+                      <a:tailEnd type="none" w="med" len="med"/>
+                    </a:lnL>
+                    <a:lnR w="12700" cap="flat" cmpd="sng" algn="ctr">
+                      <a:solidFill>
+                        <a:schemeClr val="tx1"/>
+                      </a:solidFill>
+                      <a:prstDash val="solid"/>
+                      <a:round/>
+                      <a:headEnd type="none" w="med" len="med"/>
+                      <a:tailEnd type="none" w="med" len="med"/>
+                    </a:lnR>
+                    <a:lnT w="12700" cap="flat" cmpd="sng" algn="ctr">
+                      <a:solidFill>
+                        <a:schemeClr val="tx1"/>
+                      </a:solidFill>
+                      <a:prstDash val="solid"/>
+                      <a:round/>
+                      <a:headEnd type="none" w="med" len="med"/>
+                      <a:tailEnd type="none" w="med" len="med"/>
+                    </a:lnT>
+                    <a:lnB w="12700" cap="flat" cmpd="sng" algn="ctr">
+                      <a:solidFill>
+                        <a:schemeClr val="tx1"/>
+                      </a:solidFill>
+                      <a:prstDash val="solid"/>
+                      <a:round/>
+                      <a:headEnd type="none" w="med" len="med"/>
+                      <a:tailEnd type="none" w="med" len="med"/>
+                    </a:lnB>
+                    <a:solidFill>
+                      <a:srgbClr val="00FFFF"/>
+                    </a:solidFill>
+                  </a:tcPr>
+                </a:tc>
+                <a:tc rowSpan="3">
+                  <a:txBody>
+                    <a:bodyPr/>
+                    <a:lstStyle/>
+                    <a:p>
+                      <a:pPr algn="ctr"/>
+                      <a:r>
+                        <a:rPr lang="sr-Latn-RS" dirty="0" smtClean="0"/>
+                        <a:t>aplikativni sloj</a:t>
+                      </a:r>
+                      <a:endParaRPr lang="en-US" dirty="0"/>
+                    </a:p>
+                  </a:txBody>
+                  <a:tcPr anchor="ctr">
+                    <a:lnL w="12700" cap="flat" cmpd="sng" algn="ctr">
+                      <a:solidFill>
+                        <a:schemeClr val="tx1"/>
+                      </a:solidFill>
+                      <a:prstDash val="solid"/>
+                      <a:round/>
+                      <a:headEnd type="none" w="med" len="med"/>
+                      <a:tailEnd type="none" w="med" len="med"/>
+                    </a:lnL>
+                    <a:lnR w="12700" cap="flat" cmpd="sng" algn="ctr">
+                      <a:solidFill>
+                        <a:schemeClr val="tx1"/>
+                      </a:solidFill>
+                      <a:prstDash val="solid"/>
+                      <a:round/>
+                      <a:headEnd type="none" w="med" len="med"/>
+                      <a:tailEnd type="none" w="med" len="med"/>
+                    </a:lnR>
+                    <a:lnT w="12700" cap="flat" cmpd="sng" algn="ctr">
+                      <a:solidFill>
+                        <a:schemeClr val="tx1"/>
+                      </a:solidFill>
+                      <a:prstDash val="solid"/>
+                      <a:round/>
+                      <a:headEnd type="none" w="med" len="med"/>
+                      <a:tailEnd type="none" w="med" len="med"/>
+                    </a:lnT>
+                    <a:lnB w="12700" cap="flat" cmpd="sng" algn="ctr">
+                      <a:solidFill>
+                        <a:schemeClr val="tx1"/>
+                      </a:solidFill>
+                      <a:prstDash val="solid"/>
+                      <a:round/>
+                      <a:headEnd type="none" w="med" len="med"/>
+                      <a:tailEnd type="none" w="med" len="med"/>
+                    </a:lnB>
+                    <a:solidFill>
+                      <a:srgbClr val="00FFFF"/>
+                    </a:solidFill>
+                  </a:tcPr>
+                </a:tc>
+                <a:tc>
+                  <a:txBody>
+                    <a:bodyPr/>
+                    <a:lstStyle/>
+                    <a:p>
+                      <a:pPr algn="ctr"/>
+                      <a:r>
+                        <a:rPr lang="sr-Latn-RS" sz="1050" dirty="0" smtClean="0"/>
+                        <a:t>podatak</a:t>
+                      </a:r>
+                      <a:endParaRPr lang="en-US" sz="1050" dirty="0"/>
+                    </a:p>
+                  </a:txBody>
+                  <a:tcPr anchor="ctr">
+                    <a:lnL w="12700" cap="flat" cmpd="sng" algn="ctr">
+                      <a:solidFill>
+                        <a:schemeClr val="tx1"/>
+                      </a:solidFill>
+                      <a:prstDash val="solid"/>
+                      <a:round/>
+                      <a:headEnd type="none" w="med" len="med"/>
+                      <a:tailEnd type="none" w="med" len="med"/>
+                    </a:lnL>
+                    <a:lnR w="12700" cap="flat" cmpd="sng" algn="ctr">
+                      <a:solidFill>
+                        <a:schemeClr val="tx1"/>
+                      </a:solidFill>
+                      <a:prstDash val="solid"/>
+                      <a:round/>
+                      <a:headEnd type="none" w="med" len="med"/>
+                      <a:tailEnd type="none" w="med" len="med"/>
+                    </a:lnR>
+                    <a:lnT w="12700" cap="flat" cmpd="sng" algn="ctr">
+                      <a:solidFill>
+                        <a:schemeClr val="tx1"/>
+                      </a:solidFill>
+                      <a:prstDash val="solid"/>
+                      <a:round/>
+                      <a:headEnd type="none" w="med" len="med"/>
+                      <a:tailEnd type="none" w="med" len="med"/>
+                    </a:lnT>
+                    <a:lnB w="12700" cap="flat" cmpd="sng" algn="ctr">
+                      <a:solidFill>
+                        <a:schemeClr val="tx1"/>
+                      </a:solidFill>
+                      <a:prstDash val="solid"/>
+                      <a:round/>
+                      <a:headEnd type="none" w="med" len="med"/>
+                      <a:tailEnd type="none" w="med" len="med"/>
+                    </a:lnB>
+                    <a:solidFill>
+                      <a:srgbClr val="00FFFF"/>
+                    </a:solidFill>
+                  </a:tcPr>
+                </a:tc>
+                <a:tc>
+                  <a:txBody>
+                    <a:bodyPr/>
+                    <a:lstStyle/>
+                    <a:p>
+                      <a:pPr algn="ctr"/>
+                      <a:r>
+                        <a:rPr lang="en-US" sz="1050" dirty="0" smtClean="0"/>
+                        <a:t>HTTP, FTP, Telnet, DNS, DHCP, </a:t>
+                      </a:r>
+                      <a:r>
+                        <a:rPr lang="sr-Latn-RS" sz="1050" dirty="0" smtClean="0"/>
+                        <a:t>P</a:t>
+                      </a:r>
+                      <a:r>
+                        <a:rPr lang="en-US" sz="1050" dirty="0" smtClean="0"/>
+                        <a:t>OP/SMTP, NNTP</a:t>
+                      </a:r>
+                      <a:endParaRPr lang="en-US" sz="1050" dirty="0"/>
+                    </a:p>
+                  </a:txBody>
+                  <a:tcPr anchor="ctr">
+                    <a:lnL w="12700" cap="flat" cmpd="sng" algn="ctr">
+                      <a:solidFill>
+                        <a:schemeClr val="tx1"/>
+                      </a:solidFill>
+                      <a:prstDash val="solid"/>
+                      <a:round/>
+                      <a:headEnd type="none" w="med" len="med"/>
+                      <a:tailEnd type="none" w="med" len="med"/>
+                    </a:lnL>
+                    <a:lnR w="12700" cap="flat" cmpd="sng" algn="ctr">
+                      <a:solidFill>
+                        <a:schemeClr val="tx1"/>
+                      </a:solidFill>
+                      <a:prstDash val="solid"/>
+                      <a:round/>
+                      <a:headEnd type="none" w="med" len="med"/>
+                      <a:tailEnd type="none" w="med" len="med"/>
+                    </a:lnR>
+                    <a:lnT w="12700" cap="flat" cmpd="sng" algn="ctr">
+                      <a:solidFill>
+                        <a:schemeClr val="tx1"/>
+                      </a:solidFill>
+                      <a:prstDash val="solid"/>
+                      <a:round/>
+                      <a:headEnd type="none" w="med" len="med"/>
+                      <a:tailEnd type="none" w="med" len="med"/>
+                    </a:lnT>
+                    <a:lnB w="12700" cap="flat" cmpd="sng" algn="ctr">
+                      <a:solidFill>
+                        <a:schemeClr val="tx1"/>
+                      </a:solidFill>
+                      <a:prstDash val="solid"/>
+                      <a:round/>
+                      <a:headEnd type="none" w="med" len="med"/>
+                      <a:tailEnd type="none" w="med" len="med"/>
+                    </a:lnB>
+                    <a:solidFill>
+                      <a:srgbClr val="00FFFF"/>
+                    </a:solidFill>
+                  </a:tcPr>
+                </a:tc>
+                <a:extLst>
+                  <a:ext uri="{0D108BD9-81ED-4DB2-BD59-A6C34878D82A}">
+                    <a16:rowId xmlns:a16="http://schemas.microsoft.com/office/drawing/2014/main" val="4178197445"/>
+                  </a:ext>
+                </a:extLst>
+              </a:tr>
+              <a:tr h="585065">
+                <a:tc>
+                  <a:txBody>
+                    <a:bodyPr/>
+                    <a:lstStyle/>
+                    <a:p>
+                      <a:pPr algn="ctr"/>
+                      <a:r>
+                        <a:rPr lang="sr-Latn-RS" dirty="0" smtClean="0"/>
+                        <a:t>sloj prezentacije</a:t>
+                      </a:r>
+                    </a:p>
+                    <a:p>
+                      <a:pPr algn="ctr"/>
+                      <a:r>
+                        <a:rPr lang="sr-Latn-RS" sz="1000" dirty="0" smtClean="0"/>
+                        <a:t>(</a:t>
+                      </a:r>
+                      <a:r>
+                        <a:rPr lang="sr-Latn-RS" sz="1000" dirty="0" err="1" smtClean="0"/>
+                        <a:t>enkripcija</a:t>
+                      </a:r>
+                      <a:r>
+                        <a:rPr lang="sr-Latn-RS" sz="1000" dirty="0" smtClean="0"/>
+                        <a:t> i kodiranje podataka)</a:t>
+                      </a:r>
+                      <a:r>
+                        <a:rPr lang="sr-Latn-RS" dirty="0" smtClean="0"/>
+                        <a:t> </a:t>
+                      </a:r>
+                      <a:endParaRPr lang="en-US" dirty="0"/>
+                    </a:p>
+                  </a:txBody>
+                  <a:tcPr anchor="ctr">
+                    <a:lnL w="12700" cap="flat" cmpd="sng" algn="ctr">
+                      <a:solidFill>
+                        <a:schemeClr val="tx1"/>
+                      </a:solidFill>
+                      <a:prstDash val="solid"/>
+                      <a:round/>
+                      <a:headEnd type="none" w="med" len="med"/>
+                      <a:tailEnd type="none" w="med" len="med"/>
+                    </a:lnL>
+                    <a:lnR w="12700" cap="flat" cmpd="sng" algn="ctr">
+                      <a:solidFill>
+                        <a:schemeClr val="tx1"/>
+                      </a:solidFill>
+                      <a:prstDash val="solid"/>
+                      <a:round/>
+                      <a:headEnd type="none" w="med" len="med"/>
+                      <a:tailEnd type="none" w="med" len="med"/>
+                    </a:lnR>
+                    <a:lnT w="12700" cap="flat" cmpd="sng" algn="ctr">
+                      <a:solidFill>
+                        <a:schemeClr val="tx1"/>
+                      </a:solidFill>
+                      <a:prstDash val="solid"/>
+                      <a:round/>
+                      <a:headEnd type="none" w="med" len="med"/>
+                      <a:tailEnd type="none" w="med" len="med"/>
+                    </a:lnT>
+                    <a:lnB w="12700" cap="flat" cmpd="sng" algn="ctr">
+                      <a:solidFill>
+                        <a:schemeClr val="tx1"/>
+                      </a:solidFill>
+                      <a:prstDash val="solid"/>
+                      <a:round/>
+                      <a:headEnd type="none" w="med" len="med"/>
+                      <a:tailEnd type="none" w="med" len="med"/>
+                    </a:lnB>
+                    <a:solidFill>
+                      <a:srgbClr val="CCCCFF"/>
+                    </a:solidFill>
+                  </a:tcPr>
+                </a:tc>
+                <a:tc vMerge="1">
+                  <a:txBody>
+                    <a:bodyPr/>
+                    <a:lstStyle/>
+                    <a:p>
+                      <a:pPr algn="ctr"/>
+                      <a:endParaRPr lang="en-US" dirty="0"/>
+                    </a:p>
+                  </a:txBody>
+                  <a:tcPr anchor="ctr">
+                    <a:lnL w="12700" cap="flat" cmpd="sng" algn="ctr">
+                      <a:solidFill>
+                        <a:schemeClr val="tx1"/>
+                      </a:solidFill>
+                      <a:prstDash val="solid"/>
+                      <a:round/>
+                      <a:headEnd type="none" w="med" len="med"/>
+                      <a:tailEnd type="none" w="med" len="med"/>
+                    </a:lnL>
+                    <a:lnR w="12700" cap="flat" cmpd="sng" algn="ctr">
+                      <a:solidFill>
+                        <a:schemeClr val="tx1"/>
+                      </a:solidFill>
+                      <a:prstDash val="solid"/>
+                      <a:round/>
+                      <a:headEnd type="none" w="med" len="med"/>
+                      <a:tailEnd type="none" w="med" len="med"/>
+                    </a:lnR>
+                    <a:lnT w="12700" cap="flat" cmpd="sng" algn="ctr">
+                      <a:solidFill>
+                        <a:schemeClr val="tx1"/>
+                      </a:solidFill>
+                      <a:prstDash val="solid"/>
+                      <a:round/>
+                      <a:headEnd type="none" w="med" len="med"/>
+                      <a:tailEnd type="none" w="med" len="med"/>
+                    </a:lnT>
+                    <a:lnB w="12700" cap="flat" cmpd="sng" algn="ctr">
+                      <a:solidFill>
+                        <a:schemeClr val="tx1"/>
+                      </a:solidFill>
+                      <a:prstDash val="solid"/>
+                      <a:round/>
+                      <a:headEnd type="none" w="med" len="med"/>
+                      <a:tailEnd type="none" w="med" len="med"/>
+                    </a:lnB>
+                  </a:tcPr>
+                </a:tc>
+                <a:tc>
+                  <a:txBody>
+                    <a:bodyPr/>
+                    <a:lstStyle/>
+                    <a:p>
+                      <a:pPr marL="0" marR="0" lvl="0" indent="0" algn="ctr" defTabSz="914400" rtl="0" eaLnBrk="1" fontAlgn="auto" latinLnBrk="0" hangingPunct="1">
+                        <a:lnSpc>
+                          <a:spcPct val="100000"/>
+                        </a:lnSpc>
+                        <a:spcBef>
+                          <a:spcPts val="0"/>
+                        </a:spcBef>
+                        <a:spcAft>
+                          <a:spcPts val="0"/>
+                        </a:spcAft>
+                        <a:buClrTx/>
+                        <a:buSzTx/>
+                        <a:buFontTx/>
+                        <a:buNone/>
+                        <a:tabLst/>
+                        <a:defRPr/>
+                      </a:pPr>
+                      <a:r>
+                        <a:rPr lang="sr-Latn-RS" sz="1050" dirty="0" smtClean="0"/>
+                        <a:t>podatak</a:t>
+                      </a:r>
+                      <a:endParaRPr lang="en-US" sz="1050" dirty="0" smtClean="0"/>
+                    </a:p>
+                  </a:txBody>
+                  <a:tcPr anchor="ctr">
+                    <a:lnL w="12700" cap="flat" cmpd="sng" algn="ctr">
+                      <a:solidFill>
+                        <a:schemeClr val="tx1"/>
+                      </a:solidFill>
+                      <a:prstDash val="solid"/>
+                      <a:round/>
+                      <a:headEnd type="none" w="med" len="med"/>
+                      <a:tailEnd type="none" w="med" len="med"/>
+                    </a:lnL>
+                    <a:lnR w="12700" cap="flat" cmpd="sng" algn="ctr">
+                      <a:solidFill>
+                        <a:schemeClr val="tx1"/>
+                      </a:solidFill>
+                      <a:prstDash val="solid"/>
+                      <a:round/>
+                      <a:headEnd type="none" w="med" len="med"/>
+                      <a:tailEnd type="none" w="med" len="med"/>
+                    </a:lnR>
+                    <a:lnT w="12700" cap="flat" cmpd="sng" algn="ctr">
+                      <a:solidFill>
+                        <a:schemeClr val="tx1"/>
+                      </a:solidFill>
+                      <a:prstDash val="solid"/>
+                      <a:round/>
+                      <a:headEnd type="none" w="med" len="med"/>
+                      <a:tailEnd type="none" w="med" len="med"/>
+                    </a:lnT>
+                    <a:lnB w="12700" cap="flat" cmpd="sng" algn="ctr">
+                      <a:solidFill>
+                        <a:schemeClr val="tx1"/>
+                      </a:solidFill>
+                      <a:prstDash val="solid"/>
+                      <a:round/>
+                      <a:headEnd type="none" w="med" len="med"/>
+                      <a:tailEnd type="none" w="med" len="med"/>
+                    </a:lnB>
+                    <a:solidFill>
+                      <a:srgbClr val="CCCCFF"/>
+                    </a:solidFill>
+                  </a:tcPr>
+                </a:tc>
+                <a:tc>
+                  <a:txBody>
+                    <a:bodyPr/>
+                    <a:lstStyle/>
+                    <a:p>
+                      <a:pPr algn="ctr"/>
+                      <a:r>
+                        <a:rPr lang="en-US" sz="1050" dirty="0" smtClean="0"/>
+                        <a:t>MIME,</a:t>
+                      </a:r>
+                      <a:r>
+                        <a:rPr lang="sr-Latn-RS" sz="1050" baseline="0" dirty="0" smtClean="0"/>
+                        <a:t> </a:t>
+                      </a:r>
+                      <a:r>
+                        <a:rPr lang="en-US" sz="1050" dirty="0" smtClean="0"/>
+                        <a:t>TLS, SSL</a:t>
+                      </a:r>
+                      <a:endParaRPr lang="en-US" sz="1050" dirty="0"/>
+                    </a:p>
+                  </a:txBody>
+                  <a:tcPr anchor="ctr">
+                    <a:lnL w="12700" cap="flat" cmpd="sng" algn="ctr">
+                      <a:solidFill>
+                        <a:schemeClr val="tx1"/>
+                      </a:solidFill>
+                      <a:prstDash val="solid"/>
+                      <a:round/>
+                      <a:headEnd type="none" w="med" len="med"/>
+                      <a:tailEnd type="none" w="med" len="med"/>
+                    </a:lnL>
+                    <a:lnR w="12700" cap="flat" cmpd="sng" algn="ctr">
+                      <a:solidFill>
+                        <a:schemeClr val="tx1"/>
+                      </a:solidFill>
+                      <a:prstDash val="solid"/>
+                      <a:round/>
+                      <a:headEnd type="none" w="med" len="med"/>
+                      <a:tailEnd type="none" w="med" len="med"/>
+                    </a:lnR>
+                    <a:lnT w="12700" cap="flat" cmpd="sng" algn="ctr">
+                      <a:solidFill>
+                        <a:schemeClr val="tx1"/>
+                      </a:solidFill>
+                      <a:prstDash val="solid"/>
+                      <a:round/>
+                      <a:headEnd type="none" w="med" len="med"/>
+                      <a:tailEnd type="none" w="med" len="med"/>
+                    </a:lnT>
+                    <a:lnB w="12700" cap="flat" cmpd="sng" algn="ctr">
+                      <a:solidFill>
+                        <a:schemeClr val="tx1"/>
+                      </a:solidFill>
+                      <a:prstDash val="solid"/>
+                      <a:round/>
+                      <a:headEnd type="none" w="med" len="med"/>
+                      <a:tailEnd type="none" w="med" len="med"/>
+                    </a:lnB>
+                    <a:solidFill>
+                      <a:srgbClr val="CCCCFF"/>
+                    </a:solidFill>
+                  </a:tcPr>
+                </a:tc>
+                <a:extLst>
+                  <a:ext uri="{0D108BD9-81ED-4DB2-BD59-A6C34878D82A}">
+                    <a16:rowId xmlns:a16="http://schemas.microsoft.com/office/drawing/2014/main" val="1539637140"/>
+                  </a:ext>
+                </a:extLst>
+              </a:tr>
+              <a:tr h="585065">
+                <a:tc>
+                  <a:txBody>
+                    <a:bodyPr/>
+                    <a:lstStyle/>
+                    <a:p>
+                      <a:pPr algn="ctr"/>
+                      <a:r>
+                        <a:rPr lang="sr-Latn-RS" sz="1800" dirty="0" smtClean="0"/>
+                        <a:t>sloj sesije</a:t>
+                      </a:r>
+                    </a:p>
+                    <a:p>
+                      <a:pPr algn="ctr"/>
+                      <a:r>
+                        <a:rPr lang="sr-Latn-RS" sz="1000" dirty="0" smtClean="0"/>
+                        <a:t>(uspostavljanje sesije krajnjih korisnika)</a:t>
+                      </a:r>
+                      <a:endParaRPr lang="en-US" sz="1000" dirty="0"/>
+                    </a:p>
+                  </a:txBody>
+                  <a:tcPr anchor="ctr">
+                    <a:lnL w="12700" cap="flat" cmpd="sng" algn="ctr">
+                      <a:solidFill>
+                        <a:schemeClr val="tx1"/>
+                      </a:solidFill>
+                      <a:prstDash val="solid"/>
+                      <a:round/>
+                      <a:headEnd type="none" w="med" len="med"/>
+                      <a:tailEnd type="none" w="med" len="med"/>
+                    </a:lnL>
+                    <a:lnR w="12700" cap="flat" cmpd="sng" algn="ctr">
+                      <a:solidFill>
+                        <a:schemeClr val="tx1"/>
+                      </a:solidFill>
+                      <a:prstDash val="solid"/>
+                      <a:round/>
+                      <a:headEnd type="none" w="med" len="med"/>
+                      <a:tailEnd type="none" w="med" len="med"/>
+                    </a:lnR>
+                    <a:lnT w="12700" cap="flat" cmpd="sng" algn="ctr">
+                      <a:solidFill>
+                        <a:schemeClr val="tx1"/>
+                      </a:solidFill>
+                      <a:prstDash val="solid"/>
+                      <a:round/>
+                      <a:headEnd type="none" w="med" len="med"/>
+                      <a:tailEnd type="none" w="med" len="med"/>
+                    </a:lnT>
+                    <a:lnB w="12700" cap="flat" cmpd="sng" algn="ctr">
+                      <a:solidFill>
+                        <a:schemeClr val="tx1"/>
+                      </a:solidFill>
+                      <a:prstDash val="solid"/>
+                      <a:round/>
+                      <a:headEnd type="none" w="med" len="med"/>
+                      <a:tailEnd type="none" w="med" len="med"/>
+                    </a:lnB>
+                    <a:solidFill>
+                      <a:srgbClr val="FF99CC"/>
+                    </a:solidFill>
+                  </a:tcPr>
+                </a:tc>
+                <a:tc vMerge="1">
+                  <a:txBody>
+                    <a:bodyPr/>
+                    <a:lstStyle/>
+                    <a:p>
+                      <a:pPr algn="ctr"/>
+                      <a:endParaRPr lang="en-US" dirty="0"/>
+                    </a:p>
+                  </a:txBody>
+                  <a:tcPr anchor="ctr">
+                    <a:lnL w="12700" cap="flat" cmpd="sng" algn="ctr">
+                      <a:solidFill>
+                        <a:schemeClr val="tx1"/>
+                      </a:solidFill>
+                      <a:prstDash val="solid"/>
+                      <a:round/>
+                      <a:headEnd type="none" w="med" len="med"/>
+                      <a:tailEnd type="none" w="med" len="med"/>
+                    </a:lnL>
+                    <a:lnR w="12700" cap="flat" cmpd="sng" algn="ctr">
+                      <a:solidFill>
+                        <a:schemeClr val="tx1"/>
+                      </a:solidFill>
+                      <a:prstDash val="solid"/>
+                      <a:round/>
+                      <a:headEnd type="none" w="med" len="med"/>
+                      <a:tailEnd type="none" w="med" len="med"/>
+                    </a:lnR>
+                    <a:lnT w="12700" cap="flat" cmpd="sng" algn="ctr">
+                      <a:solidFill>
+                        <a:schemeClr val="tx1"/>
+                      </a:solidFill>
+                      <a:prstDash val="solid"/>
+                      <a:round/>
+                      <a:headEnd type="none" w="med" len="med"/>
+                      <a:tailEnd type="none" w="med" len="med"/>
+                    </a:lnT>
+                    <a:lnB w="12700" cap="flat" cmpd="sng" algn="ctr">
+                      <a:solidFill>
+                        <a:schemeClr val="tx1"/>
+                      </a:solidFill>
+                      <a:prstDash val="solid"/>
+                      <a:round/>
+                      <a:headEnd type="none" w="med" len="med"/>
+                      <a:tailEnd type="none" w="med" len="med"/>
+                    </a:lnB>
+                  </a:tcPr>
+                </a:tc>
+                <a:tc>
+                  <a:txBody>
+                    <a:bodyPr/>
+                    <a:lstStyle/>
+                    <a:p>
+                      <a:pPr marL="0" marR="0" lvl="0" indent="0" algn="ctr" defTabSz="914400" rtl="0" eaLnBrk="1" fontAlgn="auto" latinLnBrk="0" hangingPunct="1">
+                        <a:lnSpc>
+                          <a:spcPct val="100000"/>
+                        </a:lnSpc>
+                        <a:spcBef>
+                          <a:spcPts val="0"/>
+                        </a:spcBef>
+                        <a:spcAft>
+                          <a:spcPts val="0"/>
+                        </a:spcAft>
+                        <a:buClrTx/>
+                        <a:buSzTx/>
+                        <a:buFontTx/>
+                        <a:buNone/>
+                        <a:tabLst/>
+                        <a:defRPr/>
+                      </a:pPr>
+                      <a:r>
+                        <a:rPr lang="sr-Latn-RS" sz="1050" dirty="0" smtClean="0"/>
+                        <a:t>podatak</a:t>
+                      </a:r>
+                      <a:endParaRPr lang="en-US" sz="1050" dirty="0" smtClean="0"/>
+                    </a:p>
+                  </a:txBody>
+                  <a:tcPr anchor="ctr">
+                    <a:lnL w="12700" cap="flat" cmpd="sng" algn="ctr">
+                      <a:solidFill>
+                        <a:schemeClr val="tx1"/>
+                      </a:solidFill>
+                      <a:prstDash val="solid"/>
+                      <a:round/>
+                      <a:headEnd type="none" w="med" len="med"/>
+                      <a:tailEnd type="none" w="med" len="med"/>
+                    </a:lnL>
+                    <a:lnR w="12700" cap="flat" cmpd="sng" algn="ctr">
+                      <a:solidFill>
+                        <a:schemeClr val="tx1"/>
+                      </a:solidFill>
+                      <a:prstDash val="solid"/>
+                      <a:round/>
+                      <a:headEnd type="none" w="med" len="med"/>
+                      <a:tailEnd type="none" w="med" len="med"/>
+                    </a:lnR>
+                    <a:lnT w="12700" cap="flat" cmpd="sng" algn="ctr">
+                      <a:solidFill>
+                        <a:schemeClr val="tx1"/>
+                      </a:solidFill>
+                      <a:prstDash val="solid"/>
+                      <a:round/>
+                      <a:headEnd type="none" w="med" len="med"/>
+                      <a:tailEnd type="none" w="med" len="med"/>
+                    </a:lnT>
+                    <a:lnB w="12700" cap="flat" cmpd="sng" algn="ctr">
+                      <a:solidFill>
+                        <a:schemeClr val="tx1"/>
+                      </a:solidFill>
+                      <a:prstDash val="solid"/>
+                      <a:round/>
+                      <a:headEnd type="none" w="med" len="med"/>
+                      <a:tailEnd type="none" w="med" len="med"/>
+                    </a:lnB>
+                    <a:solidFill>
+                      <a:srgbClr val="FF99CC"/>
+                    </a:solidFill>
+                  </a:tcPr>
+                </a:tc>
+                <a:tc>
+                  <a:txBody>
+                    <a:bodyPr/>
+                    <a:lstStyle/>
+                    <a:p>
+                      <a:pPr algn="ctr"/>
+                      <a:r>
+                        <a:rPr lang="en-US" sz="1050" dirty="0" smtClean="0"/>
+                        <a:t> SSH, Named Pipes, PPTP</a:t>
+                      </a:r>
+                      <a:endParaRPr lang="en-US" sz="1050" dirty="0"/>
+                    </a:p>
+                  </a:txBody>
+                  <a:tcPr anchor="ctr">
+                    <a:lnL w="12700" cap="flat" cmpd="sng" algn="ctr">
+                      <a:solidFill>
+                        <a:schemeClr val="tx1"/>
+                      </a:solidFill>
+                      <a:prstDash val="solid"/>
+                      <a:round/>
+                      <a:headEnd type="none" w="med" len="med"/>
+                      <a:tailEnd type="none" w="med" len="med"/>
+                    </a:lnL>
+                    <a:lnR w="12700" cap="flat" cmpd="sng" algn="ctr">
+                      <a:solidFill>
+                        <a:schemeClr val="tx1"/>
+                      </a:solidFill>
+                      <a:prstDash val="solid"/>
+                      <a:round/>
+                      <a:headEnd type="none" w="med" len="med"/>
+                      <a:tailEnd type="none" w="med" len="med"/>
+                    </a:lnR>
+                    <a:lnT w="12700" cap="flat" cmpd="sng" algn="ctr">
+                      <a:solidFill>
+                        <a:schemeClr val="tx1"/>
+                      </a:solidFill>
+                      <a:prstDash val="solid"/>
+                      <a:round/>
+                      <a:headEnd type="none" w="med" len="med"/>
+                      <a:tailEnd type="none" w="med" len="med"/>
+                    </a:lnT>
+                    <a:lnB w="12700" cap="flat" cmpd="sng" algn="ctr">
+                      <a:solidFill>
+                        <a:schemeClr val="tx1"/>
+                      </a:solidFill>
+                      <a:prstDash val="solid"/>
+                      <a:round/>
+                      <a:headEnd type="none" w="med" len="med"/>
+                      <a:tailEnd type="none" w="med" len="med"/>
+                    </a:lnB>
+                    <a:solidFill>
+                      <a:srgbClr val="FF99CC"/>
+                    </a:solidFill>
+                  </a:tcPr>
+                </a:tc>
+                <a:extLst>
+                  <a:ext uri="{0D108BD9-81ED-4DB2-BD59-A6C34878D82A}">
+                    <a16:rowId xmlns:a16="http://schemas.microsoft.com/office/drawing/2014/main" val="3914426019"/>
+                  </a:ext>
+                </a:extLst>
+              </a:tr>
+              <a:tr h="585065">
+                <a:tc>
+                  <a:txBody>
+                    <a:bodyPr/>
+                    <a:lstStyle/>
+                    <a:p>
+                      <a:pPr algn="ctr"/>
+                      <a:r>
+                        <a:rPr lang="sr-Latn-RS" dirty="0" smtClean="0"/>
+                        <a:t>transportni sloj</a:t>
+                      </a:r>
+                    </a:p>
+                    <a:p>
+                      <a:pPr algn="ctr"/>
+                      <a:r>
+                        <a:rPr lang="sr-Latn-RS" sz="1000" dirty="0" smtClean="0"/>
+                        <a:t>(veza, pouzdanost, transport)</a:t>
+                      </a:r>
+                      <a:endParaRPr lang="en-US" sz="1000" dirty="0"/>
+                    </a:p>
+                  </a:txBody>
+                  <a:tcPr anchor="ctr">
+                    <a:lnL w="12700" cap="flat" cmpd="sng" algn="ctr">
+                      <a:solidFill>
+                        <a:schemeClr val="tx1"/>
+                      </a:solidFill>
+                      <a:prstDash val="solid"/>
+                      <a:round/>
+                      <a:headEnd type="none" w="med" len="med"/>
+                      <a:tailEnd type="none" w="med" len="med"/>
+                    </a:lnL>
+                    <a:lnR w="12700" cap="flat" cmpd="sng" algn="ctr">
+                      <a:solidFill>
+                        <a:schemeClr val="tx1"/>
+                      </a:solidFill>
+                      <a:prstDash val="solid"/>
+                      <a:round/>
+                      <a:headEnd type="none" w="med" len="med"/>
+                      <a:tailEnd type="none" w="med" len="med"/>
+                    </a:lnR>
+                    <a:lnT w="12700" cap="flat" cmpd="sng" algn="ctr">
+                      <a:solidFill>
+                        <a:schemeClr val="tx1"/>
+                      </a:solidFill>
+                      <a:prstDash val="solid"/>
+                      <a:round/>
+                      <a:headEnd type="none" w="med" len="med"/>
+                      <a:tailEnd type="none" w="med" len="med"/>
+                    </a:lnT>
+                    <a:lnB w="12700" cap="flat" cmpd="sng" algn="ctr">
+                      <a:solidFill>
+                        <a:schemeClr val="tx1"/>
+                      </a:solidFill>
+                      <a:prstDash val="solid"/>
+                      <a:round/>
+                      <a:headEnd type="none" w="med" len="med"/>
+                      <a:tailEnd type="none" w="med" len="med"/>
+                    </a:lnB>
+                    <a:solidFill>
+                      <a:srgbClr val="FF9999"/>
+                    </a:solidFill>
+                  </a:tcPr>
+                </a:tc>
+                <a:tc>
+                  <a:txBody>
+                    <a:bodyPr/>
+                    <a:lstStyle/>
+                    <a:p>
+                      <a:pPr algn="ctr"/>
+                      <a:r>
+                        <a:rPr lang="sr-Latn-RS" dirty="0" smtClean="0"/>
+                        <a:t>transportni sloj</a:t>
+                      </a:r>
+                      <a:endParaRPr lang="en-US" dirty="0"/>
+                    </a:p>
+                  </a:txBody>
+                  <a:tcPr anchor="ctr">
+                    <a:lnL w="12700" cap="flat" cmpd="sng" algn="ctr">
+                      <a:solidFill>
+                        <a:schemeClr val="tx1"/>
+                      </a:solidFill>
+                      <a:prstDash val="solid"/>
+                      <a:round/>
+                      <a:headEnd type="none" w="med" len="med"/>
+                      <a:tailEnd type="none" w="med" len="med"/>
+                    </a:lnL>
+                    <a:lnR w="12700" cap="flat" cmpd="sng" algn="ctr">
+                      <a:solidFill>
+                        <a:schemeClr val="tx1"/>
+                      </a:solidFill>
+                      <a:prstDash val="solid"/>
+                      <a:round/>
+                      <a:headEnd type="none" w="med" len="med"/>
+                      <a:tailEnd type="none" w="med" len="med"/>
+                    </a:lnR>
+                    <a:lnT w="12700" cap="flat" cmpd="sng" algn="ctr">
+                      <a:solidFill>
+                        <a:schemeClr val="tx1"/>
+                      </a:solidFill>
+                      <a:prstDash val="solid"/>
+                      <a:round/>
+                      <a:headEnd type="none" w="med" len="med"/>
+                      <a:tailEnd type="none" w="med" len="med"/>
+                    </a:lnT>
+                    <a:lnB w="12700" cap="flat" cmpd="sng" algn="ctr">
+                      <a:solidFill>
+                        <a:schemeClr val="tx1"/>
+                      </a:solidFill>
+                      <a:prstDash val="solid"/>
+                      <a:round/>
+                      <a:headEnd type="none" w="med" len="med"/>
+                      <a:tailEnd type="none" w="med" len="med"/>
+                    </a:lnB>
+                    <a:solidFill>
+                      <a:srgbClr val="FF9999"/>
+                    </a:solidFill>
+                  </a:tcPr>
+                </a:tc>
+                <a:tc>
+                  <a:txBody>
+                    <a:bodyPr/>
+                    <a:lstStyle/>
+                    <a:p>
+                      <a:pPr algn="ctr"/>
+                      <a:r>
+                        <a:rPr lang="sr-Latn-RS" sz="1050" dirty="0" smtClean="0"/>
+                        <a:t>segment</a:t>
+                      </a:r>
+                    </a:p>
+                    <a:p>
+                      <a:pPr algn="ctr"/>
+                      <a:r>
+                        <a:rPr lang="sr-Latn-RS" sz="1050" dirty="0" err="1" smtClean="0"/>
+                        <a:t>datatgram</a:t>
+                      </a:r>
+                      <a:endParaRPr lang="en-US" sz="1050" dirty="0"/>
+                    </a:p>
+                  </a:txBody>
+                  <a:tcPr anchor="ctr">
+                    <a:lnL w="12700" cap="flat" cmpd="sng" algn="ctr">
+                      <a:solidFill>
+                        <a:schemeClr val="tx1"/>
+                      </a:solidFill>
+                      <a:prstDash val="solid"/>
+                      <a:round/>
+                      <a:headEnd type="none" w="med" len="med"/>
+                      <a:tailEnd type="none" w="med" len="med"/>
+                    </a:lnL>
+                    <a:lnR w="12700" cap="flat" cmpd="sng" algn="ctr">
+                      <a:solidFill>
+                        <a:schemeClr val="tx1"/>
+                      </a:solidFill>
+                      <a:prstDash val="solid"/>
+                      <a:round/>
+                      <a:headEnd type="none" w="med" len="med"/>
+                      <a:tailEnd type="none" w="med" len="med"/>
+                    </a:lnR>
+                    <a:lnT w="12700" cap="flat" cmpd="sng" algn="ctr">
+                      <a:solidFill>
+                        <a:schemeClr val="tx1"/>
+                      </a:solidFill>
+                      <a:prstDash val="solid"/>
+                      <a:round/>
+                      <a:headEnd type="none" w="med" len="med"/>
+                      <a:tailEnd type="none" w="med" len="med"/>
+                    </a:lnT>
+                    <a:lnB w="12700" cap="flat" cmpd="sng" algn="ctr">
+                      <a:solidFill>
+                        <a:schemeClr val="tx1"/>
+                      </a:solidFill>
+                      <a:prstDash val="solid"/>
+                      <a:round/>
+                      <a:headEnd type="none" w="med" len="med"/>
+                      <a:tailEnd type="none" w="med" len="med"/>
+                    </a:lnB>
+                    <a:solidFill>
+                      <a:srgbClr val="FF9999"/>
+                    </a:solidFill>
+                  </a:tcPr>
+                </a:tc>
+                <a:tc>
+                  <a:txBody>
+                    <a:bodyPr/>
+                    <a:lstStyle/>
+                    <a:p>
+                      <a:pPr algn="ctr"/>
+                      <a:r>
+                        <a:rPr lang="en-US" sz="1050" dirty="0" smtClean="0"/>
+                        <a:t>TCP, UDP, SCTP, DCCP</a:t>
+                      </a:r>
+                      <a:endParaRPr lang="en-US" sz="1050" dirty="0"/>
+                    </a:p>
+                  </a:txBody>
+                  <a:tcPr anchor="ctr">
+                    <a:lnL w="12700" cap="flat" cmpd="sng" algn="ctr">
+                      <a:solidFill>
+                        <a:schemeClr val="tx1"/>
+                      </a:solidFill>
+                      <a:prstDash val="solid"/>
+                      <a:round/>
+                      <a:headEnd type="none" w="med" len="med"/>
+                      <a:tailEnd type="none" w="med" len="med"/>
+                    </a:lnL>
+                    <a:lnR w="12700" cap="flat" cmpd="sng" algn="ctr">
+                      <a:solidFill>
+                        <a:schemeClr val="tx1"/>
+                      </a:solidFill>
+                      <a:prstDash val="solid"/>
+                      <a:round/>
+                      <a:headEnd type="none" w="med" len="med"/>
+                      <a:tailEnd type="none" w="med" len="med"/>
+                    </a:lnR>
+                    <a:lnT w="12700" cap="flat" cmpd="sng" algn="ctr">
+                      <a:solidFill>
+                        <a:schemeClr val="tx1"/>
+                      </a:solidFill>
+                      <a:prstDash val="solid"/>
+                      <a:round/>
+                      <a:headEnd type="none" w="med" len="med"/>
+                      <a:tailEnd type="none" w="med" len="med"/>
+                    </a:lnT>
+                    <a:lnB w="12700" cap="flat" cmpd="sng" algn="ctr">
+                      <a:solidFill>
+                        <a:schemeClr val="tx1"/>
+                      </a:solidFill>
+                      <a:prstDash val="solid"/>
+                      <a:round/>
+                      <a:headEnd type="none" w="med" len="med"/>
+                      <a:tailEnd type="none" w="med" len="med"/>
+                    </a:lnB>
+                    <a:solidFill>
+                      <a:srgbClr val="FF9999"/>
+                    </a:solidFill>
+                  </a:tcPr>
+                </a:tc>
+                <a:extLst>
+                  <a:ext uri="{0D108BD9-81ED-4DB2-BD59-A6C34878D82A}">
+                    <a16:rowId xmlns:a16="http://schemas.microsoft.com/office/drawing/2014/main" val="1974975567"/>
+                  </a:ext>
+                </a:extLst>
+              </a:tr>
+              <a:tr h="585065">
+                <a:tc>
+                  <a:txBody>
+                    <a:bodyPr/>
+                    <a:lstStyle/>
+                    <a:p>
+                      <a:pPr marL="0" marR="0" lvl="0" indent="0" algn="ctr" defTabSz="914400" rtl="0" eaLnBrk="1" fontAlgn="auto" latinLnBrk="0" hangingPunct="1">
+                        <a:lnSpc>
+                          <a:spcPct val="100000"/>
+                        </a:lnSpc>
+                        <a:spcBef>
+                          <a:spcPts val="0"/>
+                        </a:spcBef>
+                        <a:spcAft>
+                          <a:spcPts val="0"/>
+                        </a:spcAft>
+                        <a:buClrTx/>
+                        <a:buSzTx/>
+                        <a:buFontTx/>
+                        <a:buNone/>
+                        <a:tabLst/>
+                        <a:defRPr/>
+                      </a:pPr>
+                      <a:r>
+                        <a:rPr lang="sr-Latn-RS" dirty="0" smtClean="0"/>
+                        <a:t>mrežni sloj</a:t>
+                      </a:r>
+                    </a:p>
+                    <a:p>
+                      <a:pPr marL="0" marR="0" lvl="0" indent="0" algn="ctr" defTabSz="914400" rtl="0" eaLnBrk="1" fontAlgn="auto" latinLnBrk="0" hangingPunct="1">
+                        <a:lnSpc>
+                          <a:spcPct val="100000"/>
+                        </a:lnSpc>
+                        <a:spcBef>
+                          <a:spcPts val="0"/>
+                        </a:spcBef>
+                        <a:spcAft>
+                          <a:spcPts val="0"/>
+                        </a:spcAft>
+                        <a:buClrTx/>
+                        <a:buSzTx/>
+                        <a:buFontTx/>
+                        <a:buNone/>
+                        <a:tabLst/>
+                        <a:defRPr/>
+                      </a:pPr>
+                      <a:r>
+                        <a:rPr kumimoji="0" lang="sr-Latn-RS" sz="1000" b="0" i="0" u="none" strike="noStrike" kern="1200" cap="none" spc="0" normalizeH="0" baseline="0" noProof="0" dirty="0" smtClean="0">
+                          <a:ln>
+                            <a:noFill/>
+                          </a:ln>
+                          <a:solidFill>
+                            <a:srgbClr val="000000"/>
+                          </a:solidFill>
+                          <a:effectLst/>
+                          <a:uLnTx/>
+                          <a:uFillTx/>
+                          <a:latin typeface="+mn-lt"/>
+                          <a:ea typeface="+mn-ea"/>
+                          <a:cs typeface="+mn-cs"/>
+                        </a:rPr>
+                        <a:t>(logičko adresiranje i </a:t>
+                      </a:r>
+                      <a:r>
+                        <a:rPr kumimoji="0" lang="sr-Latn-RS" sz="1000" b="0" i="0" u="none" strike="noStrike" kern="1200" cap="none" spc="0" normalizeH="0" baseline="0" noProof="0" dirty="0" err="1" smtClean="0">
+                          <a:ln>
+                            <a:noFill/>
+                          </a:ln>
+                          <a:solidFill>
+                            <a:srgbClr val="000000"/>
+                          </a:solidFill>
+                          <a:effectLst/>
+                          <a:uLnTx/>
+                          <a:uFillTx/>
+                          <a:latin typeface="+mn-lt"/>
+                          <a:ea typeface="+mn-ea"/>
+                          <a:cs typeface="+mn-cs"/>
+                        </a:rPr>
+                        <a:t>rutiranje</a:t>
+                      </a:r>
+                      <a:r>
+                        <a:rPr kumimoji="0" lang="sr-Latn-RS" sz="1000" b="0" i="0" u="none" strike="noStrike" kern="1200" cap="none" spc="0" normalizeH="0" baseline="0" noProof="0" dirty="0" smtClean="0">
+                          <a:ln>
+                            <a:noFill/>
+                          </a:ln>
+                          <a:solidFill>
+                            <a:srgbClr val="000000"/>
+                          </a:solidFill>
+                          <a:effectLst/>
+                          <a:uLnTx/>
+                          <a:uFillTx/>
+                          <a:latin typeface="+mn-lt"/>
+                          <a:ea typeface="+mn-ea"/>
+                          <a:cs typeface="+mn-cs"/>
+                        </a:rPr>
+                        <a:t>)</a:t>
+                      </a:r>
+                      <a:endParaRPr kumimoji="0" lang="en-US" sz="1000" b="0" i="0" u="none" strike="noStrike" kern="1200" cap="none" spc="0" normalizeH="0" baseline="0" noProof="0" dirty="0" smtClean="0">
+                        <a:ln>
+                          <a:noFill/>
+                        </a:ln>
+                        <a:solidFill>
+                          <a:srgbClr val="000000"/>
+                        </a:solidFill>
+                        <a:effectLst/>
+                        <a:uLnTx/>
+                        <a:uFillTx/>
+                        <a:latin typeface="+mn-lt"/>
+                        <a:ea typeface="+mn-ea"/>
+                        <a:cs typeface="+mn-cs"/>
+                      </a:endParaRPr>
+                    </a:p>
+                  </a:txBody>
+                  <a:tcPr anchor="ctr">
+                    <a:lnL w="12700" cap="flat" cmpd="sng" algn="ctr">
+                      <a:solidFill>
+                        <a:schemeClr val="tx1"/>
+                      </a:solidFill>
+                      <a:prstDash val="solid"/>
+                      <a:round/>
+                      <a:headEnd type="none" w="med" len="med"/>
+                      <a:tailEnd type="none" w="med" len="med"/>
+                    </a:lnL>
+                    <a:lnR w="12700" cap="flat" cmpd="sng" algn="ctr">
+                      <a:solidFill>
+                        <a:schemeClr val="tx1"/>
+                      </a:solidFill>
+                      <a:prstDash val="solid"/>
+                      <a:round/>
+                      <a:headEnd type="none" w="med" len="med"/>
+                      <a:tailEnd type="none" w="med" len="med"/>
+                    </a:lnR>
+                    <a:lnT w="12700" cap="flat" cmpd="sng" algn="ctr">
+                      <a:solidFill>
+                        <a:schemeClr val="tx1"/>
+                      </a:solidFill>
+                      <a:prstDash val="solid"/>
+                      <a:round/>
+                      <a:headEnd type="none" w="med" len="med"/>
+                      <a:tailEnd type="none" w="med" len="med"/>
+                    </a:lnT>
+                    <a:lnB w="12700" cap="flat" cmpd="sng" algn="ctr">
+                      <a:solidFill>
+                        <a:schemeClr val="tx1"/>
+                      </a:solidFill>
+                      <a:prstDash val="solid"/>
+                      <a:round/>
+                      <a:headEnd type="none" w="med" len="med"/>
+                      <a:tailEnd type="none" w="med" len="med"/>
+                    </a:lnB>
+                    <a:solidFill>
+                      <a:srgbClr val="FFFFCC"/>
+                    </a:solidFill>
+                  </a:tcPr>
+                </a:tc>
+                <a:tc>
+                  <a:txBody>
+                    <a:bodyPr/>
+                    <a:lstStyle/>
+                    <a:p>
+                      <a:pPr algn="ctr"/>
+                      <a:r>
+                        <a:rPr lang="sr-Latn-RS" dirty="0" err="1" smtClean="0"/>
+                        <a:t>međumrežni</a:t>
+                      </a:r>
+                      <a:r>
+                        <a:rPr lang="sr-Latn-RS" baseline="0" dirty="0" smtClean="0"/>
+                        <a:t> sloj</a:t>
+                      </a:r>
+                      <a:endParaRPr lang="en-US" dirty="0"/>
+                    </a:p>
+                  </a:txBody>
+                  <a:tcPr anchor="ctr">
+                    <a:lnL w="12700" cap="flat" cmpd="sng" algn="ctr">
+                      <a:solidFill>
+                        <a:schemeClr val="tx1"/>
+                      </a:solidFill>
+                      <a:prstDash val="solid"/>
+                      <a:round/>
+                      <a:headEnd type="none" w="med" len="med"/>
+                      <a:tailEnd type="none" w="med" len="med"/>
+                    </a:lnL>
+                    <a:lnR w="12700" cap="flat" cmpd="sng" algn="ctr">
+                      <a:solidFill>
+                        <a:schemeClr val="tx1"/>
+                      </a:solidFill>
+                      <a:prstDash val="solid"/>
+                      <a:round/>
+                      <a:headEnd type="none" w="med" len="med"/>
+                      <a:tailEnd type="none" w="med" len="med"/>
+                    </a:lnR>
+                    <a:lnT w="12700" cap="flat" cmpd="sng" algn="ctr">
+                      <a:solidFill>
+                        <a:schemeClr val="tx1"/>
+                      </a:solidFill>
+                      <a:prstDash val="solid"/>
+                      <a:round/>
+                      <a:headEnd type="none" w="med" len="med"/>
+                      <a:tailEnd type="none" w="med" len="med"/>
+                    </a:lnT>
+                    <a:lnB w="12700" cap="flat" cmpd="sng" algn="ctr">
+                      <a:solidFill>
+                        <a:schemeClr val="tx1"/>
+                      </a:solidFill>
+                      <a:prstDash val="solid"/>
+                      <a:round/>
+                      <a:headEnd type="none" w="med" len="med"/>
+                      <a:tailEnd type="none" w="med" len="med"/>
+                    </a:lnB>
+                    <a:solidFill>
+                      <a:srgbClr val="FFFFCC"/>
+                    </a:solidFill>
+                  </a:tcPr>
+                </a:tc>
+                <a:tc>
+                  <a:txBody>
+                    <a:bodyPr/>
+                    <a:lstStyle/>
+                    <a:p>
+                      <a:pPr algn="ctr"/>
+                      <a:r>
+                        <a:rPr lang="sr-Latn-RS" sz="1050" dirty="0" smtClean="0"/>
+                        <a:t>paket</a:t>
+                      </a:r>
+                      <a:endParaRPr lang="en-US" sz="1050" dirty="0"/>
+                    </a:p>
+                  </a:txBody>
+                  <a:tcPr anchor="ctr">
+                    <a:lnL w="12700" cap="flat" cmpd="sng" algn="ctr">
+                      <a:solidFill>
+                        <a:schemeClr val="tx1"/>
+                      </a:solidFill>
+                      <a:prstDash val="solid"/>
+                      <a:round/>
+                      <a:headEnd type="none" w="med" len="med"/>
+                      <a:tailEnd type="none" w="med" len="med"/>
+                    </a:lnL>
+                    <a:lnR w="12700" cap="flat" cmpd="sng" algn="ctr">
+                      <a:solidFill>
+                        <a:schemeClr val="tx1"/>
+                      </a:solidFill>
+                      <a:prstDash val="solid"/>
+                      <a:round/>
+                      <a:headEnd type="none" w="med" len="med"/>
+                      <a:tailEnd type="none" w="med" len="med"/>
+                    </a:lnR>
+                    <a:lnT w="12700" cap="flat" cmpd="sng" algn="ctr">
+                      <a:solidFill>
+                        <a:schemeClr val="tx1"/>
+                      </a:solidFill>
+                      <a:prstDash val="solid"/>
+                      <a:round/>
+                      <a:headEnd type="none" w="med" len="med"/>
+                      <a:tailEnd type="none" w="med" len="med"/>
+                    </a:lnT>
+                    <a:lnB w="12700" cap="flat" cmpd="sng" algn="ctr">
+                      <a:solidFill>
+                        <a:schemeClr val="tx1"/>
+                      </a:solidFill>
+                      <a:prstDash val="solid"/>
+                      <a:round/>
+                      <a:headEnd type="none" w="med" len="med"/>
+                      <a:tailEnd type="none" w="med" len="med"/>
+                    </a:lnB>
+                    <a:solidFill>
+                      <a:srgbClr val="FFFFCC"/>
+                    </a:solidFill>
+                  </a:tcPr>
+                </a:tc>
+                <a:tc>
+                  <a:txBody>
+                    <a:bodyPr/>
+                    <a:lstStyle/>
+                    <a:p>
+                      <a:pPr algn="ctr"/>
+                      <a:r>
+                        <a:rPr lang="en-US" sz="1050" dirty="0" smtClean="0"/>
+                        <a:t>IP (IPv4, IPv6), ICMP, ARP, RARP</a:t>
+                      </a:r>
+                      <a:endParaRPr lang="en-US" sz="1050" dirty="0"/>
+                    </a:p>
+                  </a:txBody>
+                  <a:tcPr anchor="ctr">
+                    <a:lnL w="12700" cap="flat" cmpd="sng" algn="ctr">
+                      <a:solidFill>
+                        <a:schemeClr val="tx1"/>
+                      </a:solidFill>
+                      <a:prstDash val="solid"/>
+                      <a:round/>
+                      <a:headEnd type="none" w="med" len="med"/>
+                      <a:tailEnd type="none" w="med" len="med"/>
+                    </a:lnL>
+                    <a:lnR w="12700" cap="flat" cmpd="sng" algn="ctr">
+                      <a:solidFill>
+                        <a:schemeClr val="tx1"/>
+                      </a:solidFill>
+                      <a:prstDash val="solid"/>
+                      <a:round/>
+                      <a:headEnd type="none" w="med" len="med"/>
+                      <a:tailEnd type="none" w="med" len="med"/>
+                    </a:lnR>
+                    <a:lnT w="12700" cap="flat" cmpd="sng" algn="ctr">
+                      <a:solidFill>
+                        <a:schemeClr val="tx1"/>
+                      </a:solidFill>
+                      <a:prstDash val="solid"/>
+                      <a:round/>
+                      <a:headEnd type="none" w="med" len="med"/>
+                      <a:tailEnd type="none" w="med" len="med"/>
+                    </a:lnT>
+                    <a:lnB w="12700" cap="flat" cmpd="sng" algn="ctr">
+                      <a:solidFill>
+                        <a:schemeClr val="tx1"/>
+                      </a:solidFill>
+                      <a:prstDash val="solid"/>
+                      <a:round/>
+                      <a:headEnd type="none" w="med" len="med"/>
+                      <a:tailEnd type="none" w="med" len="med"/>
+                    </a:lnB>
+                    <a:solidFill>
+                      <a:srgbClr val="FFFFCC"/>
+                    </a:solidFill>
+                  </a:tcPr>
+                </a:tc>
+                <a:extLst>
+                  <a:ext uri="{0D108BD9-81ED-4DB2-BD59-A6C34878D82A}">
+                    <a16:rowId xmlns:a16="http://schemas.microsoft.com/office/drawing/2014/main" val="35251687"/>
+                  </a:ext>
+                </a:extLst>
+              </a:tr>
+              <a:tr h="585065">
+                <a:tc>
+                  <a:txBody>
+                    <a:bodyPr/>
+                    <a:lstStyle/>
+                    <a:p>
+                      <a:pPr algn="ctr"/>
+                      <a:r>
+                        <a:rPr lang="sr-Latn-RS" dirty="0" smtClean="0"/>
+                        <a:t>sloj veze podataka</a:t>
+                      </a:r>
+                    </a:p>
+                    <a:p>
+                      <a:pPr algn="ctr"/>
+                      <a:r>
+                        <a:rPr lang="sr-Latn-RS" sz="1000" dirty="0" smtClean="0"/>
+                        <a:t>(fizičko adresiranje, pristup medijumu)</a:t>
+                      </a:r>
+                      <a:endParaRPr lang="en-US" sz="1000" dirty="0"/>
+                    </a:p>
+                  </a:txBody>
+                  <a:tcPr anchor="ctr">
+                    <a:lnL w="12700" cap="flat" cmpd="sng" algn="ctr">
+                      <a:solidFill>
+                        <a:schemeClr val="tx1"/>
+                      </a:solidFill>
+                      <a:prstDash val="solid"/>
+                      <a:round/>
+                      <a:headEnd type="none" w="med" len="med"/>
+                      <a:tailEnd type="none" w="med" len="med"/>
+                    </a:lnL>
+                    <a:lnR w="12700" cap="flat" cmpd="sng" algn="ctr">
+                      <a:solidFill>
+                        <a:schemeClr val="tx1"/>
+                      </a:solidFill>
+                      <a:prstDash val="solid"/>
+                      <a:round/>
+                      <a:headEnd type="none" w="med" len="med"/>
+                      <a:tailEnd type="none" w="med" len="med"/>
+                    </a:lnR>
+                    <a:lnT w="12700" cap="flat" cmpd="sng" algn="ctr">
+                      <a:solidFill>
+                        <a:schemeClr val="tx1"/>
+                      </a:solidFill>
+                      <a:prstDash val="solid"/>
+                      <a:round/>
+                      <a:headEnd type="none" w="med" len="med"/>
+                      <a:tailEnd type="none" w="med" len="med"/>
+                    </a:lnT>
+                    <a:lnB w="12700" cap="flat" cmpd="sng" algn="ctr">
+                      <a:solidFill>
+                        <a:schemeClr val="tx1"/>
+                      </a:solidFill>
+                      <a:prstDash val="solid"/>
+                      <a:round/>
+                      <a:headEnd type="none" w="med" len="med"/>
+                      <a:tailEnd type="none" w="med" len="med"/>
+                    </a:lnB>
+                    <a:solidFill>
+                      <a:srgbClr val="FFCC66"/>
+                    </a:solidFill>
+                  </a:tcPr>
+                </a:tc>
+                <a:tc rowSpan="2">
+                  <a:txBody>
+                    <a:bodyPr/>
+                    <a:lstStyle/>
+                    <a:p>
+                      <a:pPr algn="ctr"/>
+                      <a:r>
+                        <a:rPr lang="sr-Latn-RS" b="1" dirty="0" smtClean="0">
+                          <a:solidFill>
+                            <a:srgbClr val="FF0000"/>
+                          </a:solidFill>
+                        </a:rPr>
+                        <a:t>sloj pristupa mreži</a:t>
+                      </a:r>
+                      <a:endParaRPr lang="en-US" b="1" dirty="0">
+                        <a:solidFill>
+                          <a:srgbClr val="FF0000"/>
+                        </a:solidFill>
+                      </a:endParaRPr>
+                    </a:p>
+                  </a:txBody>
+                  <a:tcPr anchor="ctr">
+                    <a:lnL w="12700" cap="flat" cmpd="sng" algn="ctr">
+                      <a:solidFill>
+                        <a:schemeClr val="tx1"/>
+                      </a:solidFill>
+                      <a:prstDash val="solid"/>
+                      <a:round/>
+                      <a:headEnd type="none" w="med" len="med"/>
+                      <a:tailEnd type="none" w="med" len="med"/>
+                    </a:lnL>
+                    <a:lnR w="12700" cap="flat" cmpd="sng" algn="ctr">
+                      <a:solidFill>
+                        <a:schemeClr val="tx1"/>
+                      </a:solidFill>
+                      <a:prstDash val="solid"/>
+                      <a:round/>
+                      <a:headEnd type="none" w="med" len="med"/>
+                      <a:tailEnd type="none" w="med" len="med"/>
+                    </a:lnR>
+                    <a:lnT w="12700" cap="flat" cmpd="sng" algn="ctr">
+                      <a:solidFill>
+                        <a:schemeClr val="tx1"/>
+                      </a:solidFill>
+                      <a:prstDash val="solid"/>
+                      <a:round/>
+                      <a:headEnd type="none" w="med" len="med"/>
+                      <a:tailEnd type="none" w="med" len="med"/>
+                    </a:lnT>
+                    <a:lnB w="12700" cap="flat" cmpd="sng" algn="ctr">
+                      <a:solidFill>
+                        <a:schemeClr val="tx1"/>
+                      </a:solidFill>
+                      <a:prstDash val="solid"/>
+                      <a:round/>
+                      <a:headEnd type="none" w="med" len="med"/>
+                      <a:tailEnd type="none" w="med" len="med"/>
+                    </a:lnB>
+                    <a:solidFill>
+                      <a:srgbClr val="FFCC66"/>
+                    </a:solidFill>
+                  </a:tcPr>
+                </a:tc>
+                <a:tc>
+                  <a:txBody>
+                    <a:bodyPr/>
+                    <a:lstStyle/>
+                    <a:p>
+                      <a:pPr algn="ctr"/>
+                      <a:r>
+                        <a:rPr lang="sr-Latn-RS" sz="1050" dirty="0" smtClean="0"/>
+                        <a:t>okvir</a:t>
+                      </a:r>
+                      <a:endParaRPr lang="en-US" sz="1050" dirty="0"/>
+                    </a:p>
+                  </a:txBody>
+                  <a:tcPr anchor="ctr">
+                    <a:lnL w="12700" cap="flat" cmpd="sng" algn="ctr">
+                      <a:solidFill>
+                        <a:schemeClr val="tx1"/>
+                      </a:solidFill>
+                      <a:prstDash val="solid"/>
+                      <a:round/>
+                      <a:headEnd type="none" w="med" len="med"/>
+                      <a:tailEnd type="none" w="med" len="med"/>
+                    </a:lnL>
+                    <a:lnR w="12700" cap="flat" cmpd="sng" algn="ctr">
+                      <a:solidFill>
+                        <a:schemeClr val="tx1"/>
+                      </a:solidFill>
+                      <a:prstDash val="solid"/>
+                      <a:round/>
+                      <a:headEnd type="none" w="med" len="med"/>
+                      <a:tailEnd type="none" w="med" len="med"/>
+                    </a:lnR>
+                    <a:lnT w="12700" cap="flat" cmpd="sng" algn="ctr">
+                      <a:solidFill>
+                        <a:schemeClr val="tx1"/>
+                      </a:solidFill>
+                      <a:prstDash val="solid"/>
+                      <a:round/>
+                      <a:headEnd type="none" w="med" len="med"/>
+                      <a:tailEnd type="none" w="med" len="med"/>
+                    </a:lnT>
+                    <a:lnB w="12700" cap="flat" cmpd="sng" algn="ctr">
+                      <a:solidFill>
+                        <a:schemeClr val="tx1"/>
+                      </a:solidFill>
+                      <a:prstDash val="solid"/>
+                      <a:round/>
+                      <a:headEnd type="none" w="med" len="med"/>
+                      <a:tailEnd type="none" w="med" len="med"/>
+                    </a:lnB>
+                    <a:solidFill>
+                      <a:srgbClr val="FFC000"/>
+                    </a:solidFill>
+                  </a:tcPr>
+                </a:tc>
+                <a:tc>
+                  <a:txBody>
+                    <a:bodyPr/>
+                    <a:lstStyle/>
+                    <a:p>
+                      <a:pPr algn="ctr"/>
+                      <a:r>
+                        <a:rPr lang="en-US" sz="1050" dirty="0" smtClean="0"/>
+                        <a:t>PPP, HDLC, </a:t>
+                      </a:r>
+                      <a:r>
+                        <a:rPr lang="en-US" sz="1050" b="1" dirty="0" smtClean="0">
+                          <a:solidFill>
+                            <a:srgbClr val="FF0000"/>
+                          </a:solidFill>
+                        </a:rPr>
+                        <a:t>Frame Relay </a:t>
+                      </a:r>
+                      <a:endParaRPr lang="en-US" sz="1050" b="1" dirty="0">
+                        <a:solidFill>
+                          <a:srgbClr val="FF0000"/>
+                        </a:solidFill>
+                      </a:endParaRPr>
+                    </a:p>
+                  </a:txBody>
+                  <a:tcPr anchor="ctr">
+                    <a:lnL w="12700" cap="flat" cmpd="sng" algn="ctr">
+                      <a:solidFill>
+                        <a:schemeClr val="tx1"/>
+                      </a:solidFill>
+                      <a:prstDash val="solid"/>
+                      <a:round/>
+                      <a:headEnd type="none" w="med" len="med"/>
+                      <a:tailEnd type="none" w="med" len="med"/>
+                    </a:lnL>
+                    <a:lnR w="12700" cap="flat" cmpd="sng" algn="ctr">
+                      <a:solidFill>
+                        <a:schemeClr val="tx1"/>
+                      </a:solidFill>
+                      <a:prstDash val="solid"/>
+                      <a:round/>
+                      <a:headEnd type="none" w="med" len="med"/>
+                      <a:tailEnd type="none" w="med" len="med"/>
+                    </a:lnR>
+                    <a:lnT w="12700" cap="flat" cmpd="sng" algn="ctr">
+                      <a:solidFill>
+                        <a:schemeClr val="tx1"/>
+                      </a:solidFill>
+                      <a:prstDash val="solid"/>
+                      <a:round/>
+                      <a:headEnd type="none" w="med" len="med"/>
+                      <a:tailEnd type="none" w="med" len="med"/>
+                    </a:lnT>
+                    <a:lnB w="12700" cap="flat" cmpd="sng" algn="ctr">
+                      <a:solidFill>
+                        <a:schemeClr val="tx1"/>
+                      </a:solidFill>
+                      <a:prstDash val="solid"/>
+                      <a:round/>
+                      <a:headEnd type="none" w="med" len="med"/>
+                      <a:tailEnd type="none" w="med" len="med"/>
+                    </a:lnB>
+                    <a:solidFill>
+                      <a:srgbClr val="FFC000"/>
+                    </a:solidFill>
+                  </a:tcPr>
+                </a:tc>
+                <a:extLst>
+                  <a:ext uri="{0D108BD9-81ED-4DB2-BD59-A6C34878D82A}">
+                    <a16:rowId xmlns:a16="http://schemas.microsoft.com/office/drawing/2014/main" val="3393019587"/>
+                  </a:ext>
+                </a:extLst>
+              </a:tr>
+              <a:tr h="585065">
+                <a:tc>
+                  <a:txBody>
+                    <a:bodyPr/>
+                    <a:lstStyle/>
+                    <a:p>
+                      <a:pPr algn="ctr"/>
+                      <a:r>
+                        <a:rPr lang="sr-Latn-RS" dirty="0" smtClean="0"/>
+                        <a:t>fizički sloj</a:t>
+                      </a:r>
+                    </a:p>
+                    <a:p>
+                      <a:pPr algn="ctr"/>
+                      <a:r>
+                        <a:rPr lang="sr-Latn-RS" sz="1000" dirty="0" smtClean="0"/>
+                        <a:t>(prenos</a:t>
+                      </a:r>
+                      <a:r>
+                        <a:rPr lang="sr-Latn-RS" sz="1000" baseline="0" dirty="0" smtClean="0"/>
+                        <a:t> signala)</a:t>
+                      </a:r>
+                      <a:endParaRPr lang="en-US" sz="1000" dirty="0"/>
+                    </a:p>
+                  </a:txBody>
+                  <a:tcPr anchor="ctr">
+                    <a:lnL w="12700" cap="flat" cmpd="sng" algn="ctr">
+                      <a:solidFill>
+                        <a:schemeClr val="tx1"/>
+                      </a:solidFill>
+                      <a:prstDash val="solid"/>
+                      <a:round/>
+                      <a:headEnd type="none" w="med" len="med"/>
+                      <a:tailEnd type="none" w="med" len="med"/>
+                    </a:lnL>
+                    <a:lnR w="12700" cap="flat" cmpd="sng" algn="ctr">
+                      <a:solidFill>
+                        <a:schemeClr val="tx1"/>
+                      </a:solidFill>
+                      <a:prstDash val="solid"/>
+                      <a:round/>
+                      <a:headEnd type="none" w="med" len="med"/>
+                      <a:tailEnd type="none" w="med" len="med"/>
+                    </a:lnR>
+                    <a:lnT w="12700" cap="flat" cmpd="sng" algn="ctr">
+                      <a:solidFill>
+                        <a:schemeClr val="tx1"/>
+                      </a:solidFill>
+                      <a:prstDash val="solid"/>
+                      <a:round/>
+                      <a:headEnd type="none" w="med" len="med"/>
+                      <a:tailEnd type="none" w="med" len="med"/>
+                    </a:lnT>
+                    <a:lnB w="12700" cap="flat" cmpd="sng" algn="ctr">
+                      <a:solidFill>
+                        <a:schemeClr val="tx1"/>
+                      </a:solidFill>
+                      <a:prstDash val="solid"/>
+                      <a:round/>
+                      <a:headEnd type="none" w="med" len="med"/>
+                      <a:tailEnd type="none" w="med" len="med"/>
+                    </a:lnB>
+                    <a:solidFill>
+                      <a:srgbClr val="FFFF00"/>
+                    </a:solidFill>
+                  </a:tcPr>
+                </a:tc>
+                <a:tc vMerge="1">
+                  <a:txBody>
+                    <a:bodyPr/>
+                    <a:lstStyle/>
+                    <a:p>
+                      <a:endParaRPr lang="en-US" dirty="0"/>
+                    </a:p>
+                  </a:txBody>
+                  <a:tcPr/>
+                </a:tc>
+                <a:tc>
+                  <a:txBody>
+                    <a:bodyPr/>
+                    <a:lstStyle/>
+                    <a:p>
+                      <a:pPr algn="ctr"/>
+                      <a:r>
+                        <a:rPr lang="sr-Latn-RS" sz="1050" dirty="0" smtClean="0"/>
+                        <a:t>bit</a:t>
+                      </a:r>
+                      <a:endParaRPr lang="en-US" sz="1050" dirty="0"/>
+                    </a:p>
+                  </a:txBody>
+                  <a:tcPr anchor="ctr">
+                    <a:lnL w="12700" cap="flat" cmpd="sng" algn="ctr">
+                      <a:solidFill>
+                        <a:schemeClr val="tx1"/>
+                      </a:solidFill>
+                      <a:prstDash val="solid"/>
+                      <a:round/>
+                      <a:headEnd type="none" w="med" len="med"/>
+                      <a:tailEnd type="none" w="med" len="med"/>
+                    </a:lnL>
+                    <a:lnR w="12700" cap="flat" cmpd="sng" algn="ctr">
+                      <a:solidFill>
+                        <a:schemeClr val="tx1"/>
+                      </a:solidFill>
+                      <a:prstDash val="solid"/>
+                      <a:round/>
+                      <a:headEnd type="none" w="med" len="med"/>
+                      <a:tailEnd type="none" w="med" len="med"/>
+                    </a:lnR>
+                    <a:lnT w="12700" cap="flat" cmpd="sng" algn="ctr">
+                      <a:solidFill>
+                        <a:schemeClr val="tx1"/>
+                      </a:solidFill>
+                      <a:prstDash val="solid"/>
+                      <a:round/>
+                      <a:headEnd type="none" w="med" len="med"/>
+                      <a:tailEnd type="none" w="med" len="med"/>
+                    </a:lnT>
+                    <a:lnB w="12700" cap="flat" cmpd="sng" algn="ctr">
+                      <a:solidFill>
+                        <a:schemeClr val="tx1"/>
+                      </a:solidFill>
+                      <a:prstDash val="solid"/>
+                      <a:round/>
+                      <a:headEnd type="none" w="med" len="med"/>
+                      <a:tailEnd type="none" w="med" len="med"/>
+                    </a:lnB>
+                    <a:solidFill>
+                      <a:srgbClr val="FFFF00"/>
+                    </a:solidFill>
+                  </a:tcPr>
+                </a:tc>
+                <a:tc>
+                  <a:txBody>
+                    <a:bodyPr/>
+                    <a:lstStyle/>
+                    <a:p>
+                      <a:pPr algn="ctr"/>
+                      <a:r>
+                        <a:rPr lang="en-US" sz="1050" dirty="0" smtClean="0"/>
+                        <a:t>Token Ring, RS-232, T1, E1, POTS, OTN, DSL, </a:t>
+                      </a:r>
+                      <a:endParaRPr lang="sr-Latn-RS" sz="1050" dirty="0" smtClean="0"/>
+                    </a:p>
+                    <a:p>
+                      <a:pPr algn="ctr"/>
+                      <a:r>
+                        <a:rPr lang="en-US" sz="1050" dirty="0" smtClean="0"/>
+                        <a:t>802.11a/b/g/n PHY, </a:t>
+                      </a:r>
+                      <a:endParaRPr lang="sr-Latn-RS" sz="1050" dirty="0" smtClean="0"/>
+                    </a:p>
+                    <a:p>
+                      <a:pPr algn="ctr"/>
+                      <a:r>
+                        <a:rPr lang="en-US" sz="1050" dirty="0" smtClean="0"/>
+                        <a:t>802.15.x PHY, </a:t>
+                      </a:r>
+                      <a:r>
+                        <a:rPr lang="en-US" sz="1050" b="0" dirty="0" smtClean="0">
+                          <a:solidFill>
+                            <a:schemeClr val="tx1"/>
+                          </a:solidFill>
+                        </a:rPr>
+                        <a:t>Ethernet</a:t>
+                      </a:r>
+                      <a:r>
+                        <a:rPr lang="en-US" sz="1050" dirty="0" smtClean="0"/>
+                        <a:t>, USB, Bluetooth, </a:t>
+                      </a:r>
+                      <a:r>
+                        <a:rPr lang="en-US" sz="1050" dirty="0" err="1" smtClean="0"/>
+                        <a:t>Firewire</a:t>
+                      </a:r>
+                      <a:r>
+                        <a:rPr lang="en-US" sz="1050" dirty="0" smtClean="0"/>
+                        <a:t> (IEEE 1394)</a:t>
+                      </a:r>
+                      <a:endParaRPr lang="en-US" sz="1050" dirty="0"/>
+                    </a:p>
+                  </a:txBody>
+                  <a:tcPr anchor="ctr">
+                    <a:lnL w="12700" cap="flat" cmpd="sng" algn="ctr">
+                      <a:solidFill>
+                        <a:schemeClr val="tx1"/>
+                      </a:solidFill>
+                      <a:prstDash val="solid"/>
+                      <a:round/>
+                      <a:headEnd type="none" w="med" len="med"/>
+                      <a:tailEnd type="none" w="med" len="med"/>
+                    </a:lnL>
+                    <a:lnR w="12700" cap="flat" cmpd="sng" algn="ctr">
+                      <a:solidFill>
+                        <a:schemeClr val="tx1"/>
+                      </a:solidFill>
+                      <a:prstDash val="solid"/>
+                      <a:round/>
+                      <a:headEnd type="none" w="med" len="med"/>
+                      <a:tailEnd type="none" w="med" len="med"/>
+                    </a:lnR>
+                    <a:lnT w="12700" cap="flat" cmpd="sng" algn="ctr">
+                      <a:solidFill>
+                        <a:schemeClr val="tx1"/>
+                      </a:solidFill>
+                      <a:prstDash val="solid"/>
+                      <a:round/>
+                      <a:headEnd type="none" w="med" len="med"/>
+                      <a:tailEnd type="none" w="med" len="med"/>
+                    </a:lnT>
+                    <a:lnB w="12700" cap="flat" cmpd="sng" algn="ctr">
+                      <a:solidFill>
+                        <a:schemeClr val="tx1"/>
+                      </a:solidFill>
+                      <a:prstDash val="solid"/>
+                      <a:round/>
+                      <a:headEnd type="none" w="med" len="med"/>
+                      <a:tailEnd type="none" w="med" len="med"/>
+                    </a:lnB>
+                    <a:solidFill>
+                      <a:srgbClr val="FFFF00"/>
+                    </a:solidFill>
+                  </a:tcPr>
+                </a:tc>
+                <a:extLst>
+                  <a:ext uri="{0D108BD9-81ED-4DB2-BD59-A6C34878D82A}">
+                    <a16:rowId xmlns:a16="http://schemas.microsoft.com/office/drawing/2014/main" val="2059556589"/>
+                  </a:ext>
+                </a:extLst>
+              </a:tr>
+            </a:tbl>
+          </a:graphicData>
+        </a:graphic>
+      </p:graphicFrame>
     </p:spTree>
     <p:extLst>
       <p:ext uri="{BB962C8B-B14F-4D97-AF65-F5344CB8AC3E}">
-        <p14:creationId xmlns:p14="http://schemas.microsoft.com/office/powerpoint/2010/main" val="2769911932"/>
+        <p14:creationId xmlns:p14="http://schemas.microsoft.com/office/powerpoint/2010/main" val="2710374219"/>
       </p:ext>
     </p:extLst>
   </p:cSld>
@@ -7088,116 +11769,56 @@
 </file>
 
 <file path=ppt/theme/theme2.xml><?xml version="1.0" encoding="utf-8"?>
-<a:theme xmlns:a="http://schemas.openxmlformats.org/drawingml/2006/main" name="Office Theme">
+<a:theme xmlns:a="http://schemas.openxmlformats.org/drawingml/2006/main" name="5_Watermark">
   <a:themeElements>
-    <a:clrScheme name="Office">
+    <a:clrScheme name="2_Watermark 1">
       <a:dk1>
-        <a:sysClr val="windowText" lastClr="000000"/>
+        <a:srgbClr val="000000"/>
       </a:dk1>
       <a:lt1>
-        <a:sysClr val="window" lastClr="FFFFFF"/>
+        <a:srgbClr val="FFFFFF"/>
       </a:lt1>
       <a:dk2>
-        <a:srgbClr val="1F497D"/>
+        <a:srgbClr val="000000"/>
       </a:dk2>
       <a:lt2>
-        <a:srgbClr val="EEECE1"/>
+        <a:srgbClr val="808080"/>
       </a:lt2>
       <a:accent1>
-        <a:srgbClr val="4F81BD"/>
+        <a:srgbClr val="CCCCFF"/>
       </a:accent1>
       <a:accent2>
-        <a:srgbClr val="C0504D"/>
+        <a:srgbClr val="D9D8EC"/>
       </a:accent2>
       <a:accent3>
-        <a:srgbClr val="9BBB59"/>
+        <a:srgbClr val="FFFFFF"/>
       </a:accent3>
       <a:accent4>
-        <a:srgbClr val="8064A2"/>
+        <a:srgbClr val="000000"/>
       </a:accent4>
       <a:accent5>
-        <a:srgbClr val="4BACC6"/>
+        <a:srgbClr val="E2E2FF"/>
       </a:accent5>
       <a:accent6>
-        <a:srgbClr val="F79646"/>
+        <a:srgbClr val="C4C4D6"/>
       </a:accent6>
       <a:hlink>
-        <a:srgbClr val="0000FF"/>
+        <a:srgbClr val="6767FF"/>
       </a:hlink>
       <a:folHlink>
-        <a:srgbClr val="800080"/>
+        <a:srgbClr val="9933FF"/>
       </a:folHlink>
     </a:clrScheme>
-    <a:fontScheme name="Office">
+    <a:fontScheme name="2_Watermark">
       <a:majorFont>
-        <a:latin typeface="Calibri"/>
+        <a:latin typeface="Arial"/>
         <a:ea typeface=""/>
         <a:cs typeface=""/>
-        <a:font script="Jpan" typeface="ＭＳ Ｐゴシック"/>
-        <a:font script="Hang" typeface="맑은 고딕"/>
-        <a:font script="Hans" typeface="宋体"/>
-        <a:font script="Hant" typeface="新細明體"/>
-        <a:font script="Arab" typeface="Times New Roman"/>
-        <a:font script="Hebr" typeface="Times New Roman"/>
-        <a:font script="Thai" typeface="Angsana New"/>
-        <a:font script="Ethi" typeface="Nyala"/>
-        <a:font script="Beng" typeface="Vrinda"/>
-        <a:font script="Gujr" typeface="Shruti"/>
-        <a:font script="Khmr" typeface="MoolBoran"/>
-        <a:font script="Knda" typeface="Tunga"/>
-        <a:font script="Guru" typeface="Raavi"/>
-        <a:font script="Cans" typeface="Euphemia"/>
-        <a:font script="Cher" typeface="Plantagenet Cherokee"/>
-        <a:font script="Yiii" typeface="Microsoft Yi Baiti"/>
-        <a:font script="Tibt" typeface="Microsoft Himalaya"/>
-        <a:font script="Thaa" typeface="MV Boli"/>
-        <a:font script="Deva" typeface="Mangal"/>
-        <a:font script="Telu" typeface="Gautami"/>
-        <a:font script="Taml" typeface="Latha"/>
-        <a:font script="Syrc" typeface="Estrangelo Edessa"/>
-        <a:font script="Orya" typeface="Kalinga"/>
-        <a:font script="Mlym" typeface="Kartika"/>
-        <a:font script="Laoo" typeface="DokChampa"/>
-        <a:font script="Sinh" typeface="Iskoola Pota"/>
-        <a:font script="Mong" typeface="Mongolian Baiti"/>
-        <a:font script="Viet" typeface="Times New Roman"/>
-        <a:font script="Uigh" typeface="Microsoft Uighur"/>
-        <a:font script="Geor" typeface="Sylfaen"/>
       </a:majorFont>
       <a:minorFont>
-        <a:latin typeface="Calibri"/>
+        <a:latin typeface="Arial"/>
         <a:ea typeface=""/>
         <a:cs typeface=""/>
-        <a:font script="Jpan" typeface="ＭＳ Ｐゴシック"/>
-        <a:font script="Hang" typeface="맑은 고딕"/>
-        <a:font script="Hans" typeface="宋体"/>
-        <a:font script="Hant" typeface="新細明體"/>
-        <a:font script="Arab" typeface="Arial"/>
-        <a:font script="Hebr" typeface="Arial"/>
-        <a:font script="Thai" typeface="Cordia New"/>
-        <a:font script="Ethi" typeface="Nyala"/>
-        <a:font script="Beng" typeface="Vrinda"/>
-        <a:font script="Gujr" typeface="Shruti"/>
-        <a:font script="Khmr" typeface="DaunPenh"/>
-        <a:font script="Knda" typeface="Tunga"/>
-        <a:font script="Guru" typeface="Raavi"/>
-        <a:font script="Cans" typeface="Euphemia"/>
-        <a:font script="Cher" typeface="Plantagenet Cherokee"/>
-        <a:font script="Yiii" typeface="Microsoft Yi Baiti"/>
-        <a:font script="Tibt" typeface="Microsoft Himalaya"/>
-        <a:font script="Thaa" typeface="MV Boli"/>
-        <a:font script="Deva" typeface="Mangal"/>
-        <a:font script="Telu" typeface="Gautami"/>
-        <a:font script="Taml" typeface="Latha"/>
-        <a:font script="Syrc" typeface="Estrangelo Edessa"/>
-        <a:font script="Orya" typeface="Kalinga"/>
-        <a:font script="Mlym" typeface="Kartika"/>
-        <a:font script="Laoo" typeface="DokChampa"/>
-        <a:font script="Sinh" typeface="Iskoola Pota"/>
-        <a:font script="Mong" typeface="Mongolian Baiti"/>
-        <a:font script="Viet" typeface="Arial"/>
-        <a:font script="Uigh" typeface="Microsoft Uighur"/>
-        <a:font script="Geor" typeface="Sylfaen"/>
       </a:minorFont>
     </a:fontScheme>
     <a:fmtScheme name="Office">
@@ -7368,7 +11989,377 @@
     </a:fmtScheme>
   </a:themeElements>
   <a:objectDefaults/>
-  <a:extraClrSchemeLst/>
+  <a:extraClrSchemeLst>
+    <a:extraClrScheme>
+      <a:clrScheme name="2_Watermark 1">
+        <a:dk1>
+          <a:srgbClr val="000000"/>
+        </a:dk1>
+        <a:lt1>
+          <a:srgbClr val="FFFFFF"/>
+        </a:lt1>
+        <a:dk2>
+          <a:srgbClr val="000000"/>
+        </a:dk2>
+        <a:lt2>
+          <a:srgbClr val="808080"/>
+        </a:lt2>
+        <a:accent1>
+          <a:srgbClr val="CCCCFF"/>
+        </a:accent1>
+        <a:accent2>
+          <a:srgbClr val="D9D8EC"/>
+        </a:accent2>
+        <a:accent3>
+          <a:srgbClr val="FFFFFF"/>
+        </a:accent3>
+        <a:accent4>
+          <a:srgbClr val="000000"/>
+        </a:accent4>
+        <a:accent5>
+          <a:srgbClr val="E2E2FF"/>
+        </a:accent5>
+        <a:accent6>
+          <a:srgbClr val="C4C4D6"/>
+        </a:accent6>
+        <a:hlink>
+          <a:srgbClr val="6767FF"/>
+        </a:hlink>
+        <a:folHlink>
+          <a:srgbClr val="9933FF"/>
+        </a:folHlink>
+      </a:clrScheme>
+      <a:clrMap bg1="lt1" tx1="dk1" bg2="lt2" tx2="dk2" accent1="accent1" accent2="accent2" accent3="accent3" accent4="accent4" accent5="accent5" accent6="accent6" hlink="hlink" folHlink="folHlink"/>
+    </a:extraClrScheme>
+    <a:extraClrScheme>
+      <a:clrScheme name="2_Watermark 2">
+        <a:dk1>
+          <a:srgbClr val="000000"/>
+        </a:dk1>
+        <a:lt1>
+          <a:srgbClr val="FFFFFF"/>
+        </a:lt1>
+        <a:dk2>
+          <a:srgbClr val="666633"/>
+        </a:dk2>
+        <a:lt2>
+          <a:srgbClr val="5F5F5F"/>
+        </a:lt2>
+        <a:accent1>
+          <a:srgbClr val="FFCC00"/>
+        </a:accent1>
+        <a:accent2>
+          <a:srgbClr val="EFF0B2"/>
+        </a:accent2>
+        <a:accent3>
+          <a:srgbClr val="FFFFFF"/>
+        </a:accent3>
+        <a:accent4>
+          <a:srgbClr val="000000"/>
+        </a:accent4>
+        <a:accent5>
+          <a:srgbClr val="FFE2AA"/>
+        </a:accent5>
+        <a:accent6>
+          <a:srgbClr val="D9D9A1"/>
+        </a:accent6>
+        <a:hlink>
+          <a:srgbClr val="808000"/>
+        </a:hlink>
+        <a:folHlink>
+          <a:srgbClr val="CCCC00"/>
+        </a:folHlink>
+      </a:clrScheme>
+      <a:clrMap bg1="lt1" tx1="dk1" bg2="lt2" tx2="dk2" accent1="accent1" accent2="accent2" accent3="accent3" accent4="accent4" accent5="accent5" accent6="accent6" hlink="hlink" folHlink="folHlink"/>
+    </a:extraClrScheme>
+    <a:extraClrScheme>
+      <a:clrScheme name="2_Watermark 3">
+        <a:dk1>
+          <a:srgbClr val="000000"/>
+        </a:dk1>
+        <a:lt1>
+          <a:srgbClr val="FFFFFF"/>
+        </a:lt1>
+        <a:dk2>
+          <a:srgbClr val="000000"/>
+        </a:dk2>
+        <a:lt2>
+          <a:srgbClr val="666699"/>
+        </a:lt2>
+        <a:accent1>
+          <a:srgbClr val="9BB0CB"/>
+        </a:accent1>
+        <a:accent2>
+          <a:srgbClr val="D1E0CE"/>
+        </a:accent2>
+        <a:accent3>
+          <a:srgbClr val="FFFFFF"/>
+        </a:accent3>
+        <a:accent4>
+          <a:srgbClr val="000000"/>
+        </a:accent4>
+        <a:accent5>
+          <a:srgbClr val="CBD4E2"/>
+        </a:accent5>
+        <a:accent6>
+          <a:srgbClr val="BDCBBA"/>
+        </a:accent6>
+        <a:hlink>
+          <a:srgbClr val="8EA642"/>
+        </a:hlink>
+        <a:folHlink>
+          <a:srgbClr val="CCCC00"/>
+        </a:folHlink>
+      </a:clrScheme>
+      <a:clrMap bg1="lt1" tx1="dk1" bg2="lt2" tx2="dk2" accent1="accent1" accent2="accent2" accent3="accent3" accent4="accent4" accent5="accent5" accent6="accent6" hlink="hlink" folHlink="folHlink"/>
+    </a:extraClrScheme>
+    <a:extraClrScheme>
+      <a:clrScheme name="2_Watermark 4">
+        <a:dk1>
+          <a:srgbClr val="333300"/>
+        </a:dk1>
+        <a:lt1>
+          <a:srgbClr val="FFFFCC"/>
+        </a:lt1>
+        <a:dk2>
+          <a:srgbClr val="336600"/>
+        </a:dk2>
+        <a:lt2>
+          <a:srgbClr val="FFFFCC"/>
+        </a:lt2>
+        <a:accent1>
+          <a:srgbClr val="99CC00"/>
+        </a:accent1>
+        <a:accent2>
+          <a:srgbClr val="669900"/>
+        </a:accent2>
+        <a:accent3>
+          <a:srgbClr val="ADB8AA"/>
+        </a:accent3>
+        <a:accent4>
+          <a:srgbClr val="DADAAE"/>
+        </a:accent4>
+        <a:accent5>
+          <a:srgbClr val="CAE2AA"/>
+        </a:accent5>
+        <a:accent6>
+          <a:srgbClr val="5C8A00"/>
+        </a:accent6>
+        <a:hlink>
+          <a:srgbClr val="CC9900"/>
+        </a:hlink>
+        <a:folHlink>
+          <a:srgbClr val="FFCC00"/>
+        </a:folHlink>
+      </a:clrScheme>
+      <a:clrMap bg1="dk2" tx1="lt1" bg2="dk1" tx2="lt2" accent1="accent1" accent2="accent2" accent3="accent3" accent4="accent4" accent5="accent5" accent6="accent6" hlink="hlink" folHlink="folHlink"/>
+    </a:extraClrScheme>
+    <a:extraClrScheme>
+      <a:clrScheme name="2_Watermark 5">
+        <a:dk1>
+          <a:srgbClr val="424458"/>
+        </a:dk1>
+        <a:lt1>
+          <a:srgbClr val="FFFFFF"/>
+        </a:lt1>
+        <a:dk2>
+          <a:srgbClr val="004A48"/>
+        </a:dk2>
+        <a:lt2>
+          <a:srgbClr val="FFFFFF"/>
+        </a:lt2>
+        <a:accent1>
+          <a:srgbClr val="83B200"/>
+        </a:accent1>
+        <a:accent2>
+          <a:srgbClr val="006260"/>
+        </a:accent2>
+        <a:accent3>
+          <a:srgbClr val="AAB1B1"/>
+        </a:accent3>
+        <a:accent4>
+          <a:srgbClr val="DADADA"/>
+        </a:accent4>
+        <a:accent5>
+          <a:srgbClr val="C1D5AA"/>
+        </a:accent5>
+        <a:accent6>
+          <a:srgbClr val="005856"/>
+        </a:accent6>
+        <a:hlink>
+          <a:srgbClr val="6666FF"/>
+        </a:hlink>
+        <a:folHlink>
+          <a:srgbClr val="B2B2B2"/>
+        </a:folHlink>
+      </a:clrScheme>
+      <a:clrMap bg1="dk2" tx1="lt1" bg2="dk1" tx2="lt2" accent1="accent1" accent2="accent2" accent3="accent3" accent4="accent4" accent5="accent5" accent6="accent6" hlink="hlink" folHlink="folHlink"/>
+    </a:extraClrScheme>
+    <a:extraClrScheme>
+      <a:clrScheme name="2_Watermark 6">
+        <a:dk1>
+          <a:srgbClr val="000000"/>
+        </a:dk1>
+        <a:lt1>
+          <a:srgbClr val="FFFFFF"/>
+        </a:lt1>
+        <a:dk2>
+          <a:srgbClr val="1C2046"/>
+        </a:dk2>
+        <a:lt2>
+          <a:srgbClr val="FFFFFF"/>
+        </a:lt2>
+        <a:accent1>
+          <a:srgbClr val="00CCFF"/>
+        </a:accent1>
+        <a:accent2>
+          <a:srgbClr val="2D226E"/>
+        </a:accent2>
+        <a:accent3>
+          <a:srgbClr val="ABABB0"/>
+        </a:accent3>
+        <a:accent4>
+          <a:srgbClr val="DADADA"/>
+        </a:accent4>
+        <a:accent5>
+          <a:srgbClr val="AAE2FF"/>
+        </a:accent5>
+        <a:accent6>
+          <a:srgbClr val="281E63"/>
+        </a:accent6>
+        <a:hlink>
+          <a:srgbClr val="666699"/>
+        </a:hlink>
+        <a:folHlink>
+          <a:srgbClr val="9999FF"/>
+        </a:folHlink>
+      </a:clrScheme>
+      <a:clrMap bg1="dk2" tx1="lt1" bg2="dk1" tx2="lt2" accent1="accent1" accent2="accent2" accent3="accent3" accent4="accent4" accent5="accent5" accent6="accent6" hlink="hlink" folHlink="folHlink"/>
+    </a:extraClrScheme>
+    <a:extraClrScheme>
+      <a:clrScheme name="2_Watermark 7">
+        <a:dk1>
+          <a:srgbClr val="424458"/>
+        </a:dk1>
+        <a:lt1>
+          <a:srgbClr val="FFFFFF"/>
+        </a:lt1>
+        <a:dk2>
+          <a:srgbClr val="000066"/>
+        </a:dk2>
+        <a:lt2>
+          <a:srgbClr val="FFFFFF"/>
+        </a:lt2>
+        <a:accent1>
+          <a:srgbClr val="6666FF"/>
+        </a:accent1>
+        <a:accent2>
+          <a:srgbClr val="333399"/>
+        </a:accent2>
+        <a:accent3>
+          <a:srgbClr val="AAAAB8"/>
+        </a:accent3>
+        <a:accent4>
+          <a:srgbClr val="DADADA"/>
+        </a:accent4>
+        <a:accent5>
+          <a:srgbClr val="B8B8FF"/>
+        </a:accent5>
+        <a:accent6>
+          <a:srgbClr val="2D2D8A"/>
+        </a:accent6>
+        <a:hlink>
+          <a:srgbClr val="FF9900"/>
+        </a:hlink>
+        <a:folHlink>
+          <a:srgbClr val="CCCC00"/>
+        </a:folHlink>
+      </a:clrScheme>
+      <a:clrMap bg1="dk2" tx1="lt1" bg2="dk1" tx2="lt2" accent1="accent1" accent2="accent2" accent3="accent3" accent4="accent4" accent5="accent5" accent6="accent6" hlink="hlink" folHlink="folHlink"/>
+    </a:extraClrScheme>
+    <a:extraClrScheme>
+      <a:clrScheme name="2_Watermark 8">
+        <a:dk1>
+          <a:srgbClr val="1C1C1C"/>
+        </a:dk1>
+        <a:lt1>
+          <a:srgbClr val="FFFFCC"/>
+        </a:lt1>
+        <a:dk2>
+          <a:srgbClr val="390B20"/>
+        </a:dk2>
+        <a:lt2>
+          <a:srgbClr val="FFFFCC"/>
+        </a:lt2>
+        <a:accent1>
+          <a:srgbClr val="FF916F"/>
+        </a:accent1>
+        <a:accent2>
+          <a:srgbClr val="561450"/>
+        </a:accent2>
+        <a:accent3>
+          <a:srgbClr val="AEAAAB"/>
+        </a:accent3>
+        <a:accent4>
+          <a:srgbClr val="DADAAE"/>
+        </a:accent4>
+        <a:accent5>
+          <a:srgbClr val="FFC7BB"/>
+        </a:accent5>
+        <a:accent6>
+          <a:srgbClr val="4D1148"/>
+        </a:accent6>
+        <a:hlink>
+          <a:srgbClr val="637D95"/>
+        </a:hlink>
+        <a:folHlink>
+          <a:srgbClr val="FFCC00"/>
+        </a:folHlink>
+      </a:clrScheme>
+      <a:clrMap bg1="dk2" tx1="lt1" bg2="dk1" tx2="lt2" accent1="accent1" accent2="accent2" accent3="accent3" accent4="accent4" accent5="accent5" accent6="accent6" hlink="hlink" folHlink="folHlink"/>
+    </a:extraClrScheme>
+    <a:extraClrScheme>
+      <a:clrScheme name="2_Watermark 9">
+        <a:dk1>
+          <a:srgbClr val="4C0000"/>
+        </a:dk1>
+        <a:lt1>
+          <a:srgbClr val="FFFFFF"/>
+        </a:lt1>
+        <a:dk2>
+          <a:srgbClr val="722104"/>
+        </a:dk2>
+        <a:lt2>
+          <a:srgbClr val="FFFFFF"/>
+        </a:lt2>
+        <a:accent1>
+          <a:srgbClr val="CC6600"/>
+        </a:accent1>
+        <a:accent2>
+          <a:srgbClr val="8A2E00"/>
+        </a:accent2>
+        <a:accent3>
+          <a:srgbClr val="BCABAA"/>
+        </a:accent3>
+        <a:accent4>
+          <a:srgbClr val="DADADA"/>
+        </a:accent4>
+        <a:accent5>
+          <a:srgbClr val="E2B8AA"/>
+        </a:accent5>
+        <a:accent6>
+          <a:srgbClr val="7D2900"/>
+        </a:accent6>
+        <a:hlink>
+          <a:srgbClr val="FFCC00"/>
+        </a:hlink>
+        <a:folHlink>
+          <a:srgbClr val="FF9900"/>
+        </a:folHlink>
+      </a:clrScheme>
+      <a:clrMap bg1="dk2" tx1="lt1" bg2="dk1" tx2="lt2" accent1="accent1" accent2="accent2" accent3="accent3" accent4="accent4" accent5="accent5" accent6="accent6" hlink="hlink" folHlink="folHlink"/>
+    </a:extraClrScheme>
+  </a:extraClrSchemeLst>
 </a:theme>
 </file>
 
@@ -7655,4 +12646,289 @@
   <a:objectDefaults/>
   <a:extraClrSchemeLst/>
 </a:theme>
+</file>
+
+<file path=ppt/theme/theme4.xml><?xml version="1.0" encoding="utf-8"?>
+<a:theme xmlns:a="http://schemas.openxmlformats.org/drawingml/2006/main" name="Office Theme">
+  <a:themeElements>
+    <a:clrScheme name="Office">
+      <a:dk1>
+        <a:sysClr val="windowText" lastClr="000000"/>
+      </a:dk1>
+      <a:lt1>
+        <a:sysClr val="window" lastClr="FFFFFF"/>
+      </a:lt1>
+      <a:dk2>
+        <a:srgbClr val="1F497D"/>
+      </a:dk2>
+      <a:lt2>
+        <a:srgbClr val="EEECE1"/>
+      </a:lt2>
+      <a:accent1>
+        <a:srgbClr val="4F81BD"/>
+      </a:accent1>
+      <a:accent2>
+        <a:srgbClr val="C0504D"/>
+      </a:accent2>
+      <a:accent3>
+        <a:srgbClr val="9BBB59"/>
+      </a:accent3>
+      <a:accent4>
+        <a:srgbClr val="8064A2"/>
+      </a:accent4>
+      <a:accent5>
+        <a:srgbClr val="4BACC6"/>
+      </a:accent5>
+      <a:accent6>
+        <a:srgbClr val="F79646"/>
+      </a:accent6>
+      <a:hlink>
+        <a:srgbClr val="0000FF"/>
+      </a:hlink>
+      <a:folHlink>
+        <a:srgbClr val="800080"/>
+      </a:folHlink>
+    </a:clrScheme>
+    <a:fontScheme name="Office">
+      <a:majorFont>
+        <a:latin typeface="Calibri"/>
+        <a:ea typeface=""/>
+        <a:cs typeface=""/>
+        <a:font script="Jpan" typeface="ＭＳ Ｐゴシック"/>
+        <a:font script="Hang" typeface="맑은 고딕"/>
+        <a:font script="Hans" typeface="宋体"/>
+        <a:font script="Hant" typeface="新細明體"/>
+        <a:font script="Arab" typeface="Times New Roman"/>
+        <a:font script="Hebr" typeface="Times New Roman"/>
+        <a:font script="Thai" typeface="Angsana New"/>
+        <a:font script="Ethi" typeface="Nyala"/>
+        <a:font script="Beng" typeface="Vrinda"/>
+        <a:font script="Gujr" typeface="Shruti"/>
+        <a:font script="Khmr" typeface="MoolBoran"/>
+        <a:font script="Knda" typeface="Tunga"/>
+        <a:font script="Guru" typeface="Raavi"/>
+        <a:font script="Cans" typeface="Euphemia"/>
+        <a:font script="Cher" typeface="Plantagenet Cherokee"/>
+        <a:font script="Yiii" typeface="Microsoft Yi Baiti"/>
+        <a:font script="Tibt" typeface="Microsoft Himalaya"/>
+        <a:font script="Thaa" typeface="MV Boli"/>
+        <a:font script="Deva" typeface="Mangal"/>
+        <a:font script="Telu" typeface="Gautami"/>
+        <a:font script="Taml" typeface="Latha"/>
+        <a:font script="Syrc" typeface="Estrangelo Edessa"/>
+        <a:font script="Orya" typeface="Kalinga"/>
+        <a:font script="Mlym" typeface="Kartika"/>
+        <a:font script="Laoo" typeface="DokChampa"/>
+        <a:font script="Sinh" typeface="Iskoola Pota"/>
+        <a:font script="Mong" typeface="Mongolian Baiti"/>
+        <a:font script="Viet" typeface="Times New Roman"/>
+        <a:font script="Uigh" typeface="Microsoft Uighur"/>
+        <a:font script="Geor" typeface="Sylfaen"/>
+      </a:majorFont>
+      <a:minorFont>
+        <a:latin typeface="Calibri"/>
+        <a:ea typeface=""/>
+        <a:cs typeface=""/>
+        <a:font script="Jpan" typeface="ＭＳ Ｐゴシック"/>
+        <a:font script="Hang" typeface="맑은 고딕"/>
+        <a:font script="Hans" typeface="宋体"/>
+        <a:font script="Hant" typeface="新細明體"/>
+        <a:font script="Arab" typeface="Arial"/>
+        <a:font script="Hebr" typeface="Arial"/>
+        <a:font script="Thai" typeface="Cordia New"/>
+        <a:font script="Ethi" typeface="Nyala"/>
+        <a:font script="Beng" typeface="Vrinda"/>
+        <a:font script="Gujr" typeface="Shruti"/>
+        <a:font script="Khmr" typeface="DaunPenh"/>
+        <a:font script="Knda" typeface="Tunga"/>
+        <a:font script="Guru" typeface="Raavi"/>
+        <a:font script="Cans" typeface="Euphemia"/>
+        <a:font script="Cher" typeface="Plantagenet Cherokee"/>
+        <a:font script="Yiii" typeface="Microsoft Yi Baiti"/>
+        <a:font script="Tibt" typeface="Microsoft Himalaya"/>
+        <a:font script="Thaa" typeface="MV Boli"/>
+        <a:font script="Deva" typeface="Mangal"/>
+        <a:font script="Telu" typeface="Gautami"/>
+        <a:font script="Taml" typeface="Latha"/>
+        <a:font script="Syrc" typeface="Estrangelo Edessa"/>
+        <a:font script="Orya" typeface="Kalinga"/>
+        <a:font script="Mlym" typeface="Kartika"/>
+        <a:font script="Laoo" typeface="DokChampa"/>
+        <a:font script="Sinh" typeface="Iskoola Pota"/>
+        <a:font script="Mong" typeface="Mongolian Baiti"/>
+        <a:font script="Viet" typeface="Arial"/>
+        <a:font script="Uigh" typeface="Microsoft Uighur"/>
+        <a:font script="Geor" typeface="Sylfaen"/>
+      </a:minorFont>
+    </a:fontScheme>
+    <a:fmtScheme name="Office">
+      <a:fillStyleLst>
+        <a:solidFill>
+          <a:schemeClr val="phClr"/>
+        </a:solidFill>
+        <a:gradFill rotWithShape="1">
+          <a:gsLst>
+            <a:gs pos="0">
+              <a:schemeClr val="phClr">
+                <a:tint val="50000"/>
+                <a:satMod val="300000"/>
+              </a:schemeClr>
+            </a:gs>
+            <a:gs pos="35000">
+              <a:schemeClr val="phClr">
+                <a:tint val="37000"/>
+                <a:satMod val="300000"/>
+              </a:schemeClr>
+            </a:gs>
+            <a:gs pos="100000">
+              <a:schemeClr val="phClr">
+                <a:tint val="15000"/>
+                <a:satMod val="350000"/>
+              </a:schemeClr>
+            </a:gs>
+          </a:gsLst>
+          <a:lin ang="16200000" scaled="1"/>
+        </a:gradFill>
+        <a:gradFill rotWithShape="1">
+          <a:gsLst>
+            <a:gs pos="0">
+              <a:schemeClr val="phClr">
+                <a:shade val="51000"/>
+                <a:satMod val="130000"/>
+              </a:schemeClr>
+            </a:gs>
+            <a:gs pos="80000">
+              <a:schemeClr val="phClr">
+                <a:shade val="93000"/>
+                <a:satMod val="130000"/>
+              </a:schemeClr>
+            </a:gs>
+            <a:gs pos="100000">
+              <a:schemeClr val="phClr">
+                <a:shade val="94000"/>
+                <a:satMod val="135000"/>
+              </a:schemeClr>
+            </a:gs>
+          </a:gsLst>
+          <a:lin ang="16200000" scaled="0"/>
+        </a:gradFill>
+      </a:fillStyleLst>
+      <a:lnStyleLst>
+        <a:ln w="9525" cap="flat" cmpd="sng" algn="ctr">
+          <a:solidFill>
+            <a:schemeClr val="phClr">
+              <a:shade val="95000"/>
+              <a:satMod val="105000"/>
+            </a:schemeClr>
+          </a:solidFill>
+          <a:prstDash val="solid"/>
+        </a:ln>
+        <a:ln w="25400" cap="flat" cmpd="sng" algn="ctr">
+          <a:solidFill>
+            <a:schemeClr val="phClr"/>
+          </a:solidFill>
+          <a:prstDash val="solid"/>
+        </a:ln>
+        <a:ln w="38100" cap="flat" cmpd="sng" algn="ctr">
+          <a:solidFill>
+            <a:schemeClr val="phClr"/>
+          </a:solidFill>
+          <a:prstDash val="solid"/>
+        </a:ln>
+      </a:lnStyleLst>
+      <a:effectStyleLst>
+        <a:effectStyle>
+          <a:effectLst>
+            <a:outerShdw blurRad="40000" dist="20000" dir="5400000" rotWithShape="0">
+              <a:srgbClr val="000000">
+                <a:alpha val="38000"/>
+              </a:srgbClr>
+            </a:outerShdw>
+          </a:effectLst>
+        </a:effectStyle>
+        <a:effectStyle>
+          <a:effectLst>
+            <a:outerShdw blurRad="40000" dist="23000" dir="5400000" rotWithShape="0">
+              <a:srgbClr val="000000">
+                <a:alpha val="35000"/>
+              </a:srgbClr>
+            </a:outerShdw>
+          </a:effectLst>
+        </a:effectStyle>
+        <a:effectStyle>
+          <a:effectLst>
+            <a:outerShdw blurRad="40000" dist="23000" dir="5400000" rotWithShape="0">
+              <a:srgbClr val="000000">
+                <a:alpha val="35000"/>
+              </a:srgbClr>
+            </a:outerShdw>
+          </a:effectLst>
+          <a:scene3d>
+            <a:camera prst="orthographicFront">
+              <a:rot lat="0" lon="0" rev="0"/>
+            </a:camera>
+            <a:lightRig rig="threePt" dir="t">
+              <a:rot lat="0" lon="0" rev="1200000"/>
+            </a:lightRig>
+          </a:scene3d>
+          <a:sp3d>
+            <a:bevelT w="63500" h="25400"/>
+          </a:sp3d>
+        </a:effectStyle>
+      </a:effectStyleLst>
+      <a:bgFillStyleLst>
+        <a:solidFill>
+          <a:schemeClr val="phClr"/>
+        </a:solidFill>
+        <a:gradFill rotWithShape="1">
+          <a:gsLst>
+            <a:gs pos="0">
+              <a:schemeClr val="phClr">
+                <a:tint val="40000"/>
+                <a:satMod val="350000"/>
+              </a:schemeClr>
+            </a:gs>
+            <a:gs pos="40000">
+              <a:schemeClr val="phClr">
+                <a:tint val="45000"/>
+                <a:shade val="99000"/>
+                <a:satMod val="350000"/>
+              </a:schemeClr>
+            </a:gs>
+            <a:gs pos="100000">
+              <a:schemeClr val="phClr">
+                <a:shade val="20000"/>
+                <a:satMod val="255000"/>
+              </a:schemeClr>
+            </a:gs>
+          </a:gsLst>
+          <a:path path="circle">
+            <a:fillToRect l="50000" t="-80000" r="50000" b="180000"/>
+          </a:path>
+        </a:gradFill>
+        <a:gradFill rotWithShape="1">
+          <a:gsLst>
+            <a:gs pos="0">
+              <a:schemeClr val="phClr">
+                <a:tint val="80000"/>
+                <a:satMod val="300000"/>
+              </a:schemeClr>
+            </a:gs>
+            <a:gs pos="100000">
+              <a:schemeClr val="phClr">
+                <a:shade val="30000"/>
+                <a:satMod val="200000"/>
+              </a:schemeClr>
+            </a:gs>
+          </a:gsLst>
+          <a:path path="circle">
+            <a:fillToRect l="50000" t="50000" r="50000" b="50000"/>
+          </a:path>
+        </a:gradFill>
+      </a:bgFillStyleLst>
+    </a:fmtScheme>
+  </a:themeElements>
+  <a:objectDefaults/>
+  <a:extraClrSchemeLst/>
+</a:theme>
 </file>